--- a/CYBER360-9.3-Module-Manifests.pptx
+++ b/CYBER360-9.3-Module-Manifests.pptx
@@ -2157,7 +2157,7 @@
           <a:p>
             <a:fld id="{0D69348B-4620-44E9-BF3F-EACBA9EEF323}" type="datetimeFigureOut">
               <a:rPr lang="en-US" smtClean="0"/>
-              <a:t>6/27/2024</a:t>
+              <a:t>9/26/2024</a:t>
             </a:fld>
             <a:endParaRPr lang="en-US"/>
           </a:p>
@@ -2569,7 +2569,7 @@
           <a:p>
             <a:fld id="{0D69348B-4620-44E9-BF3F-EACBA9EEF323}" type="datetimeFigureOut">
               <a:rPr lang="en-US" smtClean="0"/>
-              <a:t>6/27/2024</a:t>
+              <a:t>9/26/2024</a:t>
             </a:fld>
             <a:endParaRPr lang="en-US"/>
           </a:p>
@@ -2710,7 +2710,7 @@
           <a:p>
             <a:fld id="{0D69348B-4620-44E9-BF3F-EACBA9EEF323}" type="datetimeFigureOut">
               <a:rPr lang="en-US" smtClean="0"/>
-              <a:t>6/27/2024</a:t>
+              <a:t>9/26/2024</a:t>
             </a:fld>
             <a:endParaRPr lang="en-US"/>
           </a:p>
@@ -2823,7 +2823,7 @@
           <a:p>
             <a:fld id="{0D69348B-4620-44E9-BF3F-EACBA9EEF323}" type="datetimeFigureOut">
               <a:rPr lang="en-US" smtClean="0"/>
-              <a:t>6/27/2024</a:t>
+              <a:t>9/26/2024</a:t>
             </a:fld>
             <a:endParaRPr lang="en-US"/>
           </a:p>
@@ -3134,7 +3134,7 @@
           <a:p>
             <a:fld id="{0D69348B-4620-44E9-BF3F-EACBA9EEF323}" type="datetimeFigureOut">
               <a:rPr lang="en-US" smtClean="0"/>
-              <a:t>6/27/2024</a:t>
+              <a:t>9/26/2024</a:t>
             </a:fld>
             <a:endParaRPr lang="en-US"/>
           </a:p>
@@ -3422,7 +3422,7 @@
           <a:p>
             <a:fld id="{0D69348B-4620-44E9-BF3F-EACBA9EEF323}" type="datetimeFigureOut">
               <a:rPr lang="en-US" smtClean="0"/>
-              <a:t>6/27/2024</a:t>
+              <a:t>9/26/2024</a:t>
             </a:fld>
             <a:endParaRPr lang="en-US"/>
           </a:p>
@@ -3620,7 +3620,7 @@
           <a:p>
             <a:fld id="{0D69348B-4620-44E9-BF3F-EACBA9EEF323}" type="datetimeFigureOut">
               <a:rPr lang="en-US" smtClean="0"/>
-              <a:t>6/27/2024</a:t>
+              <a:t>9/26/2024</a:t>
             </a:fld>
             <a:endParaRPr lang="en-US"/>
           </a:p>
@@ -3828,7 +3828,7 @@
           <a:p>
             <a:fld id="{0D69348B-4620-44E9-BF3F-EACBA9EEF323}" type="datetimeFigureOut">
               <a:rPr lang="en-US" smtClean="0"/>
-              <a:t>6/27/2024</a:t>
+              <a:t>9/26/2024</a:t>
             </a:fld>
             <a:endParaRPr lang="en-US"/>
           </a:p>
@@ -4327,7 +4327,7 @@
           <a:p>
             <a:fld id="{0BE24BAF-58C0-4D38-ABA0-4170CC92DC13}" type="datetimeFigureOut">
               <a:rPr lang="en-US" smtClean="0"/>
-              <a:t>6/27/2024</a:t>
+              <a:t>9/26/2024</a:t>
             </a:fld>
             <a:endParaRPr lang="en-US"/>
           </a:p>
@@ -4628,7 +4628,7 @@
           <a:p>
             <a:fld id="{0BE24BAF-58C0-4D38-ABA0-4170CC92DC13}" type="datetimeFigureOut">
               <a:rPr lang="en-US" smtClean="0"/>
-              <a:t>6/27/2024</a:t>
+              <a:t>9/26/2024</a:t>
             </a:fld>
             <a:endParaRPr lang="en-US"/>
           </a:p>
@@ -4826,7 +4826,7 @@
           <a:p>
             <a:fld id="{0D69348B-4620-44E9-BF3F-EACBA9EEF323}" type="datetimeFigureOut">
               <a:rPr lang="en-US" smtClean="0"/>
-              <a:t>6/27/2024</a:t>
+              <a:t>9/26/2024</a:t>
             </a:fld>
             <a:endParaRPr lang="en-US"/>
           </a:p>
@@ -5101,7 +5101,7 @@
           <a:p>
             <a:fld id="{0D69348B-4620-44E9-BF3F-EACBA9EEF323}" type="datetimeFigureOut">
               <a:rPr lang="en-US" smtClean="0"/>
-              <a:t>6/27/2024</a:t>
+              <a:t>9/26/2024</a:t>
             </a:fld>
             <a:endParaRPr lang="en-US"/>
           </a:p>
@@ -5233,14 +5233,14 @@
           </a:ln>
           <a:extLst>
             <a:ext uri="{909E8E84-426E-40dd-AFC4-6F175D3DCCD1}">
-              <a14:hiddenFill xmlns:a14="http://schemas.microsoft.com/office/drawing/2010/main" xmlns="">
+              <a14:hiddenFill xmlns="" xmlns:a14="http://schemas.microsoft.com/office/drawing/2010/main">
                 <a:solidFill>
                   <a:srgbClr val="FFFFFF"/>
                 </a:solidFill>
               </a14:hiddenFill>
             </a:ext>
             <a:ext uri="{91240B29-F687-4f45-9708-019B960494DF}">
-              <a14:hiddenLine xmlns:a14="http://schemas.microsoft.com/office/drawing/2010/main" xmlns="" w="9525">
+              <a14:hiddenLine xmlns="" xmlns:a14="http://schemas.microsoft.com/office/drawing/2010/main" w="9525">
                 <a:solidFill>
                   <a:srgbClr val="000000"/>
                 </a:solidFill>
@@ -6056,7 +6056,7 @@
           <a:p>
             <a:fld id="{0D69348B-4620-44E9-BF3F-EACBA9EEF323}" type="datetimeFigureOut">
               <a:rPr lang="en-US" smtClean="0"/>
-              <a:t>6/27/2024</a:t>
+              <a:t>9/26/2024</a:t>
             </a:fld>
             <a:endParaRPr lang="en-US"/>
           </a:p>
@@ -7603,7 +7603,7 @@
             </a:r>
             <a:r>
               <a:rPr lang="en-US" dirty="0"/>
-              <a:t>  statements  (decision/selection/conditionally execution)</a:t>
+              <a:t>  statements  (decision/selection/conditional execution)</a:t>
             </a:r>
           </a:p>
           <a:p>

--- a/CYBER360-9.3-Module-Manifests.pptx
+++ b/CYBER360-9.3-Module-Manifests.pptx
@@ -3,16 +3,16 @@
 <p:presentation xmlns:a="http://schemas.openxmlformats.org/drawingml/2006/main" xmlns:r="http://schemas.openxmlformats.org/officeDocument/2006/relationships" xmlns:p="http://schemas.openxmlformats.org/presentationml/2006/main" saveSubsetFonts="1">
   <p:sldMasterIdLst>
     <p:sldMasterId id="2147483661" r:id="rId1"/>
-    <p:sldMasterId id="2147483681" r:id="rId2"/>
+    <p:sldMasterId id="2147483694" r:id="rId2"/>
   </p:sldMasterIdLst>
   <p:sldIdLst>
-    <p:sldId id="256" r:id="rId3"/>
-    <p:sldId id="285" r:id="rId4"/>
-    <p:sldId id="286" r:id="rId5"/>
-    <p:sldId id="289" r:id="rId6"/>
-    <p:sldId id="290" r:id="rId7"/>
-    <p:sldId id="291" r:id="rId8"/>
-    <p:sldId id="284" r:id="rId9"/>
+    <p:sldId id="292" r:id="rId3"/>
+    <p:sldId id="293" r:id="rId4"/>
+    <p:sldId id="294" r:id="rId5"/>
+    <p:sldId id="295" r:id="rId6"/>
+    <p:sldId id="296" r:id="rId7"/>
+    <p:sldId id="297" r:id="rId8"/>
+    <p:sldId id="298" r:id="rId9"/>
   </p:sldIdLst>
   <p:sldSz cx="12192000" cy="6858000"/>
   <p:notesSz cx="6858000" cy="9144000"/>
@@ -152,9 +152,7 @@
 <file path=ppt/revisionInfo.xml><?xml version="1.0" encoding="utf-8"?>
 <p1510:revInfo xmlns:a="http://schemas.openxmlformats.org/drawingml/2006/main" xmlns:r="http://schemas.openxmlformats.org/officeDocument/2006/relationships" xmlns:p1510="http://schemas.microsoft.com/office/powerpoint/2015/10/main">
   <p1510:revLst>
-    <p1510:client id="{08C743A0-6526-4066-967C-A9B01170A4A8}" v="3" dt="2024-06-27T21:32:42.189"/>
-    <p1510:client id="{0EC82395-5FDE-445B-A1E5-245204C0D88D}" v="6" dt="2024-06-27T21:04:45.224"/>
-    <p1510:client id="{D6085967-26A6-4629-8CC7-2C03349F2E98}" v="9" dt="2024-06-27T22:36:52.717"/>
+    <p1510:client id="{D1822379-C0C8-4C6E-87B1-EC933D771001}" v="14" dt="2024-12-17T17:00:55.064"/>
   </p1510:revLst>
 </p1510:revInfo>
 </file>
@@ -162,20 +160,89 @@
 <file path=ppt/changesInfos/changesInfo1.xml><?xml version="1.0" encoding="utf-8"?>
 <pc:chgInfo xmlns:a="http://schemas.openxmlformats.org/drawingml/2006/main" xmlns:r="http://schemas.openxmlformats.org/officeDocument/2006/relationships" xmlns:ac="http://schemas.microsoft.com/office/drawing/2013/main/command" xmlns:pc="http://schemas.microsoft.com/office/powerpoint/2013/main/command">
   <pc:docChgLst>
-    <pc:chgData name="Gibbons, Carl" userId="d2b037bc-8fb4-4222-845c-61440543a456" providerId="ADAL" clId="{3889D47B-FCE9-4AB2-9111-4C64BAB2FC05}"/>
-    <pc:docChg chg="undo custSel addSld modSld">
-      <pc:chgData name="Gibbons, Carl" userId="d2b037bc-8fb4-4222-845c-61440543a456" providerId="ADAL" clId="{3889D47B-FCE9-4AB2-9111-4C64BAB2FC05}" dt="2024-06-18T16:11:22.239" v="16939" actId="20577"/>
+    <pc:chgData name="Gibbons, Carl" userId="d2b037bc-8fb4-4222-845c-61440543a456" providerId="ADAL" clId="{DD1CE632-2E50-4DF6-A094-0B92632EBA8E}"/>
+    <pc:docChg chg="modSld">
+      <pc:chgData name="Gibbons, Carl" userId="d2b037bc-8fb4-4222-845c-61440543a456" providerId="ADAL" clId="{DD1CE632-2E50-4DF6-A094-0B92632EBA8E}" dt="2023-12-06T17:42:28.848" v="23" actId="20577"/>
       <pc:docMkLst>
         <pc:docMk/>
       </pc:docMkLst>
       <pc:sldChg chg="modSp mod">
-        <pc:chgData name="Gibbons, Carl" userId="d2b037bc-8fb4-4222-845c-61440543a456" providerId="ADAL" clId="{3889D47B-FCE9-4AB2-9111-4C64BAB2FC05}" dt="2024-06-18T16:11:22.239" v="16939" actId="20577"/>
+        <pc:chgData name="Gibbons, Carl" userId="d2b037bc-8fb4-4222-845c-61440543a456" providerId="ADAL" clId="{DD1CE632-2E50-4DF6-A094-0B92632EBA8E}" dt="2023-11-21T08:38:02.899" v="11" actId="20577"/>
+        <pc:sldMkLst>
+          <pc:docMk/>
+          <pc:sldMk cId="3594981681" sldId="272"/>
+        </pc:sldMkLst>
+        <pc:spChg chg="mod">
+          <ac:chgData name="Gibbons, Carl" userId="d2b037bc-8fb4-4222-845c-61440543a456" providerId="ADAL" clId="{DD1CE632-2E50-4DF6-A094-0B92632EBA8E}" dt="2023-11-21T08:38:02.899" v="11" actId="20577"/>
+          <ac:spMkLst>
+            <pc:docMk/>
+            <pc:sldMk cId="3594981681" sldId="272"/>
+            <ac:spMk id="4" creationId="{B64A8207-997F-319E-7F6D-676D3ECA779B}"/>
+          </ac:spMkLst>
+        </pc:spChg>
+      </pc:sldChg>
+      <pc:sldChg chg="modSp mod">
+        <pc:chgData name="Gibbons, Carl" userId="d2b037bc-8fb4-4222-845c-61440543a456" providerId="ADAL" clId="{DD1CE632-2E50-4DF6-A094-0B92632EBA8E}" dt="2023-12-06T17:42:28.848" v="23" actId="20577"/>
+        <pc:sldMkLst>
+          <pc:docMk/>
+          <pc:sldMk cId="1865769485" sldId="273"/>
+        </pc:sldMkLst>
+        <pc:spChg chg="mod">
+          <ac:chgData name="Gibbons, Carl" userId="d2b037bc-8fb4-4222-845c-61440543a456" providerId="ADAL" clId="{DD1CE632-2E50-4DF6-A094-0B92632EBA8E}" dt="2023-12-06T17:42:28.848" v="23" actId="20577"/>
+          <ac:spMkLst>
+            <pc:docMk/>
+            <pc:sldMk cId="1865769485" sldId="273"/>
+            <ac:spMk id="4" creationId="{B64A8207-997F-319E-7F6D-676D3ECA779B}"/>
+          </ac:spMkLst>
+        </pc:spChg>
+      </pc:sldChg>
+      <pc:sldChg chg="modSp mod">
+        <pc:chgData name="Gibbons, Carl" userId="d2b037bc-8fb4-4222-845c-61440543a456" providerId="ADAL" clId="{DD1CE632-2E50-4DF6-A094-0B92632EBA8E}" dt="2023-12-06T17:39:43.190" v="12" actId="20577"/>
+        <pc:sldMkLst>
+          <pc:docMk/>
+          <pc:sldMk cId="3809967197" sldId="275"/>
+        </pc:sldMkLst>
+        <pc:spChg chg="mod">
+          <ac:chgData name="Gibbons, Carl" userId="d2b037bc-8fb4-4222-845c-61440543a456" providerId="ADAL" clId="{DD1CE632-2E50-4DF6-A094-0B92632EBA8E}" dt="2023-12-06T17:39:43.190" v="12" actId="20577"/>
+          <ac:spMkLst>
+            <pc:docMk/>
+            <pc:sldMk cId="3809967197" sldId="275"/>
+            <ac:spMk id="3" creationId="{ADD8957C-88E6-A920-4979-2BDA9406B518}"/>
+          </ac:spMkLst>
+        </pc:spChg>
+      </pc:sldChg>
+      <pc:sldChg chg="modSp mod">
+        <pc:chgData name="Gibbons, Carl" userId="d2b037bc-8fb4-4222-845c-61440543a456" providerId="ADAL" clId="{DD1CE632-2E50-4DF6-A094-0B92632EBA8E}" dt="2023-12-06T17:40:27.333" v="15" actId="20577"/>
+        <pc:sldMkLst>
+          <pc:docMk/>
+          <pc:sldMk cId="1742169507" sldId="276"/>
+        </pc:sldMkLst>
+        <pc:spChg chg="mod">
+          <ac:chgData name="Gibbons, Carl" userId="d2b037bc-8fb4-4222-845c-61440543a456" providerId="ADAL" clId="{DD1CE632-2E50-4DF6-A094-0B92632EBA8E}" dt="2023-12-06T17:40:27.333" v="15" actId="20577"/>
+          <ac:spMkLst>
+            <pc:docMk/>
+            <pc:sldMk cId="1742169507" sldId="276"/>
+            <ac:spMk id="3" creationId="{ADD8957C-88E6-A920-4979-2BDA9406B518}"/>
+          </ac:spMkLst>
+        </pc:spChg>
+      </pc:sldChg>
+    </pc:docChg>
+  </pc:docChgLst>
+  <pc:docChgLst>
+    <pc:chgData name="Gibbons, Carl" userId="d2b037bc-8fb4-4222-845c-61440543a456" providerId="ADAL" clId="{D6085967-26A6-4629-8CC7-2C03349F2E98}"/>
+    <pc:docChg chg="undo custSel addSld delSld modSld">
+      <pc:chgData name="Gibbons, Carl" userId="d2b037bc-8fb4-4222-845c-61440543a456" providerId="ADAL" clId="{D6085967-26A6-4629-8CC7-2C03349F2E98}" dt="2024-06-27T22:47:04.091" v="4601" actId="20577"/>
+      <pc:docMkLst>
+        <pc:docMk/>
+      </pc:docMkLst>
+      <pc:sldChg chg="modSp mod">
+        <pc:chgData name="Gibbons, Carl" userId="d2b037bc-8fb4-4222-845c-61440543a456" providerId="ADAL" clId="{D6085967-26A6-4629-8CC7-2C03349F2E98}" dt="2024-06-27T21:53:27.533" v="17" actId="20577"/>
         <pc:sldMkLst>
           <pc:docMk/>
           <pc:sldMk cId="3644072983" sldId="256"/>
         </pc:sldMkLst>
         <pc:spChg chg="mod">
-          <ac:chgData name="Gibbons, Carl" userId="d2b037bc-8fb4-4222-845c-61440543a456" providerId="ADAL" clId="{3889D47B-FCE9-4AB2-9111-4C64BAB2FC05}" dt="2024-06-18T16:11:22.239" v="16939" actId="20577"/>
+          <ac:chgData name="Gibbons, Carl" userId="d2b037bc-8fb4-4222-845c-61440543a456" providerId="ADAL" clId="{D6085967-26A6-4629-8CC7-2C03349F2E98}" dt="2024-06-27T21:53:27.533" v="17" actId="20577"/>
           <ac:spMkLst>
             <pc:docMk/>
             <pc:sldMk cId="3644072983" sldId="256"/>
@@ -183,84 +250,14 @@
           </ac:spMkLst>
         </pc:spChg>
       </pc:sldChg>
-      <pc:sldChg chg="delSp modSp mod">
-        <pc:chgData name="Gibbons, Carl" userId="d2b037bc-8fb4-4222-845c-61440543a456" providerId="ADAL" clId="{3889D47B-FCE9-4AB2-9111-4C64BAB2FC05}" dt="2024-06-15T16:37:25.907" v="16757" actId="20577"/>
-        <pc:sldMkLst>
-          <pc:docMk/>
-          <pc:sldMk cId="2611413137" sldId="266"/>
-        </pc:sldMkLst>
-        <pc:spChg chg="mod">
-          <ac:chgData name="Gibbons, Carl" userId="d2b037bc-8fb4-4222-845c-61440543a456" providerId="ADAL" clId="{3889D47B-FCE9-4AB2-9111-4C64BAB2FC05}" dt="2024-06-15T16:36:03.779" v="16752" actId="20577"/>
-          <ac:spMkLst>
-            <pc:docMk/>
-            <pc:sldMk cId="2611413137" sldId="266"/>
-            <ac:spMk id="2" creationId="{64492E64-A68B-8CA7-B3C6-044F7C8E76AB}"/>
-          </ac:spMkLst>
-        </pc:spChg>
-        <pc:spChg chg="del mod">
-          <ac:chgData name="Gibbons, Carl" userId="d2b037bc-8fb4-4222-845c-61440543a456" providerId="ADAL" clId="{3889D47B-FCE9-4AB2-9111-4C64BAB2FC05}" dt="2024-06-15T02:17:46.854" v="1960" actId="478"/>
-          <ac:spMkLst>
-            <pc:docMk/>
-            <pc:sldMk cId="2611413137" sldId="266"/>
-            <ac:spMk id="3" creationId="{20E8B8C0-A2A5-7B62-1B40-D3BF6CA80A5C}"/>
-          </ac:spMkLst>
-        </pc:spChg>
-        <pc:spChg chg="mod">
-          <ac:chgData name="Gibbons, Carl" userId="d2b037bc-8fb4-4222-845c-61440543a456" providerId="ADAL" clId="{3889D47B-FCE9-4AB2-9111-4C64BAB2FC05}" dt="2024-06-15T16:37:25.907" v="16757" actId="20577"/>
-          <ac:spMkLst>
-            <pc:docMk/>
-            <pc:sldMk cId="2611413137" sldId="266"/>
-            <ac:spMk id="4" creationId="{B64A8207-997F-319E-7F6D-676D3ECA779B}"/>
-          </ac:spMkLst>
-        </pc:spChg>
-        <pc:spChg chg="del mod">
-          <ac:chgData name="Gibbons, Carl" userId="d2b037bc-8fb4-4222-845c-61440543a456" providerId="ADAL" clId="{3889D47B-FCE9-4AB2-9111-4C64BAB2FC05}" dt="2024-06-15T02:17:48.948" v="1961" actId="478"/>
-          <ac:spMkLst>
-            <pc:docMk/>
-            <pc:sldMk cId="2611413137" sldId="266"/>
-            <ac:spMk id="5" creationId="{EDDCCECA-E971-2EC4-FEF0-DCF50F49CE6A}"/>
-          </ac:spMkLst>
-        </pc:spChg>
-        <pc:spChg chg="del">
-          <ac:chgData name="Gibbons, Carl" userId="d2b037bc-8fb4-4222-845c-61440543a456" providerId="ADAL" clId="{3889D47B-FCE9-4AB2-9111-4C64BAB2FC05}" dt="2024-06-15T02:17:51.144" v="1962" actId="478"/>
-          <ac:spMkLst>
-            <pc:docMk/>
-            <pc:sldMk cId="2611413137" sldId="266"/>
-            <ac:spMk id="6" creationId="{BAACEC6C-4A35-E101-5EBD-12F9722B023B}"/>
-          </ac:spMkLst>
-        </pc:spChg>
-      </pc:sldChg>
       <pc:sldChg chg="modSp mod">
-        <pc:chgData name="Gibbons, Carl" userId="d2b037bc-8fb4-4222-845c-61440543a456" providerId="ADAL" clId="{3889D47B-FCE9-4AB2-9111-4C64BAB2FC05}" dt="2024-06-15T16:35:34.617" v="16748" actId="114"/>
-        <pc:sldMkLst>
-          <pc:docMk/>
-          <pc:sldMk cId="4188996306" sldId="267"/>
-        </pc:sldMkLst>
-        <pc:spChg chg="mod">
-          <ac:chgData name="Gibbons, Carl" userId="d2b037bc-8fb4-4222-845c-61440543a456" providerId="ADAL" clId="{3889D47B-FCE9-4AB2-9111-4C64BAB2FC05}" dt="2024-06-15T03:34:23.581" v="5304" actId="20577"/>
-          <ac:spMkLst>
-            <pc:docMk/>
-            <pc:sldMk cId="4188996306" sldId="267"/>
-            <ac:spMk id="2" creationId="{64492E64-A68B-8CA7-B3C6-044F7C8E76AB}"/>
-          </ac:spMkLst>
-        </pc:spChg>
-        <pc:spChg chg="mod">
-          <ac:chgData name="Gibbons, Carl" userId="d2b037bc-8fb4-4222-845c-61440543a456" providerId="ADAL" clId="{3889D47B-FCE9-4AB2-9111-4C64BAB2FC05}" dt="2024-06-15T16:35:34.617" v="16748" actId="114"/>
-          <ac:spMkLst>
-            <pc:docMk/>
-            <pc:sldMk cId="4188996306" sldId="267"/>
-            <ac:spMk id="4" creationId="{B64A8207-997F-319E-7F6D-676D3ECA779B}"/>
-          </ac:spMkLst>
-        </pc:spChg>
-      </pc:sldChg>
-      <pc:sldChg chg="modSp mod">
-        <pc:chgData name="Gibbons, Carl" userId="d2b037bc-8fb4-4222-845c-61440543a456" providerId="ADAL" clId="{3889D47B-FCE9-4AB2-9111-4C64BAB2FC05}" dt="2024-06-15T16:05:30.597" v="16116" actId="20577"/>
+        <pc:chgData name="Gibbons, Carl" userId="d2b037bc-8fb4-4222-845c-61440543a456" providerId="ADAL" clId="{D6085967-26A6-4629-8CC7-2C03349F2E98}" dt="2024-06-27T22:47:04.091" v="4601" actId="20577"/>
         <pc:sldMkLst>
           <pc:docMk/>
           <pc:sldMk cId="322366662" sldId="284"/>
         </pc:sldMkLst>
         <pc:spChg chg="mod">
-          <ac:chgData name="Gibbons, Carl" userId="d2b037bc-8fb4-4222-845c-61440543a456" providerId="ADAL" clId="{3889D47B-FCE9-4AB2-9111-4C64BAB2FC05}" dt="2024-06-15T16:05:30.597" v="16116" actId="20577"/>
+          <ac:chgData name="Gibbons, Carl" userId="d2b037bc-8fb4-4222-845c-61440543a456" providerId="ADAL" clId="{D6085967-26A6-4629-8CC7-2C03349F2E98}" dt="2024-06-27T22:47:04.091" v="4601" actId="20577"/>
           <ac:spMkLst>
             <pc:docMk/>
             <pc:sldMk cId="322366662" sldId="284"/>
@@ -268,188 +265,189 @@
           </ac:spMkLst>
         </pc:spChg>
       </pc:sldChg>
-      <pc:sldChg chg="modSp mod">
-        <pc:chgData name="Gibbons, Carl" userId="d2b037bc-8fb4-4222-845c-61440543a456" providerId="ADAL" clId="{3889D47B-FCE9-4AB2-9111-4C64BAB2FC05}" dt="2024-06-15T16:41:30.117" v="16827" actId="114"/>
+      <pc:sldChg chg="addSp delSp modSp mod">
+        <pc:chgData name="Gibbons, Carl" userId="d2b037bc-8fb4-4222-845c-61440543a456" providerId="ADAL" clId="{D6085967-26A6-4629-8CC7-2C03349F2E98}" dt="2024-06-27T22:04:48.912" v="200" actId="20577"/>
         <pc:sldMkLst>
           <pc:docMk/>
-          <pc:sldMk cId="2432840855" sldId="285"/>
+          <pc:sldMk cId="3461056406" sldId="285"/>
         </pc:sldMkLst>
         <pc:spChg chg="mod">
-          <ac:chgData name="Gibbons, Carl" userId="d2b037bc-8fb4-4222-845c-61440543a456" providerId="ADAL" clId="{3889D47B-FCE9-4AB2-9111-4C64BAB2FC05}" dt="2024-06-15T13:06:37.068" v="7275" actId="20577"/>
-          <ac:spMkLst>
-            <pc:docMk/>
-            <pc:sldMk cId="2432840855" sldId="285"/>
-            <ac:spMk id="2" creationId="{64492E64-A68B-8CA7-B3C6-044F7C8E76AB}"/>
-          </ac:spMkLst>
-        </pc:spChg>
-        <pc:spChg chg="mod">
-          <ac:chgData name="Gibbons, Carl" userId="d2b037bc-8fb4-4222-845c-61440543a456" providerId="ADAL" clId="{3889D47B-FCE9-4AB2-9111-4C64BAB2FC05}" dt="2024-06-15T16:41:30.117" v="16827" actId="114"/>
-          <ac:spMkLst>
-            <pc:docMk/>
-            <pc:sldMk cId="2432840855" sldId="285"/>
-            <ac:spMk id="4" creationId="{B64A8207-997F-319E-7F6D-676D3ECA779B}"/>
-          </ac:spMkLst>
-        </pc:spChg>
+          <ac:chgData name="Gibbons, Carl" userId="d2b037bc-8fb4-4222-845c-61440543a456" providerId="ADAL" clId="{D6085967-26A6-4629-8CC7-2C03349F2E98}" dt="2024-06-27T21:54:02.403" v="67" actId="20577"/>
+          <ac:spMkLst>
+            <pc:docMk/>
+            <pc:sldMk cId="3461056406" sldId="285"/>
+            <ac:spMk id="2" creationId="{AF4FFC57-4A5F-4049-833E-147BCB7DCB3C}"/>
+          </ac:spMkLst>
+        </pc:spChg>
+        <pc:spChg chg="del mod">
+          <ac:chgData name="Gibbons, Carl" userId="d2b037bc-8fb4-4222-845c-61440543a456" providerId="ADAL" clId="{D6085967-26A6-4629-8CC7-2C03349F2E98}" dt="2024-06-27T21:54:29.617" v="70" actId="478"/>
+          <ac:spMkLst>
+            <pc:docMk/>
+            <pc:sldMk cId="3461056406" sldId="285"/>
+            <ac:spMk id="3" creationId="{67DC0261-9386-BB1C-2085-8653B2A19191}"/>
+          </ac:spMkLst>
+        </pc:spChg>
+        <pc:spChg chg="del">
+          <ac:chgData name="Gibbons, Carl" userId="d2b037bc-8fb4-4222-845c-61440543a456" providerId="ADAL" clId="{D6085967-26A6-4629-8CC7-2C03349F2E98}" dt="2024-06-27T21:55:33.036" v="79" actId="478"/>
+          <ac:spMkLst>
+            <pc:docMk/>
+            <pc:sldMk cId="3461056406" sldId="285"/>
+            <ac:spMk id="4" creationId="{B3AE118A-640B-51EA-D796-7B56645FDA07}"/>
+          </ac:spMkLst>
+        </pc:spChg>
+        <pc:spChg chg="add del mod">
+          <ac:chgData name="Gibbons, Carl" userId="d2b037bc-8fb4-4222-845c-61440543a456" providerId="ADAL" clId="{D6085967-26A6-4629-8CC7-2C03349F2E98}" dt="2024-06-27T21:55:20.264" v="77" actId="478"/>
+          <ac:spMkLst>
+            <pc:docMk/>
+            <pc:sldMk cId="3461056406" sldId="285"/>
+            <ac:spMk id="6" creationId="{8F3FFFDC-14C6-106E-42F8-A3540BC7ADC0}"/>
+          </ac:spMkLst>
+        </pc:spChg>
+        <pc:spChg chg="add mod">
+          <ac:chgData name="Gibbons, Carl" userId="d2b037bc-8fb4-4222-845c-61440543a456" providerId="ADAL" clId="{D6085967-26A6-4629-8CC7-2C03349F2E98}" dt="2024-06-27T22:04:48.912" v="200" actId="20577"/>
+          <ac:spMkLst>
+            <pc:docMk/>
+            <pc:sldMk cId="3461056406" sldId="285"/>
+            <ac:spMk id="8" creationId="{A65A1EB3-D1FF-7054-E4A0-32CFD411EBCE}"/>
+          </ac:spMkLst>
+        </pc:spChg>
+        <pc:spChg chg="add del mod">
+          <ac:chgData name="Gibbons, Carl" userId="d2b037bc-8fb4-4222-845c-61440543a456" providerId="ADAL" clId="{D6085967-26A6-4629-8CC7-2C03349F2E98}" dt="2024-06-27T21:55:47.937" v="81" actId="21"/>
+          <ac:spMkLst>
+            <pc:docMk/>
+            <pc:sldMk cId="3461056406" sldId="285"/>
+            <ac:spMk id="9" creationId="{A47A19AC-03F7-A40D-077E-51265491C222}"/>
+          </ac:spMkLst>
+        </pc:spChg>
+        <pc:spChg chg="add del mod">
+          <ac:chgData name="Gibbons, Carl" userId="d2b037bc-8fb4-4222-845c-61440543a456" providerId="ADAL" clId="{D6085967-26A6-4629-8CC7-2C03349F2E98}" dt="2024-06-27T22:00:23.103" v="114" actId="478"/>
+          <ac:spMkLst>
+            <pc:docMk/>
+            <pc:sldMk cId="3461056406" sldId="285"/>
+            <ac:spMk id="10" creationId="{75B130A0-A67D-2CD6-8EDD-B6AF964309D4}"/>
+          </ac:spMkLst>
+        </pc:spChg>
+        <pc:spChg chg="add mod">
+          <ac:chgData name="Gibbons, Carl" userId="d2b037bc-8fb4-4222-845c-61440543a456" providerId="ADAL" clId="{D6085967-26A6-4629-8CC7-2C03349F2E98}" dt="2024-06-27T22:04:30.540" v="198" actId="1076"/>
+          <ac:spMkLst>
+            <pc:docMk/>
+            <pc:sldMk cId="3461056406" sldId="285"/>
+            <ac:spMk id="11" creationId="{79F6EA98-EC25-7169-A339-0486CE084B4E}"/>
+          </ac:spMkLst>
+        </pc:spChg>
+        <pc:graphicFrameChg chg="add mod">
+          <ac:chgData name="Gibbons, Carl" userId="d2b037bc-8fb4-4222-845c-61440543a456" providerId="ADAL" clId="{D6085967-26A6-4629-8CC7-2C03349F2E98}" dt="2024-06-27T21:54:39.430" v="72"/>
+          <ac:graphicFrameMkLst>
+            <pc:docMk/>
+            <pc:sldMk cId="3461056406" sldId="285"/>
+            <ac:graphicFrameMk id="7" creationId="{85742D5D-36E6-3791-05B7-9D18D27C2701}"/>
+          </ac:graphicFrameMkLst>
+        </pc:graphicFrameChg>
       </pc:sldChg>
       <pc:sldChg chg="modSp mod">
-        <pc:chgData name="Gibbons, Carl" userId="d2b037bc-8fb4-4222-845c-61440543a456" providerId="ADAL" clId="{3889D47B-FCE9-4AB2-9111-4C64BAB2FC05}" dt="2024-06-15T16:34:10.067" v="16747" actId="20577"/>
+        <pc:chgData name="Gibbons, Carl" userId="d2b037bc-8fb4-4222-845c-61440543a456" providerId="ADAL" clId="{D6085967-26A6-4629-8CC7-2C03349F2E98}" dt="2024-06-27T22:17:32.213" v="1478" actId="20577"/>
         <pc:sldMkLst>
           <pc:docMk/>
-          <pc:sldMk cId="2169521787" sldId="286"/>
+          <pc:sldMk cId="3877965803" sldId="286"/>
         </pc:sldMkLst>
         <pc:spChg chg="mod">
-          <ac:chgData name="Gibbons, Carl" userId="d2b037bc-8fb4-4222-845c-61440543a456" providerId="ADAL" clId="{3889D47B-FCE9-4AB2-9111-4C64BAB2FC05}" dt="2024-06-15T14:39:00.702" v="9894" actId="20577"/>
-          <ac:spMkLst>
-            <pc:docMk/>
-            <pc:sldMk cId="2169521787" sldId="286"/>
-            <ac:spMk id="2" creationId="{64492E64-A68B-8CA7-B3C6-044F7C8E76AB}"/>
+          <ac:chgData name="Gibbons, Carl" userId="d2b037bc-8fb4-4222-845c-61440543a456" providerId="ADAL" clId="{D6085967-26A6-4629-8CC7-2C03349F2E98}" dt="2024-06-27T22:05:29.336" v="234" actId="20577"/>
+          <ac:spMkLst>
+            <pc:docMk/>
+            <pc:sldMk cId="3877965803" sldId="286"/>
+            <ac:spMk id="2" creationId="{AF4FFC57-4A5F-4049-833E-147BCB7DCB3C}"/>
           </ac:spMkLst>
         </pc:spChg>
         <pc:spChg chg="mod">
-          <ac:chgData name="Gibbons, Carl" userId="d2b037bc-8fb4-4222-845c-61440543a456" providerId="ADAL" clId="{3889D47B-FCE9-4AB2-9111-4C64BAB2FC05}" dt="2024-06-15T16:34:10.067" v="16747" actId="20577"/>
-          <ac:spMkLst>
-            <pc:docMk/>
-            <pc:sldMk cId="2169521787" sldId="286"/>
-            <ac:spMk id="4" creationId="{B64A8207-997F-319E-7F6D-676D3ECA779B}"/>
+          <ac:chgData name="Gibbons, Carl" userId="d2b037bc-8fb4-4222-845c-61440543a456" providerId="ADAL" clId="{D6085967-26A6-4629-8CC7-2C03349F2E98}" dt="2024-06-27T22:17:32.213" v="1478" actId="20577"/>
+          <ac:spMkLst>
+            <pc:docMk/>
+            <pc:sldMk cId="3877965803" sldId="286"/>
+            <ac:spMk id="3" creationId="{67DC0261-9386-BB1C-2085-8653B2A19191}"/>
           </ac:spMkLst>
         </pc:spChg>
       </pc:sldChg>
-      <pc:sldChg chg="addSp delSp modSp mod">
-        <pc:chgData name="Gibbons, Carl" userId="d2b037bc-8fb4-4222-845c-61440543a456" providerId="ADAL" clId="{3889D47B-FCE9-4AB2-9111-4C64BAB2FC05}" dt="2024-06-15T16:36:08.887" v="16754" actId="20577"/>
+      <pc:sldChg chg="del">
+        <pc:chgData name="Gibbons, Carl" userId="d2b037bc-8fb4-4222-845c-61440543a456" providerId="ADAL" clId="{D6085967-26A6-4629-8CC7-2C03349F2E98}" dt="2024-06-27T22:17:48.693" v="1479" actId="47"/>
         <pc:sldMkLst>
           <pc:docMk/>
-          <pc:sldMk cId="1898587254" sldId="287"/>
+          <pc:sldMk cId="371021941" sldId="288"/>
+        </pc:sldMkLst>
+      </pc:sldChg>
+      <pc:sldChg chg="modSp mod">
+        <pc:chgData name="Gibbons, Carl" userId="d2b037bc-8fb4-4222-845c-61440543a456" providerId="ADAL" clId="{D6085967-26A6-4629-8CC7-2C03349F2E98}" dt="2024-06-27T22:34:48.397" v="3430" actId="20577"/>
+        <pc:sldMkLst>
+          <pc:docMk/>
+          <pc:sldMk cId="639389324" sldId="289"/>
         </pc:sldMkLst>
         <pc:spChg chg="mod">
-          <ac:chgData name="Gibbons, Carl" userId="d2b037bc-8fb4-4222-845c-61440543a456" providerId="ADAL" clId="{3889D47B-FCE9-4AB2-9111-4C64BAB2FC05}" dt="2024-06-15T16:36:08.887" v="16754" actId="20577"/>
-          <ac:spMkLst>
-            <pc:docMk/>
-            <pc:sldMk cId="1898587254" sldId="287"/>
-            <ac:spMk id="2" creationId="{64492E64-A68B-8CA7-B3C6-044F7C8E76AB}"/>
+          <ac:chgData name="Gibbons, Carl" userId="d2b037bc-8fb4-4222-845c-61440543a456" providerId="ADAL" clId="{D6085967-26A6-4629-8CC7-2C03349F2E98}" dt="2024-06-27T22:34:48.397" v="3430" actId="20577"/>
+          <ac:spMkLst>
+            <pc:docMk/>
+            <pc:sldMk cId="639389324" sldId="289"/>
+            <ac:spMk id="2" creationId="{AF4FFC57-4A5F-4049-833E-147BCB7DCB3C}"/>
+          </ac:spMkLst>
+        </pc:spChg>
+        <pc:spChg chg="mod">
+          <ac:chgData name="Gibbons, Carl" userId="d2b037bc-8fb4-4222-845c-61440543a456" providerId="ADAL" clId="{D6085967-26A6-4629-8CC7-2C03349F2E98}" dt="2024-06-27T22:25:34.808" v="2413" actId="20577"/>
+          <ac:spMkLst>
+            <pc:docMk/>
+            <pc:sldMk cId="639389324" sldId="289"/>
+            <ac:spMk id="3" creationId="{67DC0261-9386-BB1C-2085-8653B2A19191}"/>
+          </ac:spMkLst>
+        </pc:spChg>
+      </pc:sldChg>
+      <pc:sldChg chg="addSp modSp add mod">
+        <pc:chgData name="Gibbons, Carl" userId="d2b037bc-8fb4-4222-845c-61440543a456" providerId="ADAL" clId="{D6085967-26A6-4629-8CC7-2C03349F2E98}" dt="2024-06-27T22:36:08.346" v="3468" actId="20577"/>
+        <pc:sldMkLst>
+          <pc:docMk/>
+          <pc:sldMk cId="724921324" sldId="290"/>
+        </pc:sldMkLst>
+        <pc:spChg chg="mod">
+          <ac:chgData name="Gibbons, Carl" userId="d2b037bc-8fb4-4222-845c-61440543a456" providerId="ADAL" clId="{D6085967-26A6-4629-8CC7-2C03349F2E98}" dt="2024-06-27T22:35:14.158" v="3465" actId="20577"/>
+          <ac:spMkLst>
+            <pc:docMk/>
+            <pc:sldMk cId="724921324" sldId="290"/>
+            <ac:spMk id="2" creationId="{AF4FFC57-4A5F-4049-833E-147BCB7DCB3C}"/>
+          </ac:spMkLst>
+        </pc:spChg>
+        <pc:spChg chg="mod">
+          <ac:chgData name="Gibbons, Carl" userId="d2b037bc-8fb4-4222-845c-61440543a456" providerId="ADAL" clId="{D6085967-26A6-4629-8CC7-2C03349F2E98}" dt="2024-06-27T22:34:35.505" v="3426" actId="27636"/>
+          <ac:spMkLst>
+            <pc:docMk/>
+            <pc:sldMk cId="724921324" sldId="290"/>
+            <ac:spMk id="3" creationId="{67DC0261-9386-BB1C-2085-8653B2A19191}"/>
           </ac:spMkLst>
         </pc:spChg>
         <pc:spChg chg="add mod">
-          <ac:chgData name="Gibbons, Carl" userId="d2b037bc-8fb4-4222-845c-61440543a456" providerId="ADAL" clId="{3889D47B-FCE9-4AB2-9111-4C64BAB2FC05}" dt="2024-06-15T03:33:36.927" v="5199" actId="20577"/>
-          <ac:spMkLst>
-            <pc:docMk/>
-            <pc:sldMk cId="1898587254" sldId="287"/>
-            <ac:spMk id="3" creationId="{A07D4459-4375-32A9-1627-ECA3B23C5287}"/>
-          </ac:spMkLst>
-        </pc:spChg>
-        <pc:spChg chg="mod">
-          <ac:chgData name="Gibbons, Carl" userId="d2b037bc-8fb4-4222-845c-61440543a456" providerId="ADAL" clId="{3889D47B-FCE9-4AB2-9111-4C64BAB2FC05}" dt="2024-06-15T14:27:28.507" v="9753" actId="20577"/>
-          <ac:spMkLst>
-            <pc:docMk/>
-            <pc:sldMk cId="1898587254" sldId="287"/>
-            <ac:spMk id="4" creationId="{B64A8207-997F-319E-7F6D-676D3ECA779B}"/>
-          </ac:spMkLst>
-        </pc:spChg>
-        <pc:spChg chg="add del mod">
-          <ac:chgData name="Gibbons, Carl" userId="d2b037bc-8fb4-4222-845c-61440543a456" providerId="ADAL" clId="{3889D47B-FCE9-4AB2-9111-4C64BAB2FC05}" dt="2024-06-15T03:27:51.055" v="5021" actId="478"/>
-          <ac:spMkLst>
-            <pc:docMk/>
-            <pc:sldMk cId="1898587254" sldId="287"/>
-            <ac:spMk id="5" creationId="{6DA673F6-3104-9590-1412-F98E5B2D8556}"/>
-          </ac:spMkLst>
-        </pc:spChg>
-        <pc:spChg chg="add mod">
-          <ac:chgData name="Gibbons, Carl" userId="d2b037bc-8fb4-4222-845c-61440543a456" providerId="ADAL" clId="{3889D47B-FCE9-4AB2-9111-4C64BAB2FC05}" dt="2024-06-15T03:33:40.396" v="5201" actId="20577"/>
-          <ac:spMkLst>
-            <pc:docMk/>
-            <pc:sldMk cId="1898587254" sldId="287"/>
-            <ac:spMk id="6" creationId="{DB335DE6-7D9E-2E32-D41E-03A3DFA8B40E}"/>
+          <ac:chgData name="Gibbons, Carl" userId="d2b037bc-8fb4-4222-845c-61440543a456" providerId="ADAL" clId="{D6085967-26A6-4629-8CC7-2C03349F2E98}" dt="2024-06-27T22:36:08.346" v="3468" actId="20577"/>
+          <ac:spMkLst>
+            <pc:docMk/>
+            <pc:sldMk cId="724921324" sldId="290"/>
+            <ac:spMk id="4" creationId="{1BE76952-BA4F-84DF-003D-295401143DF1}"/>
           </ac:spMkLst>
         </pc:spChg>
       </pc:sldChg>
       <pc:sldChg chg="modSp mod">
-        <pc:chgData name="Gibbons, Carl" userId="d2b037bc-8fb4-4222-845c-61440543a456" providerId="ADAL" clId="{3889D47B-FCE9-4AB2-9111-4C64BAB2FC05}" dt="2024-06-15T14:31:30.750" v="9797" actId="20577"/>
+        <pc:chgData name="Gibbons, Carl" userId="d2b037bc-8fb4-4222-845c-61440543a456" providerId="ADAL" clId="{D6085967-26A6-4629-8CC7-2C03349F2E98}" dt="2024-06-27T22:45:28.438" v="4503" actId="20577"/>
         <pc:sldMkLst>
           <pc:docMk/>
-          <pc:sldMk cId="1598400846" sldId="288"/>
+          <pc:sldMk cId="1976204481" sldId="291"/>
         </pc:sldMkLst>
         <pc:spChg chg="mod">
-          <ac:chgData name="Gibbons, Carl" userId="d2b037bc-8fb4-4222-845c-61440543a456" providerId="ADAL" clId="{3889D47B-FCE9-4AB2-9111-4C64BAB2FC05}" dt="2024-06-15T13:54:39.696" v="9353" actId="20577"/>
-          <ac:spMkLst>
-            <pc:docMk/>
-            <pc:sldMk cId="1598400846" sldId="288"/>
-            <ac:spMk id="2" creationId="{64492E64-A68B-8CA7-B3C6-044F7C8E76AB}"/>
+          <ac:chgData name="Gibbons, Carl" userId="d2b037bc-8fb4-4222-845c-61440543a456" providerId="ADAL" clId="{D6085967-26A6-4629-8CC7-2C03349F2E98}" dt="2024-06-27T22:37:08.013" v="3516" actId="20577"/>
+          <ac:spMkLst>
+            <pc:docMk/>
+            <pc:sldMk cId="1976204481" sldId="291"/>
+            <ac:spMk id="2" creationId="{AF4FFC57-4A5F-4049-833E-147BCB7DCB3C}"/>
           </ac:spMkLst>
         </pc:spChg>
         <pc:spChg chg="mod">
-          <ac:chgData name="Gibbons, Carl" userId="d2b037bc-8fb4-4222-845c-61440543a456" providerId="ADAL" clId="{3889D47B-FCE9-4AB2-9111-4C64BAB2FC05}" dt="2024-06-15T14:31:30.750" v="9797" actId="20577"/>
-          <ac:spMkLst>
-            <pc:docMk/>
-            <pc:sldMk cId="1598400846" sldId="288"/>
-            <ac:spMk id="4" creationId="{B64A8207-997F-319E-7F6D-676D3ECA779B}"/>
-          </ac:spMkLst>
-        </pc:spChg>
-      </pc:sldChg>
-      <pc:sldChg chg="modSp mod">
-        <pc:chgData name="Gibbons, Carl" userId="d2b037bc-8fb4-4222-845c-61440543a456" providerId="ADAL" clId="{3889D47B-FCE9-4AB2-9111-4C64BAB2FC05}" dt="2024-06-15T14:50:09.307" v="10646" actId="20577"/>
-        <pc:sldMkLst>
-          <pc:docMk/>
-          <pc:sldMk cId="1187668382" sldId="289"/>
-        </pc:sldMkLst>
-        <pc:spChg chg="mod">
-          <ac:chgData name="Gibbons, Carl" userId="d2b037bc-8fb4-4222-845c-61440543a456" providerId="ADAL" clId="{3889D47B-FCE9-4AB2-9111-4C64BAB2FC05}" dt="2024-06-15T14:39:34.640" v="9962" actId="2711"/>
-          <ac:spMkLst>
-            <pc:docMk/>
-            <pc:sldMk cId="1187668382" sldId="289"/>
-            <ac:spMk id="2" creationId="{64492E64-A68B-8CA7-B3C6-044F7C8E76AB}"/>
-          </ac:spMkLst>
-        </pc:spChg>
-        <pc:spChg chg="mod">
-          <ac:chgData name="Gibbons, Carl" userId="d2b037bc-8fb4-4222-845c-61440543a456" providerId="ADAL" clId="{3889D47B-FCE9-4AB2-9111-4C64BAB2FC05}" dt="2024-06-15T14:50:09.307" v="10646" actId="20577"/>
-          <ac:spMkLst>
-            <pc:docMk/>
-            <pc:sldMk cId="1187668382" sldId="289"/>
-            <ac:spMk id="4" creationId="{B64A8207-997F-319E-7F6D-676D3ECA779B}"/>
-          </ac:spMkLst>
-        </pc:spChg>
-      </pc:sldChg>
-      <pc:sldChg chg="modSp add mod">
-        <pc:chgData name="Gibbons, Carl" userId="d2b037bc-8fb4-4222-845c-61440543a456" providerId="ADAL" clId="{3889D47B-FCE9-4AB2-9111-4C64BAB2FC05}" dt="2024-06-15T16:17:53.627" v="16590" actId="20577"/>
-        <pc:sldMkLst>
-          <pc:docMk/>
-          <pc:sldMk cId="1294143228" sldId="290"/>
-        </pc:sldMkLst>
-        <pc:spChg chg="mod">
-          <ac:chgData name="Gibbons, Carl" userId="d2b037bc-8fb4-4222-845c-61440543a456" providerId="ADAL" clId="{3889D47B-FCE9-4AB2-9111-4C64BAB2FC05}" dt="2024-06-15T16:14:06.107" v="16409" actId="20577"/>
-          <ac:spMkLst>
-            <pc:docMk/>
-            <pc:sldMk cId="1294143228" sldId="290"/>
-            <ac:spMk id="2" creationId="{64492E64-A68B-8CA7-B3C6-044F7C8E76AB}"/>
-          </ac:spMkLst>
-        </pc:spChg>
-        <pc:spChg chg="mod">
-          <ac:chgData name="Gibbons, Carl" userId="d2b037bc-8fb4-4222-845c-61440543a456" providerId="ADAL" clId="{3889D47B-FCE9-4AB2-9111-4C64BAB2FC05}" dt="2024-06-15T16:17:53.627" v="16590" actId="20577"/>
-          <ac:spMkLst>
-            <pc:docMk/>
-            <pc:sldMk cId="1294143228" sldId="290"/>
-            <ac:spMk id="4" creationId="{B64A8207-997F-319E-7F6D-676D3ECA779B}"/>
-          </ac:spMkLst>
-        </pc:spChg>
-      </pc:sldChg>
-      <pc:sldChg chg="modSp add mod">
-        <pc:chgData name="Gibbons, Carl" userId="d2b037bc-8fb4-4222-845c-61440543a456" providerId="ADAL" clId="{3889D47B-FCE9-4AB2-9111-4C64BAB2FC05}" dt="2024-06-15T16:31:38.250" v="16719" actId="20577"/>
-        <pc:sldMkLst>
-          <pc:docMk/>
-          <pc:sldMk cId="1623491597" sldId="291"/>
-        </pc:sldMkLst>
-        <pc:spChg chg="mod">
-          <ac:chgData name="Gibbons, Carl" userId="d2b037bc-8fb4-4222-845c-61440543a456" providerId="ADAL" clId="{3889D47B-FCE9-4AB2-9111-4C64BAB2FC05}" dt="2024-06-15T16:19:27.896" v="16620" actId="20577"/>
-          <ac:spMkLst>
-            <pc:docMk/>
-            <pc:sldMk cId="1623491597" sldId="291"/>
-            <ac:spMk id="2" creationId="{64492E64-A68B-8CA7-B3C6-044F7C8E76AB}"/>
-          </ac:spMkLst>
-        </pc:spChg>
-        <pc:spChg chg="mod">
-          <ac:chgData name="Gibbons, Carl" userId="d2b037bc-8fb4-4222-845c-61440543a456" providerId="ADAL" clId="{3889D47B-FCE9-4AB2-9111-4C64BAB2FC05}" dt="2024-06-15T16:31:38.250" v="16719" actId="20577"/>
-          <ac:spMkLst>
-            <pc:docMk/>
-            <pc:sldMk cId="1623491597" sldId="291"/>
-            <ac:spMk id="4" creationId="{B64A8207-997F-319E-7F6D-676D3ECA779B}"/>
+          <ac:chgData name="Gibbons, Carl" userId="d2b037bc-8fb4-4222-845c-61440543a456" providerId="ADAL" clId="{D6085967-26A6-4629-8CC7-2C03349F2E98}" dt="2024-06-27T22:45:28.438" v="4503" actId="20577"/>
+          <ac:spMkLst>
+            <pc:docMk/>
+            <pc:sldMk cId="1976204481" sldId="291"/>
+            <ac:spMk id="3" creationId="{67DC0261-9386-BB1C-2085-8653B2A19191}"/>
           </ac:spMkLst>
         </pc:spChg>
       </pc:sldChg>
@@ -545,99 +543,6 @@
         </pc:sldMkLst>
         <pc:spChg chg="mod">
           <ac:chgData name="Gibbons, Carl" userId="d2b037bc-8fb4-4222-845c-61440543a456" providerId="ADAL" clId="{513A426B-8C0C-4739-8154-95FA52836484}" dt="2024-06-13T20:40:03.415" v="917" actId="20577"/>
-          <ac:spMkLst>
-            <pc:docMk/>
-            <pc:sldMk cId="1742169507" sldId="276"/>
-            <ac:spMk id="3" creationId="{ADD8957C-88E6-A920-4979-2BDA9406B518}"/>
-          </ac:spMkLst>
-        </pc:spChg>
-      </pc:sldChg>
-    </pc:docChg>
-  </pc:docChgLst>
-  <pc:docChgLst>
-    <pc:chgData name="Gibbons, Carl" userId="d2b037bc-8fb4-4222-845c-61440543a456" providerId="ADAL" clId="{ACF90228-EFF2-4732-BE47-2165A82AAC55}"/>
-    <pc:docChg chg="modSld">
-      <pc:chgData name="Gibbons, Carl" userId="d2b037bc-8fb4-4222-845c-61440543a456" providerId="ADAL" clId="{ACF90228-EFF2-4732-BE47-2165A82AAC55}" dt="2024-01-09T21:29:00.955" v="0"/>
-      <pc:docMkLst>
-        <pc:docMk/>
-      </pc:docMkLst>
-      <pc:sldChg chg="modSp mod">
-        <pc:chgData name="Gibbons, Carl" userId="d2b037bc-8fb4-4222-845c-61440543a456" providerId="ADAL" clId="{ACF90228-EFF2-4732-BE47-2165A82AAC55}" dt="2024-01-09T21:29:00.955" v="0"/>
-        <pc:sldMkLst>
-          <pc:docMk/>
-          <pc:sldMk cId="1055206713" sldId="269"/>
-        </pc:sldMkLst>
-        <pc:spChg chg="mod">
-          <ac:chgData name="Gibbons, Carl" userId="d2b037bc-8fb4-4222-845c-61440543a456" providerId="ADAL" clId="{ACF90228-EFF2-4732-BE47-2165A82AAC55}" dt="2024-01-09T21:29:00.955" v="0"/>
-          <ac:spMkLst>
-            <pc:docMk/>
-            <pc:sldMk cId="1055206713" sldId="269"/>
-            <ac:spMk id="4" creationId="{B64A8207-997F-319E-7F6D-676D3ECA779B}"/>
-          </ac:spMkLst>
-        </pc:spChg>
-      </pc:sldChg>
-    </pc:docChg>
-  </pc:docChgLst>
-  <pc:docChgLst>
-    <pc:chgData name="Gibbons, Carl" userId="d2b037bc-8fb4-4222-845c-61440543a456" providerId="ADAL" clId="{DD1CE632-2E50-4DF6-A094-0B92632EBA8E}"/>
-    <pc:docChg chg="modSld">
-      <pc:chgData name="Gibbons, Carl" userId="d2b037bc-8fb4-4222-845c-61440543a456" providerId="ADAL" clId="{DD1CE632-2E50-4DF6-A094-0B92632EBA8E}" dt="2023-12-06T17:42:28.848" v="23" actId="20577"/>
-      <pc:docMkLst>
-        <pc:docMk/>
-      </pc:docMkLst>
-      <pc:sldChg chg="modSp mod">
-        <pc:chgData name="Gibbons, Carl" userId="d2b037bc-8fb4-4222-845c-61440543a456" providerId="ADAL" clId="{DD1CE632-2E50-4DF6-A094-0B92632EBA8E}" dt="2023-11-21T08:38:02.899" v="11" actId="20577"/>
-        <pc:sldMkLst>
-          <pc:docMk/>
-          <pc:sldMk cId="3594981681" sldId="272"/>
-        </pc:sldMkLst>
-        <pc:spChg chg="mod">
-          <ac:chgData name="Gibbons, Carl" userId="d2b037bc-8fb4-4222-845c-61440543a456" providerId="ADAL" clId="{DD1CE632-2E50-4DF6-A094-0B92632EBA8E}" dt="2023-11-21T08:38:02.899" v="11" actId="20577"/>
-          <ac:spMkLst>
-            <pc:docMk/>
-            <pc:sldMk cId="3594981681" sldId="272"/>
-            <ac:spMk id="4" creationId="{B64A8207-997F-319E-7F6D-676D3ECA779B}"/>
-          </ac:spMkLst>
-        </pc:spChg>
-      </pc:sldChg>
-      <pc:sldChg chg="modSp mod">
-        <pc:chgData name="Gibbons, Carl" userId="d2b037bc-8fb4-4222-845c-61440543a456" providerId="ADAL" clId="{DD1CE632-2E50-4DF6-A094-0B92632EBA8E}" dt="2023-12-06T17:42:28.848" v="23" actId="20577"/>
-        <pc:sldMkLst>
-          <pc:docMk/>
-          <pc:sldMk cId="1865769485" sldId="273"/>
-        </pc:sldMkLst>
-        <pc:spChg chg="mod">
-          <ac:chgData name="Gibbons, Carl" userId="d2b037bc-8fb4-4222-845c-61440543a456" providerId="ADAL" clId="{DD1CE632-2E50-4DF6-A094-0B92632EBA8E}" dt="2023-12-06T17:42:28.848" v="23" actId="20577"/>
-          <ac:spMkLst>
-            <pc:docMk/>
-            <pc:sldMk cId="1865769485" sldId="273"/>
-            <ac:spMk id="4" creationId="{B64A8207-997F-319E-7F6D-676D3ECA779B}"/>
-          </ac:spMkLst>
-        </pc:spChg>
-      </pc:sldChg>
-      <pc:sldChg chg="modSp mod">
-        <pc:chgData name="Gibbons, Carl" userId="d2b037bc-8fb4-4222-845c-61440543a456" providerId="ADAL" clId="{DD1CE632-2E50-4DF6-A094-0B92632EBA8E}" dt="2023-12-06T17:39:43.190" v="12" actId="20577"/>
-        <pc:sldMkLst>
-          <pc:docMk/>
-          <pc:sldMk cId="3809967197" sldId="275"/>
-        </pc:sldMkLst>
-        <pc:spChg chg="mod">
-          <ac:chgData name="Gibbons, Carl" userId="d2b037bc-8fb4-4222-845c-61440543a456" providerId="ADAL" clId="{DD1CE632-2E50-4DF6-A094-0B92632EBA8E}" dt="2023-12-06T17:39:43.190" v="12" actId="20577"/>
-          <ac:spMkLst>
-            <pc:docMk/>
-            <pc:sldMk cId="3809967197" sldId="275"/>
-            <ac:spMk id="3" creationId="{ADD8957C-88E6-A920-4979-2BDA9406B518}"/>
-          </ac:spMkLst>
-        </pc:spChg>
-      </pc:sldChg>
-      <pc:sldChg chg="modSp mod">
-        <pc:chgData name="Gibbons, Carl" userId="d2b037bc-8fb4-4222-845c-61440543a456" providerId="ADAL" clId="{DD1CE632-2E50-4DF6-A094-0B92632EBA8E}" dt="2023-12-06T17:40:27.333" v="15" actId="20577"/>
-        <pc:sldMkLst>
-          <pc:docMk/>
-          <pc:sldMk cId="1742169507" sldId="276"/>
-        </pc:sldMkLst>
-        <pc:spChg chg="mod">
-          <ac:chgData name="Gibbons, Carl" userId="d2b037bc-8fb4-4222-845c-61440543a456" providerId="ADAL" clId="{DD1CE632-2E50-4DF6-A094-0B92632EBA8E}" dt="2023-12-06T17:40:27.333" v="15" actId="20577"/>
           <ac:spMkLst>
             <pc:docMk/>
             <pc:sldMk cId="1742169507" sldId="276"/>
@@ -860,20 +765,694 @@
     </pc:docChg>
   </pc:docChgLst>
   <pc:docChgLst>
-    <pc:chgData name="Gibbons, Carl" userId="d2b037bc-8fb4-4222-845c-61440543a456" providerId="ADAL" clId="{08C743A0-6526-4066-967C-A9B01170A4A8}"/>
-    <pc:docChg chg="undo custSel delSld modSld">
-      <pc:chgData name="Gibbons, Carl" userId="d2b037bc-8fb4-4222-845c-61440543a456" providerId="ADAL" clId="{08C743A0-6526-4066-967C-A9B01170A4A8}" dt="2024-06-27T21:49:44.010" v="3190" actId="20577"/>
+    <pc:chgData name="Willis, Orion" userId="e283381d-8284-4d3f-ab32-7d71b1e99e1a" providerId="ADAL" clId="{D1822379-C0C8-4C6E-87B1-EC933D771001}"/>
+    <pc:docChg chg="undo custSel delSld modSld delMainMaster">
+      <pc:chgData name="Willis, Orion" userId="e283381d-8284-4d3f-ab32-7d71b1e99e1a" providerId="ADAL" clId="{D1822379-C0C8-4C6E-87B1-EC933D771001}" dt="2024-12-17T17:01:26.066" v="116" actId="1076"/>
+      <pc:docMkLst>
+        <pc:docMk/>
+      </pc:docMkLst>
+      <pc:sldChg chg="addSp delSp modSp del mod">
+        <pc:chgData name="Willis, Orion" userId="e283381d-8284-4d3f-ab32-7d71b1e99e1a" providerId="ADAL" clId="{D1822379-C0C8-4C6E-87B1-EC933D771001}" dt="2024-12-17T16:55:29.705" v="29" actId="2696"/>
+        <pc:sldMkLst>
+          <pc:docMk/>
+          <pc:sldMk cId="3644072983" sldId="256"/>
+        </pc:sldMkLst>
+        <pc:spChg chg="del">
+          <ac:chgData name="Willis, Orion" userId="e283381d-8284-4d3f-ab32-7d71b1e99e1a" providerId="ADAL" clId="{D1822379-C0C8-4C6E-87B1-EC933D771001}" dt="2024-12-17T16:52:24.112" v="14" actId="21"/>
+          <ac:spMkLst>
+            <pc:docMk/>
+            <pc:sldMk cId="3644072983" sldId="256"/>
+            <ac:spMk id="2" creationId="{6FCA7FD7-E3CD-7A2C-5AF7-2EE59026C9D4}"/>
+          </ac:spMkLst>
+        </pc:spChg>
+        <pc:spChg chg="del">
+          <ac:chgData name="Willis, Orion" userId="e283381d-8284-4d3f-ab32-7d71b1e99e1a" providerId="ADAL" clId="{D1822379-C0C8-4C6E-87B1-EC933D771001}" dt="2024-12-17T16:52:24.112" v="14" actId="21"/>
+          <ac:spMkLst>
+            <pc:docMk/>
+            <pc:sldMk cId="3644072983" sldId="256"/>
+            <ac:spMk id="3" creationId="{8586CD17-5B17-5D66-987C-05DC748B3FF9}"/>
+          </ac:spMkLst>
+        </pc:spChg>
+        <pc:spChg chg="add mod">
+          <ac:chgData name="Willis, Orion" userId="e283381d-8284-4d3f-ab32-7d71b1e99e1a" providerId="ADAL" clId="{D1822379-C0C8-4C6E-87B1-EC933D771001}" dt="2024-12-17T16:52:24.112" v="14" actId="21"/>
+          <ac:spMkLst>
+            <pc:docMk/>
+            <pc:sldMk cId="3644072983" sldId="256"/>
+            <ac:spMk id="5" creationId="{6E2D04DD-B53F-5970-A943-69888630518E}"/>
+          </ac:spMkLst>
+        </pc:spChg>
+        <pc:spChg chg="add mod">
+          <ac:chgData name="Willis, Orion" userId="e283381d-8284-4d3f-ab32-7d71b1e99e1a" providerId="ADAL" clId="{D1822379-C0C8-4C6E-87B1-EC933D771001}" dt="2024-12-17T16:52:24.112" v="14" actId="21"/>
+          <ac:spMkLst>
+            <pc:docMk/>
+            <pc:sldMk cId="3644072983" sldId="256"/>
+            <ac:spMk id="7" creationId="{340F75A1-A014-DEEC-D3A5-D5C888031D39}"/>
+          </ac:spMkLst>
+        </pc:spChg>
+      </pc:sldChg>
+      <pc:sldChg chg="addSp delSp modSp del mod">
+        <pc:chgData name="Willis, Orion" userId="e283381d-8284-4d3f-ab32-7d71b1e99e1a" providerId="ADAL" clId="{D1822379-C0C8-4C6E-87B1-EC933D771001}" dt="2024-12-17T17:00:53.159" v="103" actId="2696"/>
+        <pc:sldMkLst>
+          <pc:docMk/>
+          <pc:sldMk cId="322366662" sldId="284"/>
+        </pc:sldMkLst>
+        <pc:spChg chg="del">
+          <ac:chgData name="Willis, Orion" userId="e283381d-8284-4d3f-ab32-7d71b1e99e1a" providerId="ADAL" clId="{D1822379-C0C8-4C6E-87B1-EC933D771001}" dt="2024-12-17T17:00:51.220" v="101" actId="21"/>
+          <ac:spMkLst>
+            <pc:docMk/>
+            <pc:sldMk cId="322366662" sldId="284"/>
+            <ac:spMk id="2" creationId="{64492E64-A68B-8CA7-B3C6-044F7C8E76AB}"/>
+          </ac:spMkLst>
+        </pc:spChg>
+        <pc:spChg chg="del">
+          <ac:chgData name="Willis, Orion" userId="e283381d-8284-4d3f-ab32-7d71b1e99e1a" providerId="ADAL" clId="{D1822379-C0C8-4C6E-87B1-EC933D771001}" dt="2024-12-17T17:00:51.220" v="101" actId="21"/>
+          <ac:spMkLst>
+            <pc:docMk/>
+            <pc:sldMk cId="322366662" sldId="284"/>
+            <ac:spMk id="4" creationId="{B64A8207-997F-319E-7F6D-676D3ECA779B}"/>
+          </ac:spMkLst>
+        </pc:spChg>
+        <pc:spChg chg="add mod">
+          <ac:chgData name="Willis, Orion" userId="e283381d-8284-4d3f-ab32-7d71b1e99e1a" providerId="ADAL" clId="{D1822379-C0C8-4C6E-87B1-EC933D771001}" dt="2024-12-17T17:00:51.225" v="102" actId="27636"/>
+          <ac:spMkLst>
+            <pc:docMk/>
+            <pc:sldMk cId="322366662" sldId="284"/>
+            <ac:spMk id="5" creationId="{44CA65F0-8A5D-3D62-A9A2-D0C26D36BEF3}"/>
+          </ac:spMkLst>
+        </pc:spChg>
+      </pc:sldChg>
+      <pc:sldChg chg="addSp delSp modSp del mod">
+        <pc:chgData name="Willis, Orion" userId="e283381d-8284-4d3f-ab32-7d71b1e99e1a" providerId="ADAL" clId="{D1822379-C0C8-4C6E-87B1-EC933D771001}" dt="2024-12-17T16:55:35.485" v="31" actId="2696"/>
+        <pc:sldMkLst>
+          <pc:docMk/>
+          <pc:sldMk cId="3461056406" sldId="285"/>
+        </pc:sldMkLst>
+        <pc:spChg chg="del">
+          <ac:chgData name="Willis, Orion" userId="e283381d-8284-4d3f-ab32-7d71b1e99e1a" providerId="ADAL" clId="{D1822379-C0C8-4C6E-87B1-EC933D771001}" dt="2024-12-17T16:55:33.177" v="30" actId="21"/>
+          <ac:spMkLst>
+            <pc:docMk/>
+            <pc:sldMk cId="3461056406" sldId="285"/>
+            <ac:spMk id="2" creationId="{AF4FFC57-4A5F-4049-833E-147BCB7DCB3C}"/>
+          </ac:spMkLst>
+        </pc:spChg>
+        <pc:spChg chg="add mod">
+          <ac:chgData name="Willis, Orion" userId="e283381d-8284-4d3f-ab32-7d71b1e99e1a" providerId="ADAL" clId="{D1822379-C0C8-4C6E-87B1-EC933D771001}" dt="2024-12-17T16:55:33.177" v="30" actId="21"/>
+          <ac:spMkLst>
+            <pc:docMk/>
+            <pc:sldMk cId="3461056406" sldId="285"/>
+            <ac:spMk id="4" creationId="{0980A5B7-9957-EF62-28BE-CC02B055289D}"/>
+          </ac:spMkLst>
+        </pc:spChg>
+        <pc:spChg chg="del">
+          <ac:chgData name="Willis, Orion" userId="e283381d-8284-4d3f-ab32-7d71b1e99e1a" providerId="ADAL" clId="{D1822379-C0C8-4C6E-87B1-EC933D771001}" dt="2024-12-17T16:55:33.177" v="30" actId="21"/>
+          <ac:spMkLst>
+            <pc:docMk/>
+            <pc:sldMk cId="3461056406" sldId="285"/>
+            <ac:spMk id="8" creationId="{A65A1EB3-D1FF-7054-E4A0-32CFD411EBCE}"/>
+          </ac:spMkLst>
+        </pc:spChg>
+        <pc:spChg chg="del">
+          <ac:chgData name="Willis, Orion" userId="e283381d-8284-4d3f-ab32-7d71b1e99e1a" providerId="ADAL" clId="{D1822379-C0C8-4C6E-87B1-EC933D771001}" dt="2024-12-17T16:55:33.177" v="30" actId="21"/>
+          <ac:spMkLst>
+            <pc:docMk/>
+            <pc:sldMk cId="3461056406" sldId="285"/>
+            <ac:spMk id="11" creationId="{79F6EA98-EC25-7169-A339-0486CE084B4E}"/>
+          </ac:spMkLst>
+        </pc:spChg>
+      </pc:sldChg>
+      <pc:sldChg chg="addSp delSp modSp del mod">
+        <pc:chgData name="Willis, Orion" userId="e283381d-8284-4d3f-ab32-7d71b1e99e1a" providerId="ADAL" clId="{D1822379-C0C8-4C6E-87B1-EC933D771001}" dt="2024-12-17T16:56:20.042" v="41" actId="2696"/>
+        <pc:sldMkLst>
+          <pc:docMk/>
+          <pc:sldMk cId="3877965803" sldId="286"/>
+        </pc:sldMkLst>
+        <pc:spChg chg="del">
+          <ac:chgData name="Willis, Orion" userId="e283381d-8284-4d3f-ab32-7d71b1e99e1a" providerId="ADAL" clId="{D1822379-C0C8-4C6E-87B1-EC933D771001}" dt="2024-12-17T16:56:17.971" v="40" actId="21"/>
+          <ac:spMkLst>
+            <pc:docMk/>
+            <pc:sldMk cId="3877965803" sldId="286"/>
+            <ac:spMk id="2" creationId="{AF4FFC57-4A5F-4049-833E-147BCB7DCB3C}"/>
+          </ac:spMkLst>
+        </pc:spChg>
+        <pc:spChg chg="del">
+          <ac:chgData name="Willis, Orion" userId="e283381d-8284-4d3f-ab32-7d71b1e99e1a" providerId="ADAL" clId="{D1822379-C0C8-4C6E-87B1-EC933D771001}" dt="2024-12-17T16:56:17.971" v="40" actId="21"/>
+          <ac:spMkLst>
+            <pc:docMk/>
+            <pc:sldMk cId="3877965803" sldId="286"/>
+            <ac:spMk id="3" creationId="{67DC0261-9386-BB1C-2085-8653B2A19191}"/>
+          </ac:spMkLst>
+        </pc:spChg>
+        <pc:spChg chg="add mod">
+          <ac:chgData name="Willis, Orion" userId="e283381d-8284-4d3f-ab32-7d71b1e99e1a" providerId="ADAL" clId="{D1822379-C0C8-4C6E-87B1-EC933D771001}" dt="2024-12-17T16:56:17.971" v="40" actId="21"/>
+          <ac:spMkLst>
+            <pc:docMk/>
+            <pc:sldMk cId="3877965803" sldId="286"/>
+            <ac:spMk id="5" creationId="{2F5ECB0D-A086-B49D-D211-8CBEC7737A35}"/>
+          </ac:spMkLst>
+        </pc:spChg>
+        <pc:spChg chg="add mod">
+          <ac:chgData name="Willis, Orion" userId="e283381d-8284-4d3f-ab32-7d71b1e99e1a" providerId="ADAL" clId="{D1822379-C0C8-4C6E-87B1-EC933D771001}" dt="2024-12-17T16:56:17.971" v="40" actId="21"/>
+          <ac:spMkLst>
+            <pc:docMk/>
+            <pc:sldMk cId="3877965803" sldId="286"/>
+            <ac:spMk id="7" creationId="{FFF0DB0D-83CF-4DB4-6A45-41B24570FB2F}"/>
+          </ac:spMkLst>
+        </pc:spChg>
+      </pc:sldChg>
+      <pc:sldChg chg="addSp delSp modSp del mod">
+        <pc:chgData name="Willis, Orion" userId="e283381d-8284-4d3f-ab32-7d71b1e99e1a" providerId="ADAL" clId="{D1822379-C0C8-4C6E-87B1-EC933D771001}" dt="2024-12-17T16:57:15.747" v="53" actId="2696"/>
+        <pc:sldMkLst>
+          <pc:docMk/>
+          <pc:sldMk cId="639389324" sldId="289"/>
+        </pc:sldMkLst>
+        <pc:spChg chg="del">
+          <ac:chgData name="Willis, Orion" userId="e283381d-8284-4d3f-ab32-7d71b1e99e1a" providerId="ADAL" clId="{D1822379-C0C8-4C6E-87B1-EC933D771001}" dt="2024-12-17T16:57:13.493" v="52" actId="21"/>
+          <ac:spMkLst>
+            <pc:docMk/>
+            <pc:sldMk cId="639389324" sldId="289"/>
+            <ac:spMk id="2" creationId="{AF4FFC57-4A5F-4049-833E-147BCB7DCB3C}"/>
+          </ac:spMkLst>
+        </pc:spChg>
+        <pc:spChg chg="del">
+          <ac:chgData name="Willis, Orion" userId="e283381d-8284-4d3f-ab32-7d71b1e99e1a" providerId="ADAL" clId="{D1822379-C0C8-4C6E-87B1-EC933D771001}" dt="2024-12-17T16:57:13.493" v="52" actId="21"/>
+          <ac:spMkLst>
+            <pc:docMk/>
+            <pc:sldMk cId="639389324" sldId="289"/>
+            <ac:spMk id="3" creationId="{67DC0261-9386-BB1C-2085-8653B2A19191}"/>
+          </ac:spMkLst>
+        </pc:spChg>
+        <pc:spChg chg="add mod">
+          <ac:chgData name="Willis, Orion" userId="e283381d-8284-4d3f-ab32-7d71b1e99e1a" providerId="ADAL" clId="{D1822379-C0C8-4C6E-87B1-EC933D771001}" dt="2024-12-17T16:57:13.493" v="52" actId="21"/>
+          <ac:spMkLst>
+            <pc:docMk/>
+            <pc:sldMk cId="639389324" sldId="289"/>
+            <ac:spMk id="5" creationId="{6ECCA470-126E-78DB-43C8-75136BE5919F}"/>
+          </ac:spMkLst>
+        </pc:spChg>
+        <pc:spChg chg="add mod">
+          <ac:chgData name="Willis, Orion" userId="e283381d-8284-4d3f-ab32-7d71b1e99e1a" providerId="ADAL" clId="{D1822379-C0C8-4C6E-87B1-EC933D771001}" dt="2024-12-17T16:57:13.493" v="52" actId="21"/>
+          <ac:spMkLst>
+            <pc:docMk/>
+            <pc:sldMk cId="639389324" sldId="289"/>
+            <ac:spMk id="7" creationId="{CDA536E7-4652-9B59-B9B2-AF86B3F2B5AE}"/>
+          </ac:spMkLst>
+        </pc:spChg>
+      </pc:sldChg>
+      <pc:sldChg chg="addSp delSp modSp del mod">
+        <pc:chgData name="Willis, Orion" userId="e283381d-8284-4d3f-ab32-7d71b1e99e1a" providerId="ADAL" clId="{D1822379-C0C8-4C6E-87B1-EC933D771001}" dt="2024-12-17T16:58:27.518" v="69" actId="2696"/>
+        <pc:sldMkLst>
+          <pc:docMk/>
+          <pc:sldMk cId="724921324" sldId="290"/>
+        </pc:sldMkLst>
+        <pc:spChg chg="del">
+          <ac:chgData name="Willis, Orion" userId="e283381d-8284-4d3f-ab32-7d71b1e99e1a" providerId="ADAL" clId="{D1822379-C0C8-4C6E-87B1-EC933D771001}" dt="2024-12-17T16:58:25.222" v="68" actId="21"/>
+          <ac:spMkLst>
+            <pc:docMk/>
+            <pc:sldMk cId="724921324" sldId="290"/>
+            <ac:spMk id="2" creationId="{AF4FFC57-4A5F-4049-833E-147BCB7DCB3C}"/>
+          </ac:spMkLst>
+        </pc:spChg>
+        <pc:spChg chg="del">
+          <ac:chgData name="Willis, Orion" userId="e283381d-8284-4d3f-ab32-7d71b1e99e1a" providerId="ADAL" clId="{D1822379-C0C8-4C6E-87B1-EC933D771001}" dt="2024-12-17T16:58:25.222" v="68" actId="21"/>
+          <ac:spMkLst>
+            <pc:docMk/>
+            <pc:sldMk cId="724921324" sldId="290"/>
+            <ac:spMk id="3" creationId="{67DC0261-9386-BB1C-2085-8653B2A19191}"/>
+          </ac:spMkLst>
+        </pc:spChg>
+        <pc:spChg chg="del">
+          <ac:chgData name="Willis, Orion" userId="e283381d-8284-4d3f-ab32-7d71b1e99e1a" providerId="ADAL" clId="{D1822379-C0C8-4C6E-87B1-EC933D771001}" dt="2024-12-17T16:58:25.222" v="68" actId="21"/>
+          <ac:spMkLst>
+            <pc:docMk/>
+            <pc:sldMk cId="724921324" sldId="290"/>
+            <ac:spMk id="4" creationId="{1BE76952-BA4F-84DF-003D-295401143DF1}"/>
+          </ac:spMkLst>
+        </pc:spChg>
+        <pc:spChg chg="add mod">
+          <ac:chgData name="Willis, Orion" userId="e283381d-8284-4d3f-ab32-7d71b1e99e1a" providerId="ADAL" clId="{D1822379-C0C8-4C6E-87B1-EC933D771001}" dt="2024-12-17T16:58:25.222" v="68" actId="21"/>
+          <ac:spMkLst>
+            <pc:docMk/>
+            <pc:sldMk cId="724921324" sldId="290"/>
+            <ac:spMk id="6" creationId="{507EBC58-1CCB-7B42-9B5A-9E79E8EF9E2B}"/>
+          </ac:spMkLst>
+        </pc:spChg>
+        <pc:spChg chg="add mod">
+          <ac:chgData name="Willis, Orion" userId="e283381d-8284-4d3f-ab32-7d71b1e99e1a" providerId="ADAL" clId="{D1822379-C0C8-4C6E-87B1-EC933D771001}" dt="2024-12-17T16:58:25.222" v="68" actId="21"/>
+          <ac:spMkLst>
+            <pc:docMk/>
+            <pc:sldMk cId="724921324" sldId="290"/>
+            <ac:spMk id="8" creationId="{7CE150E2-449E-0043-EA90-8F5F170E5BE1}"/>
+          </ac:spMkLst>
+        </pc:spChg>
+      </pc:sldChg>
+      <pc:sldChg chg="addSp delSp modSp del mod">
+        <pc:chgData name="Willis, Orion" userId="e283381d-8284-4d3f-ab32-7d71b1e99e1a" providerId="ADAL" clId="{D1822379-C0C8-4C6E-87B1-EC933D771001}" dt="2024-12-17T16:59:56.633" v="87" actId="2696"/>
+        <pc:sldMkLst>
+          <pc:docMk/>
+          <pc:sldMk cId="1976204481" sldId="291"/>
+        </pc:sldMkLst>
+        <pc:spChg chg="del">
+          <ac:chgData name="Willis, Orion" userId="e283381d-8284-4d3f-ab32-7d71b1e99e1a" providerId="ADAL" clId="{D1822379-C0C8-4C6E-87B1-EC933D771001}" dt="2024-12-17T16:59:54.354" v="86" actId="21"/>
+          <ac:spMkLst>
+            <pc:docMk/>
+            <pc:sldMk cId="1976204481" sldId="291"/>
+            <ac:spMk id="2" creationId="{AF4FFC57-4A5F-4049-833E-147BCB7DCB3C}"/>
+          </ac:spMkLst>
+        </pc:spChg>
+        <pc:spChg chg="del">
+          <ac:chgData name="Willis, Orion" userId="e283381d-8284-4d3f-ab32-7d71b1e99e1a" providerId="ADAL" clId="{D1822379-C0C8-4C6E-87B1-EC933D771001}" dt="2024-12-17T16:59:54.354" v="86" actId="21"/>
+          <ac:spMkLst>
+            <pc:docMk/>
+            <pc:sldMk cId="1976204481" sldId="291"/>
+            <ac:spMk id="3" creationId="{67DC0261-9386-BB1C-2085-8653B2A19191}"/>
+          </ac:spMkLst>
+        </pc:spChg>
+        <pc:spChg chg="add mod">
+          <ac:chgData name="Willis, Orion" userId="e283381d-8284-4d3f-ab32-7d71b1e99e1a" providerId="ADAL" clId="{D1822379-C0C8-4C6E-87B1-EC933D771001}" dt="2024-12-17T16:59:54.354" v="86" actId="21"/>
+          <ac:spMkLst>
+            <pc:docMk/>
+            <pc:sldMk cId="1976204481" sldId="291"/>
+            <ac:spMk id="5" creationId="{A83070B5-2B61-B0F9-A346-2C3E5DD177C6}"/>
+          </ac:spMkLst>
+        </pc:spChg>
+        <pc:spChg chg="add mod">
+          <ac:chgData name="Willis, Orion" userId="e283381d-8284-4d3f-ab32-7d71b1e99e1a" providerId="ADAL" clId="{D1822379-C0C8-4C6E-87B1-EC933D771001}" dt="2024-12-17T16:59:54.354" v="86" actId="21"/>
+          <ac:spMkLst>
+            <pc:docMk/>
+            <pc:sldMk cId="1976204481" sldId="291"/>
+            <ac:spMk id="7" creationId="{6EF7A0B0-7D63-0A28-E8F5-18EB9554AE7F}"/>
+          </ac:spMkLst>
+        </pc:spChg>
+      </pc:sldChg>
+      <pc:sldChg chg="addSp delSp modSp mod">
+        <pc:chgData name="Willis, Orion" userId="e283381d-8284-4d3f-ab32-7d71b1e99e1a" providerId="ADAL" clId="{D1822379-C0C8-4C6E-87B1-EC933D771001}" dt="2024-12-17T16:54:15.091" v="28" actId="1076"/>
+        <pc:sldMkLst>
+          <pc:docMk/>
+          <pc:sldMk cId="325146105" sldId="292"/>
+        </pc:sldMkLst>
+        <pc:spChg chg="del">
+          <ac:chgData name="Willis, Orion" userId="e283381d-8284-4d3f-ab32-7d71b1e99e1a" providerId="ADAL" clId="{D1822379-C0C8-4C6E-87B1-EC933D771001}" dt="2024-12-17T16:51:42.956" v="0" actId="478"/>
+          <ac:spMkLst>
+            <pc:docMk/>
+            <pc:sldMk cId="325146105" sldId="292"/>
+            <ac:spMk id="2" creationId="{9E5F5903-9361-1310-D6FA-4FE9DE7B7415}"/>
+          </ac:spMkLst>
+        </pc:spChg>
+        <pc:spChg chg="del">
+          <ac:chgData name="Willis, Orion" userId="e283381d-8284-4d3f-ab32-7d71b1e99e1a" providerId="ADAL" clId="{D1822379-C0C8-4C6E-87B1-EC933D771001}" dt="2024-12-17T16:51:43.696" v="1" actId="478"/>
+          <ac:spMkLst>
+            <pc:docMk/>
+            <pc:sldMk cId="325146105" sldId="292"/>
+            <ac:spMk id="3" creationId="{1510CFE7-456D-F779-B31C-B431388CF778}"/>
+          </ac:spMkLst>
+        </pc:spChg>
+        <pc:spChg chg="add mod">
+          <ac:chgData name="Willis, Orion" userId="e283381d-8284-4d3f-ab32-7d71b1e99e1a" providerId="ADAL" clId="{D1822379-C0C8-4C6E-87B1-EC933D771001}" dt="2024-12-17T16:52:52.425" v="20" actId="1076"/>
+          <ac:spMkLst>
+            <pc:docMk/>
+            <pc:sldMk cId="325146105" sldId="292"/>
+            <ac:spMk id="4" creationId="{6FCA7FD7-E3CD-7A2C-5AF7-2EE59026C9D4}"/>
+          </ac:spMkLst>
+        </pc:spChg>
+        <pc:spChg chg="add mod">
+          <ac:chgData name="Willis, Orion" userId="e283381d-8284-4d3f-ab32-7d71b1e99e1a" providerId="ADAL" clId="{D1822379-C0C8-4C6E-87B1-EC933D771001}" dt="2024-12-17T16:54:15.091" v="28" actId="1076"/>
+          <ac:spMkLst>
+            <pc:docMk/>
+            <pc:sldMk cId="325146105" sldId="292"/>
+            <ac:spMk id="5" creationId="{8586CD17-5B17-5D66-987C-05DC748B3FF9}"/>
+          </ac:spMkLst>
+        </pc:spChg>
+      </pc:sldChg>
+      <pc:sldChg chg="addSp delSp modSp mod">
+        <pc:chgData name="Willis, Orion" userId="e283381d-8284-4d3f-ab32-7d71b1e99e1a" providerId="ADAL" clId="{D1822379-C0C8-4C6E-87B1-EC933D771001}" dt="2024-12-17T16:56:09.485" v="39" actId="1076"/>
+        <pc:sldMkLst>
+          <pc:docMk/>
+          <pc:sldMk cId="2724569025" sldId="293"/>
+        </pc:sldMkLst>
+        <pc:spChg chg="del">
+          <ac:chgData name="Willis, Orion" userId="e283381d-8284-4d3f-ab32-7d71b1e99e1a" providerId="ADAL" clId="{D1822379-C0C8-4C6E-87B1-EC933D771001}" dt="2024-12-17T16:51:47.032" v="2" actId="478"/>
+          <ac:spMkLst>
+            <pc:docMk/>
+            <pc:sldMk cId="2724569025" sldId="293"/>
+            <ac:spMk id="2" creationId="{9E5F5903-9361-1310-D6FA-4FE9DE7B7415}"/>
+          </ac:spMkLst>
+        </pc:spChg>
+        <pc:spChg chg="add mod">
+          <ac:chgData name="Willis, Orion" userId="e283381d-8284-4d3f-ab32-7d71b1e99e1a" providerId="ADAL" clId="{D1822379-C0C8-4C6E-87B1-EC933D771001}" dt="2024-12-17T16:55:50.137" v="36" actId="1076"/>
+          <ac:spMkLst>
+            <pc:docMk/>
+            <pc:sldMk cId="2724569025" sldId="293"/>
+            <ac:spMk id="2" creationId="{AF4FFC57-4A5F-4049-833E-147BCB7DCB3C}"/>
+          </ac:spMkLst>
+        </pc:spChg>
+        <pc:spChg chg="del">
+          <ac:chgData name="Willis, Orion" userId="e283381d-8284-4d3f-ab32-7d71b1e99e1a" providerId="ADAL" clId="{D1822379-C0C8-4C6E-87B1-EC933D771001}" dt="2024-12-17T16:51:47.803" v="3" actId="478"/>
+          <ac:spMkLst>
+            <pc:docMk/>
+            <pc:sldMk cId="2724569025" sldId="293"/>
+            <ac:spMk id="3" creationId="{1510CFE7-456D-F779-B31C-B431388CF778}"/>
+          </ac:spMkLst>
+        </pc:spChg>
+        <pc:spChg chg="add mod">
+          <ac:chgData name="Willis, Orion" userId="e283381d-8284-4d3f-ab32-7d71b1e99e1a" providerId="ADAL" clId="{D1822379-C0C8-4C6E-87B1-EC933D771001}" dt="2024-12-17T16:56:09.485" v="39" actId="1076"/>
+          <ac:spMkLst>
+            <pc:docMk/>
+            <pc:sldMk cId="2724569025" sldId="293"/>
+            <ac:spMk id="8" creationId="{A65A1EB3-D1FF-7054-E4A0-32CFD411EBCE}"/>
+          </ac:spMkLst>
+        </pc:spChg>
+        <pc:spChg chg="add mod">
+          <ac:chgData name="Willis, Orion" userId="e283381d-8284-4d3f-ab32-7d71b1e99e1a" providerId="ADAL" clId="{D1822379-C0C8-4C6E-87B1-EC933D771001}" dt="2024-12-17T16:56:09.485" v="39" actId="1076"/>
+          <ac:spMkLst>
+            <pc:docMk/>
+            <pc:sldMk cId="2724569025" sldId="293"/>
+            <ac:spMk id="11" creationId="{79F6EA98-EC25-7169-A339-0486CE084B4E}"/>
+          </ac:spMkLst>
+        </pc:spChg>
+      </pc:sldChg>
+      <pc:sldChg chg="addSp delSp modSp mod">
+        <pc:chgData name="Willis, Orion" userId="e283381d-8284-4d3f-ab32-7d71b1e99e1a" providerId="ADAL" clId="{D1822379-C0C8-4C6E-87B1-EC933D771001}" dt="2024-12-17T16:57:07.899" v="51" actId="1076"/>
+        <pc:sldMkLst>
+          <pc:docMk/>
+          <pc:sldMk cId="296497149" sldId="294"/>
+        </pc:sldMkLst>
+        <pc:spChg chg="del">
+          <ac:chgData name="Willis, Orion" userId="e283381d-8284-4d3f-ab32-7d71b1e99e1a" providerId="ADAL" clId="{D1822379-C0C8-4C6E-87B1-EC933D771001}" dt="2024-12-17T16:51:51.393" v="4" actId="478"/>
+          <ac:spMkLst>
+            <pc:docMk/>
+            <pc:sldMk cId="296497149" sldId="294"/>
+            <ac:spMk id="2" creationId="{9E5F5903-9361-1310-D6FA-4FE9DE7B7415}"/>
+          </ac:spMkLst>
+        </pc:spChg>
+        <pc:spChg chg="add mod">
+          <ac:chgData name="Willis, Orion" userId="e283381d-8284-4d3f-ab32-7d71b1e99e1a" providerId="ADAL" clId="{D1822379-C0C8-4C6E-87B1-EC933D771001}" dt="2024-12-17T16:57:00.690" v="49" actId="14100"/>
+          <ac:spMkLst>
+            <pc:docMk/>
+            <pc:sldMk cId="296497149" sldId="294"/>
+            <ac:spMk id="2" creationId="{AF4FFC57-4A5F-4049-833E-147BCB7DCB3C}"/>
+          </ac:spMkLst>
+        </pc:spChg>
+        <pc:spChg chg="del">
+          <ac:chgData name="Willis, Orion" userId="e283381d-8284-4d3f-ab32-7d71b1e99e1a" providerId="ADAL" clId="{D1822379-C0C8-4C6E-87B1-EC933D771001}" dt="2024-12-17T16:51:52.561" v="5" actId="478"/>
+          <ac:spMkLst>
+            <pc:docMk/>
+            <pc:sldMk cId="296497149" sldId="294"/>
+            <ac:spMk id="3" creationId="{1510CFE7-456D-F779-B31C-B431388CF778}"/>
+          </ac:spMkLst>
+        </pc:spChg>
+        <pc:spChg chg="add mod">
+          <ac:chgData name="Willis, Orion" userId="e283381d-8284-4d3f-ab32-7d71b1e99e1a" providerId="ADAL" clId="{D1822379-C0C8-4C6E-87B1-EC933D771001}" dt="2024-12-17T16:57:07.899" v="51" actId="1076"/>
+          <ac:spMkLst>
+            <pc:docMk/>
+            <pc:sldMk cId="296497149" sldId="294"/>
+            <ac:spMk id="3" creationId="{67DC0261-9386-BB1C-2085-8653B2A19191}"/>
+          </ac:spMkLst>
+        </pc:spChg>
+      </pc:sldChg>
+      <pc:sldChg chg="addSp delSp modSp mod">
+        <pc:chgData name="Willis, Orion" userId="e283381d-8284-4d3f-ab32-7d71b1e99e1a" providerId="ADAL" clId="{D1822379-C0C8-4C6E-87B1-EC933D771001}" dt="2024-12-17T16:58:16.512" v="67" actId="404"/>
+        <pc:sldMkLst>
+          <pc:docMk/>
+          <pc:sldMk cId="315182343" sldId="295"/>
+        </pc:sldMkLst>
+        <pc:spChg chg="del">
+          <ac:chgData name="Willis, Orion" userId="e283381d-8284-4d3f-ab32-7d71b1e99e1a" providerId="ADAL" clId="{D1822379-C0C8-4C6E-87B1-EC933D771001}" dt="2024-12-17T16:51:54.480" v="6" actId="478"/>
+          <ac:spMkLst>
+            <pc:docMk/>
+            <pc:sldMk cId="315182343" sldId="295"/>
+            <ac:spMk id="2" creationId="{9E5F5903-9361-1310-D6FA-4FE9DE7B7415}"/>
+          </ac:spMkLst>
+        </pc:spChg>
+        <pc:spChg chg="add mod">
+          <ac:chgData name="Willis, Orion" userId="e283381d-8284-4d3f-ab32-7d71b1e99e1a" providerId="ADAL" clId="{D1822379-C0C8-4C6E-87B1-EC933D771001}" dt="2024-12-17T16:58:02.542" v="64" actId="14100"/>
+          <ac:spMkLst>
+            <pc:docMk/>
+            <pc:sldMk cId="315182343" sldId="295"/>
+            <ac:spMk id="2" creationId="{AF4FFC57-4A5F-4049-833E-147BCB7DCB3C}"/>
+          </ac:spMkLst>
+        </pc:spChg>
+        <pc:spChg chg="del">
+          <ac:chgData name="Willis, Orion" userId="e283381d-8284-4d3f-ab32-7d71b1e99e1a" providerId="ADAL" clId="{D1822379-C0C8-4C6E-87B1-EC933D771001}" dt="2024-12-17T16:51:55.199" v="7" actId="478"/>
+          <ac:spMkLst>
+            <pc:docMk/>
+            <pc:sldMk cId="315182343" sldId="295"/>
+            <ac:spMk id="3" creationId="{1510CFE7-456D-F779-B31C-B431388CF778}"/>
+          </ac:spMkLst>
+        </pc:spChg>
+        <pc:spChg chg="add mod">
+          <ac:chgData name="Willis, Orion" userId="e283381d-8284-4d3f-ab32-7d71b1e99e1a" providerId="ADAL" clId="{D1822379-C0C8-4C6E-87B1-EC933D771001}" dt="2024-12-17T16:58:16.512" v="67" actId="404"/>
+          <ac:spMkLst>
+            <pc:docMk/>
+            <pc:sldMk cId="315182343" sldId="295"/>
+            <ac:spMk id="3" creationId="{67DC0261-9386-BB1C-2085-8653B2A19191}"/>
+          </ac:spMkLst>
+        </pc:spChg>
+      </pc:sldChg>
+      <pc:sldChg chg="addSp delSp modSp mod">
+        <pc:chgData name="Willis, Orion" userId="e283381d-8284-4d3f-ab32-7d71b1e99e1a" providerId="ADAL" clId="{D1822379-C0C8-4C6E-87B1-EC933D771001}" dt="2024-12-17T16:59:46.028" v="85" actId="1076"/>
+        <pc:sldMkLst>
+          <pc:docMk/>
+          <pc:sldMk cId="3769162443" sldId="296"/>
+        </pc:sldMkLst>
+        <pc:spChg chg="del">
+          <ac:chgData name="Willis, Orion" userId="e283381d-8284-4d3f-ab32-7d71b1e99e1a" providerId="ADAL" clId="{D1822379-C0C8-4C6E-87B1-EC933D771001}" dt="2024-12-17T16:51:57.969" v="8" actId="478"/>
+          <ac:spMkLst>
+            <pc:docMk/>
+            <pc:sldMk cId="3769162443" sldId="296"/>
+            <ac:spMk id="2" creationId="{9E5F5903-9361-1310-D6FA-4FE9DE7B7415}"/>
+          </ac:spMkLst>
+        </pc:spChg>
+        <pc:spChg chg="add mod">
+          <ac:chgData name="Willis, Orion" userId="e283381d-8284-4d3f-ab32-7d71b1e99e1a" providerId="ADAL" clId="{D1822379-C0C8-4C6E-87B1-EC933D771001}" dt="2024-12-17T16:59:40.190" v="84" actId="1076"/>
+          <ac:spMkLst>
+            <pc:docMk/>
+            <pc:sldMk cId="3769162443" sldId="296"/>
+            <ac:spMk id="2" creationId="{AF4FFC57-4A5F-4049-833E-147BCB7DCB3C}"/>
+          </ac:spMkLst>
+        </pc:spChg>
+        <pc:spChg chg="del">
+          <ac:chgData name="Willis, Orion" userId="e283381d-8284-4d3f-ab32-7d71b1e99e1a" providerId="ADAL" clId="{D1822379-C0C8-4C6E-87B1-EC933D771001}" dt="2024-12-17T16:51:59.624" v="9" actId="478"/>
+          <ac:spMkLst>
+            <pc:docMk/>
+            <pc:sldMk cId="3769162443" sldId="296"/>
+            <ac:spMk id="3" creationId="{1510CFE7-456D-F779-B31C-B431388CF778}"/>
+          </ac:spMkLst>
+        </pc:spChg>
+        <pc:spChg chg="add mod">
+          <ac:chgData name="Willis, Orion" userId="e283381d-8284-4d3f-ab32-7d71b1e99e1a" providerId="ADAL" clId="{D1822379-C0C8-4C6E-87B1-EC933D771001}" dt="2024-12-17T16:59:24.874" v="83" actId="1035"/>
+          <ac:spMkLst>
+            <pc:docMk/>
+            <pc:sldMk cId="3769162443" sldId="296"/>
+            <ac:spMk id="3" creationId="{67DC0261-9386-BB1C-2085-8653B2A19191}"/>
+          </ac:spMkLst>
+        </pc:spChg>
+        <pc:spChg chg="add mod">
+          <ac:chgData name="Willis, Orion" userId="e283381d-8284-4d3f-ab32-7d71b1e99e1a" providerId="ADAL" clId="{D1822379-C0C8-4C6E-87B1-EC933D771001}" dt="2024-12-17T16:59:46.028" v="85" actId="1076"/>
+          <ac:spMkLst>
+            <pc:docMk/>
+            <pc:sldMk cId="3769162443" sldId="296"/>
+            <ac:spMk id="4" creationId="{1BE76952-BA4F-84DF-003D-295401143DF1}"/>
+          </ac:spMkLst>
+        </pc:spChg>
+      </pc:sldChg>
+      <pc:sldChg chg="addSp delSp modSp mod">
+        <pc:chgData name="Willis, Orion" userId="e283381d-8284-4d3f-ab32-7d71b1e99e1a" providerId="ADAL" clId="{D1822379-C0C8-4C6E-87B1-EC933D771001}" dt="2024-12-17T17:00:42.535" v="100" actId="1036"/>
+        <pc:sldMkLst>
+          <pc:docMk/>
+          <pc:sldMk cId="2894291318" sldId="297"/>
+        </pc:sldMkLst>
+        <pc:spChg chg="del">
+          <ac:chgData name="Willis, Orion" userId="e283381d-8284-4d3f-ab32-7d71b1e99e1a" providerId="ADAL" clId="{D1822379-C0C8-4C6E-87B1-EC933D771001}" dt="2024-12-17T16:52:02.770" v="10" actId="478"/>
+          <ac:spMkLst>
+            <pc:docMk/>
+            <pc:sldMk cId="2894291318" sldId="297"/>
+            <ac:spMk id="2" creationId="{9E5F5903-9361-1310-D6FA-4FE9DE7B7415}"/>
+          </ac:spMkLst>
+        </pc:spChg>
+        <pc:spChg chg="add mod">
+          <ac:chgData name="Willis, Orion" userId="e283381d-8284-4d3f-ab32-7d71b1e99e1a" providerId="ADAL" clId="{D1822379-C0C8-4C6E-87B1-EC933D771001}" dt="2024-12-17T17:00:42.535" v="100" actId="1036"/>
+          <ac:spMkLst>
+            <pc:docMk/>
+            <pc:sldMk cId="2894291318" sldId="297"/>
+            <ac:spMk id="2" creationId="{AF4FFC57-4A5F-4049-833E-147BCB7DCB3C}"/>
+          </ac:spMkLst>
+        </pc:spChg>
+        <pc:spChg chg="del">
+          <ac:chgData name="Willis, Orion" userId="e283381d-8284-4d3f-ab32-7d71b1e99e1a" providerId="ADAL" clId="{D1822379-C0C8-4C6E-87B1-EC933D771001}" dt="2024-12-17T16:52:03.810" v="11" actId="478"/>
+          <ac:spMkLst>
+            <pc:docMk/>
+            <pc:sldMk cId="2894291318" sldId="297"/>
+            <ac:spMk id="3" creationId="{1510CFE7-456D-F779-B31C-B431388CF778}"/>
+          </ac:spMkLst>
+        </pc:spChg>
+        <pc:spChg chg="add mod">
+          <ac:chgData name="Willis, Orion" userId="e283381d-8284-4d3f-ab32-7d71b1e99e1a" providerId="ADAL" clId="{D1822379-C0C8-4C6E-87B1-EC933D771001}" dt="2024-12-17T17:00:39.639" v="98" actId="1076"/>
+          <ac:spMkLst>
+            <pc:docMk/>
+            <pc:sldMk cId="2894291318" sldId="297"/>
+            <ac:spMk id="3" creationId="{67DC0261-9386-BB1C-2085-8653B2A19191}"/>
+          </ac:spMkLst>
+        </pc:spChg>
+      </pc:sldChg>
+      <pc:sldChg chg="addSp delSp modSp mod">
+        <pc:chgData name="Willis, Orion" userId="e283381d-8284-4d3f-ab32-7d71b1e99e1a" providerId="ADAL" clId="{D1822379-C0C8-4C6E-87B1-EC933D771001}" dt="2024-12-17T17:01:26.066" v="116" actId="1076"/>
+        <pc:sldMkLst>
+          <pc:docMk/>
+          <pc:sldMk cId="2426059308" sldId="298"/>
+        </pc:sldMkLst>
+        <pc:spChg chg="add mod">
+          <ac:chgData name="Willis, Orion" userId="e283381d-8284-4d3f-ab32-7d71b1e99e1a" providerId="ADAL" clId="{D1822379-C0C8-4C6E-87B1-EC933D771001}" dt="2024-12-17T17:01:26.066" v="116" actId="1076"/>
+          <ac:spMkLst>
+            <pc:docMk/>
+            <pc:sldMk cId="2426059308" sldId="298"/>
+            <ac:spMk id="2" creationId="{64492E64-A68B-8CA7-B3C6-044F7C8E76AB}"/>
+          </ac:spMkLst>
+        </pc:spChg>
+        <pc:spChg chg="del">
+          <ac:chgData name="Willis, Orion" userId="e283381d-8284-4d3f-ab32-7d71b1e99e1a" providerId="ADAL" clId="{D1822379-C0C8-4C6E-87B1-EC933D771001}" dt="2024-12-17T16:52:06.904" v="12" actId="478"/>
+          <ac:spMkLst>
+            <pc:docMk/>
+            <pc:sldMk cId="2426059308" sldId="298"/>
+            <ac:spMk id="2" creationId="{9E5F5903-9361-1310-D6FA-4FE9DE7B7415}"/>
+          </ac:spMkLst>
+        </pc:spChg>
+        <pc:spChg chg="del">
+          <ac:chgData name="Willis, Orion" userId="e283381d-8284-4d3f-ab32-7d71b1e99e1a" providerId="ADAL" clId="{D1822379-C0C8-4C6E-87B1-EC933D771001}" dt="2024-12-17T16:52:08.057" v="13" actId="478"/>
+          <ac:spMkLst>
+            <pc:docMk/>
+            <pc:sldMk cId="2426059308" sldId="298"/>
+            <ac:spMk id="3" creationId="{1510CFE7-456D-F779-B31C-B431388CF778}"/>
+          </ac:spMkLst>
+        </pc:spChg>
+        <pc:spChg chg="add mod">
+          <ac:chgData name="Willis, Orion" userId="e283381d-8284-4d3f-ab32-7d71b1e99e1a" providerId="ADAL" clId="{D1822379-C0C8-4C6E-87B1-EC933D771001}" dt="2024-12-17T17:01:23.296" v="115" actId="1076"/>
+          <ac:spMkLst>
+            <pc:docMk/>
+            <pc:sldMk cId="2426059308" sldId="298"/>
+            <ac:spMk id="4" creationId="{B64A8207-997F-319E-7F6D-676D3ECA779B}"/>
+          </ac:spMkLst>
+        </pc:spChg>
+      </pc:sldChg>
+      <pc:sldMasterChg chg="del delSldLayout">
+        <pc:chgData name="Willis, Orion" userId="e283381d-8284-4d3f-ab32-7d71b1e99e1a" providerId="ADAL" clId="{D1822379-C0C8-4C6E-87B1-EC933D771001}" dt="2024-12-17T17:00:53.159" v="103" actId="2696"/>
+        <pc:sldMasterMkLst>
+          <pc:docMk/>
+          <pc:sldMasterMk cId="3136267371" sldId="2147483681"/>
+        </pc:sldMasterMkLst>
+        <pc:sldLayoutChg chg="del">
+          <pc:chgData name="Willis, Orion" userId="e283381d-8284-4d3f-ab32-7d71b1e99e1a" providerId="ADAL" clId="{D1822379-C0C8-4C6E-87B1-EC933D771001}" dt="2024-12-17T17:00:53.159" v="103" actId="2696"/>
+          <pc:sldLayoutMkLst>
+            <pc:docMk/>
+            <pc:sldMasterMk cId="3136267371" sldId="2147483681"/>
+            <pc:sldLayoutMk cId="267940307" sldId="2147483682"/>
+          </pc:sldLayoutMkLst>
+        </pc:sldLayoutChg>
+        <pc:sldLayoutChg chg="del">
+          <pc:chgData name="Willis, Orion" userId="e283381d-8284-4d3f-ab32-7d71b1e99e1a" providerId="ADAL" clId="{D1822379-C0C8-4C6E-87B1-EC933D771001}" dt="2024-12-17T17:00:53.159" v="103" actId="2696"/>
+          <pc:sldLayoutMkLst>
+            <pc:docMk/>
+            <pc:sldMasterMk cId="3136267371" sldId="2147483681"/>
+            <pc:sldLayoutMk cId="1773732037" sldId="2147483683"/>
+          </pc:sldLayoutMkLst>
+        </pc:sldLayoutChg>
+        <pc:sldLayoutChg chg="del">
+          <pc:chgData name="Willis, Orion" userId="e283381d-8284-4d3f-ab32-7d71b1e99e1a" providerId="ADAL" clId="{D1822379-C0C8-4C6E-87B1-EC933D771001}" dt="2024-12-17T17:00:53.159" v="103" actId="2696"/>
+          <pc:sldLayoutMkLst>
+            <pc:docMk/>
+            <pc:sldMasterMk cId="3136267371" sldId="2147483681"/>
+            <pc:sldLayoutMk cId="3968263454" sldId="2147483684"/>
+          </pc:sldLayoutMkLst>
+        </pc:sldLayoutChg>
+        <pc:sldLayoutChg chg="del">
+          <pc:chgData name="Willis, Orion" userId="e283381d-8284-4d3f-ab32-7d71b1e99e1a" providerId="ADAL" clId="{D1822379-C0C8-4C6E-87B1-EC933D771001}" dt="2024-12-17T17:00:53.159" v="103" actId="2696"/>
+          <pc:sldLayoutMkLst>
+            <pc:docMk/>
+            <pc:sldMasterMk cId="3136267371" sldId="2147483681"/>
+            <pc:sldLayoutMk cId="3119249891" sldId="2147483685"/>
+          </pc:sldLayoutMkLst>
+        </pc:sldLayoutChg>
+        <pc:sldLayoutChg chg="del">
+          <pc:chgData name="Willis, Orion" userId="e283381d-8284-4d3f-ab32-7d71b1e99e1a" providerId="ADAL" clId="{D1822379-C0C8-4C6E-87B1-EC933D771001}" dt="2024-12-17T17:00:53.159" v="103" actId="2696"/>
+          <pc:sldLayoutMkLst>
+            <pc:docMk/>
+            <pc:sldMasterMk cId="3136267371" sldId="2147483681"/>
+            <pc:sldLayoutMk cId="3054922134" sldId="2147483686"/>
+          </pc:sldLayoutMkLst>
+        </pc:sldLayoutChg>
+        <pc:sldLayoutChg chg="del">
+          <pc:chgData name="Willis, Orion" userId="e283381d-8284-4d3f-ab32-7d71b1e99e1a" providerId="ADAL" clId="{D1822379-C0C8-4C6E-87B1-EC933D771001}" dt="2024-12-17T17:00:53.159" v="103" actId="2696"/>
+          <pc:sldLayoutMkLst>
+            <pc:docMk/>
+            <pc:sldMasterMk cId="3136267371" sldId="2147483681"/>
+            <pc:sldLayoutMk cId="2938381997" sldId="2147483687"/>
+          </pc:sldLayoutMkLst>
+        </pc:sldLayoutChg>
+        <pc:sldLayoutChg chg="del">
+          <pc:chgData name="Willis, Orion" userId="e283381d-8284-4d3f-ab32-7d71b1e99e1a" providerId="ADAL" clId="{D1822379-C0C8-4C6E-87B1-EC933D771001}" dt="2024-12-17T17:00:53.159" v="103" actId="2696"/>
+          <pc:sldLayoutMkLst>
+            <pc:docMk/>
+            <pc:sldMasterMk cId="3136267371" sldId="2147483681"/>
+            <pc:sldLayoutMk cId="2840775159" sldId="2147483688"/>
+          </pc:sldLayoutMkLst>
+        </pc:sldLayoutChg>
+        <pc:sldLayoutChg chg="del">
+          <pc:chgData name="Willis, Orion" userId="e283381d-8284-4d3f-ab32-7d71b1e99e1a" providerId="ADAL" clId="{D1822379-C0C8-4C6E-87B1-EC933D771001}" dt="2024-12-17T17:00:53.159" v="103" actId="2696"/>
+          <pc:sldLayoutMkLst>
+            <pc:docMk/>
+            <pc:sldMasterMk cId="3136267371" sldId="2147483681"/>
+            <pc:sldLayoutMk cId="489734700" sldId="2147483689"/>
+          </pc:sldLayoutMkLst>
+        </pc:sldLayoutChg>
+        <pc:sldLayoutChg chg="del">
+          <pc:chgData name="Willis, Orion" userId="e283381d-8284-4d3f-ab32-7d71b1e99e1a" providerId="ADAL" clId="{D1822379-C0C8-4C6E-87B1-EC933D771001}" dt="2024-12-17T17:00:53.159" v="103" actId="2696"/>
+          <pc:sldLayoutMkLst>
+            <pc:docMk/>
+            <pc:sldMasterMk cId="3136267371" sldId="2147483681"/>
+            <pc:sldLayoutMk cId="1801490617" sldId="2147483690"/>
+          </pc:sldLayoutMkLst>
+        </pc:sldLayoutChg>
+        <pc:sldLayoutChg chg="del">
+          <pc:chgData name="Willis, Orion" userId="e283381d-8284-4d3f-ab32-7d71b1e99e1a" providerId="ADAL" clId="{D1822379-C0C8-4C6E-87B1-EC933D771001}" dt="2024-12-17T17:00:53.159" v="103" actId="2696"/>
+          <pc:sldLayoutMkLst>
+            <pc:docMk/>
+            <pc:sldMasterMk cId="3136267371" sldId="2147483681"/>
+            <pc:sldLayoutMk cId="246953702" sldId="2147483691"/>
+          </pc:sldLayoutMkLst>
+        </pc:sldLayoutChg>
+        <pc:sldLayoutChg chg="del">
+          <pc:chgData name="Willis, Orion" userId="e283381d-8284-4d3f-ab32-7d71b1e99e1a" providerId="ADAL" clId="{D1822379-C0C8-4C6E-87B1-EC933D771001}" dt="2024-12-17T17:00:53.159" v="103" actId="2696"/>
+          <pc:sldLayoutMkLst>
+            <pc:docMk/>
+            <pc:sldMasterMk cId="3136267371" sldId="2147483681"/>
+            <pc:sldLayoutMk cId="2492140018" sldId="2147483692"/>
+          </pc:sldLayoutMkLst>
+        </pc:sldLayoutChg>
+        <pc:sldLayoutChg chg="del">
+          <pc:chgData name="Willis, Orion" userId="e283381d-8284-4d3f-ab32-7d71b1e99e1a" providerId="ADAL" clId="{D1822379-C0C8-4C6E-87B1-EC933D771001}" dt="2024-12-17T17:00:53.159" v="103" actId="2696"/>
+          <pc:sldLayoutMkLst>
+            <pc:docMk/>
+            <pc:sldMasterMk cId="3136267371" sldId="2147483681"/>
+            <pc:sldLayoutMk cId="2326417790" sldId="2147483693"/>
+          </pc:sldLayoutMkLst>
+        </pc:sldLayoutChg>
+      </pc:sldMasterChg>
+    </pc:docChg>
+  </pc:docChgLst>
+  <pc:docChgLst>
+    <pc:chgData name="Gibbons, Carl" userId="d2b037bc-8fb4-4222-845c-61440543a456" providerId="ADAL" clId="{3889D47B-FCE9-4AB2-9111-4C64BAB2FC05}"/>
+    <pc:docChg chg="undo custSel addSld modSld">
+      <pc:chgData name="Gibbons, Carl" userId="d2b037bc-8fb4-4222-845c-61440543a456" providerId="ADAL" clId="{3889D47B-FCE9-4AB2-9111-4C64BAB2FC05}" dt="2024-06-18T16:11:22.239" v="16939" actId="20577"/>
       <pc:docMkLst>
         <pc:docMk/>
       </pc:docMkLst>
       <pc:sldChg chg="modSp mod">
-        <pc:chgData name="Gibbons, Carl" userId="d2b037bc-8fb4-4222-845c-61440543a456" providerId="ADAL" clId="{08C743A0-6526-4066-967C-A9B01170A4A8}" dt="2024-06-27T21:10:27.607" v="20" actId="20577"/>
+        <pc:chgData name="Gibbons, Carl" userId="d2b037bc-8fb4-4222-845c-61440543a456" providerId="ADAL" clId="{3889D47B-FCE9-4AB2-9111-4C64BAB2FC05}" dt="2024-06-18T16:11:22.239" v="16939" actId="20577"/>
         <pc:sldMkLst>
           <pc:docMk/>
           <pc:sldMk cId="3644072983" sldId="256"/>
         </pc:sldMkLst>
         <pc:spChg chg="mod">
-          <ac:chgData name="Gibbons, Carl" userId="d2b037bc-8fb4-4222-845c-61440543a456" providerId="ADAL" clId="{08C743A0-6526-4066-967C-A9B01170A4A8}" dt="2024-06-27T21:10:27.607" v="20" actId="20577"/>
+          <ac:chgData name="Gibbons, Carl" userId="d2b037bc-8fb4-4222-845c-61440543a456" providerId="ADAL" clId="{3889D47B-FCE9-4AB2-9111-4C64BAB2FC05}" dt="2024-06-18T16:11:22.239" v="16939" actId="20577"/>
           <ac:spMkLst>
             <pc:docMk/>
             <pc:sldMk cId="3644072983" sldId="256"/>
@@ -881,14 +1460,84 @@
           </ac:spMkLst>
         </pc:spChg>
       </pc:sldChg>
+      <pc:sldChg chg="delSp modSp mod">
+        <pc:chgData name="Gibbons, Carl" userId="d2b037bc-8fb4-4222-845c-61440543a456" providerId="ADAL" clId="{3889D47B-FCE9-4AB2-9111-4C64BAB2FC05}" dt="2024-06-15T16:37:25.907" v="16757" actId="20577"/>
+        <pc:sldMkLst>
+          <pc:docMk/>
+          <pc:sldMk cId="2611413137" sldId="266"/>
+        </pc:sldMkLst>
+        <pc:spChg chg="mod">
+          <ac:chgData name="Gibbons, Carl" userId="d2b037bc-8fb4-4222-845c-61440543a456" providerId="ADAL" clId="{3889D47B-FCE9-4AB2-9111-4C64BAB2FC05}" dt="2024-06-15T16:36:03.779" v="16752" actId="20577"/>
+          <ac:spMkLst>
+            <pc:docMk/>
+            <pc:sldMk cId="2611413137" sldId="266"/>
+            <ac:spMk id="2" creationId="{64492E64-A68B-8CA7-B3C6-044F7C8E76AB}"/>
+          </ac:spMkLst>
+        </pc:spChg>
+        <pc:spChg chg="del mod">
+          <ac:chgData name="Gibbons, Carl" userId="d2b037bc-8fb4-4222-845c-61440543a456" providerId="ADAL" clId="{3889D47B-FCE9-4AB2-9111-4C64BAB2FC05}" dt="2024-06-15T02:17:46.854" v="1960" actId="478"/>
+          <ac:spMkLst>
+            <pc:docMk/>
+            <pc:sldMk cId="2611413137" sldId="266"/>
+            <ac:spMk id="3" creationId="{20E8B8C0-A2A5-7B62-1B40-D3BF6CA80A5C}"/>
+          </ac:spMkLst>
+        </pc:spChg>
+        <pc:spChg chg="mod">
+          <ac:chgData name="Gibbons, Carl" userId="d2b037bc-8fb4-4222-845c-61440543a456" providerId="ADAL" clId="{3889D47B-FCE9-4AB2-9111-4C64BAB2FC05}" dt="2024-06-15T16:37:25.907" v="16757" actId="20577"/>
+          <ac:spMkLst>
+            <pc:docMk/>
+            <pc:sldMk cId="2611413137" sldId="266"/>
+            <ac:spMk id="4" creationId="{B64A8207-997F-319E-7F6D-676D3ECA779B}"/>
+          </ac:spMkLst>
+        </pc:spChg>
+        <pc:spChg chg="del mod">
+          <ac:chgData name="Gibbons, Carl" userId="d2b037bc-8fb4-4222-845c-61440543a456" providerId="ADAL" clId="{3889D47B-FCE9-4AB2-9111-4C64BAB2FC05}" dt="2024-06-15T02:17:48.948" v="1961" actId="478"/>
+          <ac:spMkLst>
+            <pc:docMk/>
+            <pc:sldMk cId="2611413137" sldId="266"/>
+            <ac:spMk id="5" creationId="{EDDCCECA-E971-2EC4-FEF0-DCF50F49CE6A}"/>
+          </ac:spMkLst>
+        </pc:spChg>
+        <pc:spChg chg="del">
+          <ac:chgData name="Gibbons, Carl" userId="d2b037bc-8fb4-4222-845c-61440543a456" providerId="ADAL" clId="{3889D47B-FCE9-4AB2-9111-4C64BAB2FC05}" dt="2024-06-15T02:17:51.144" v="1962" actId="478"/>
+          <ac:spMkLst>
+            <pc:docMk/>
+            <pc:sldMk cId="2611413137" sldId="266"/>
+            <ac:spMk id="6" creationId="{BAACEC6C-4A35-E101-5EBD-12F9722B023B}"/>
+          </ac:spMkLst>
+        </pc:spChg>
+      </pc:sldChg>
       <pc:sldChg chg="modSp mod">
-        <pc:chgData name="Gibbons, Carl" userId="d2b037bc-8fb4-4222-845c-61440543a456" providerId="ADAL" clId="{08C743A0-6526-4066-967C-A9B01170A4A8}" dt="2024-06-27T21:49:44.010" v="3190" actId="20577"/>
+        <pc:chgData name="Gibbons, Carl" userId="d2b037bc-8fb4-4222-845c-61440543a456" providerId="ADAL" clId="{3889D47B-FCE9-4AB2-9111-4C64BAB2FC05}" dt="2024-06-15T16:35:34.617" v="16748" actId="114"/>
+        <pc:sldMkLst>
+          <pc:docMk/>
+          <pc:sldMk cId="4188996306" sldId="267"/>
+        </pc:sldMkLst>
+        <pc:spChg chg="mod">
+          <ac:chgData name="Gibbons, Carl" userId="d2b037bc-8fb4-4222-845c-61440543a456" providerId="ADAL" clId="{3889D47B-FCE9-4AB2-9111-4C64BAB2FC05}" dt="2024-06-15T03:34:23.581" v="5304" actId="20577"/>
+          <ac:spMkLst>
+            <pc:docMk/>
+            <pc:sldMk cId="4188996306" sldId="267"/>
+            <ac:spMk id="2" creationId="{64492E64-A68B-8CA7-B3C6-044F7C8E76AB}"/>
+          </ac:spMkLst>
+        </pc:spChg>
+        <pc:spChg chg="mod">
+          <ac:chgData name="Gibbons, Carl" userId="d2b037bc-8fb4-4222-845c-61440543a456" providerId="ADAL" clId="{3889D47B-FCE9-4AB2-9111-4C64BAB2FC05}" dt="2024-06-15T16:35:34.617" v="16748" actId="114"/>
+          <ac:spMkLst>
+            <pc:docMk/>
+            <pc:sldMk cId="4188996306" sldId="267"/>
+            <ac:spMk id="4" creationId="{B64A8207-997F-319E-7F6D-676D3ECA779B}"/>
+          </ac:spMkLst>
+        </pc:spChg>
+      </pc:sldChg>
+      <pc:sldChg chg="modSp mod">
+        <pc:chgData name="Gibbons, Carl" userId="d2b037bc-8fb4-4222-845c-61440543a456" providerId="ADAL" clId="{3889D47B-FCE9-4AB2-9111-4C64BAB2FC05}" dt="2024-06-15T16:05:30.597" v="16116" actId="20577"/>
         <pc:sldMkLst>
           <pc:docMk/>
           <pc:sldMk cId="322366662" sldId="284"/>
         </pc:sldMkLst>
         <pc:spChg chg="mod">
-          <ac:chgData name="Gibbons, Carl" userId="d2b037bc-8fb4-4222-845c-61440543a456" providerId="ADAL" clId="{08C743A0-6526-4066-967C-A9B01170A4A8}" dt="2024-06-27T21:49:44.010" v="3190" actId="20577"/>
+          <ac:chgData name="Gibbons, Carl" userId="d2b037bc-8fb4-4222-845c-61440543a456" providerId="ADAL" clId="{3889D47B-FCE9-4AB2-9111-4C64BAB2FC05}" dt="2024-06-15T16:05:30.597" v="16116" actId="20577"/>
           <ac:spMkLst>
             <pc:docMk/>
             <pc:sldMk cId="322366662" sldId="284"/>
@@ -896,134 +1545,188 @@
           </ac:spMkLst>
         </pc:spChg>
       </pc:sldChg>
-      <pc:sldChg chg="addSp modSp mod">
-        <pc:chgData name="Gibbons, Carl" userId="d2b037bc-8fb4-4222-845c-61440543a456" providerId="ADAL" clId="{08C743A0-6526-4066-967C-A9B01170A4A8}" dt="2024-06-27T21:22:25.103" v="1159" actId="114"/>
+      <pc:sldChg chg="modSp mod">
+        <pc:chgData name="Gibbons, Carl" userId="d2b037bc-8fb4-4222-845c-61440543a456" providerId="ADAL" clId="{3889D47B-FCE9-4AB2-9111-4C64BAB2FC05}" dt="2024-06-15T16:41:30.117" v="16827" actId="114"/>
         <pc:sldMkLst>
           <pc:docMk/>
-          <pc:sldMk cId="3461056406" sldId="285"/>
+          <pc:sldMk cId="2432840855" sldId="285"/>
         </pc:sldMkLst>
         <pc:spChg chg="mod">
-          <ac:chgData name="Gibbons, Carl" userId="d2b037bc-8fb4-4222-845c-61440543a456" providerId="ADAL" clId="{08C743A0-6526-4066-967C-A9B01170A4A8}" dt="2024-06-27T21:11:17.976" v="66" actId="20577"/>
-          <ac:spMkLst>
-            <pc:docMk/>
-            <pc:sldMk cId="3461056406" sldId="285"/>
-            <ac:spMk id="2" creationId="{AF4FFC57-4A5F-4049-833E-147BCB7DCB3C}"/>
+          <ac:chgData name="Gibbons, Carl" userId="d2b037bc-8fb4-4222-845c-61440543a456" providerId="ADAL" clId="{3889D47B-FCE9-4AB2-9111-4C64BAB2FC05}" dt="2024-06-15T13:06:37.068" v="7275" actId="20577"/>
+          <ac:spMkLst>
+            <pc:docMk/>
+            <pc:sldMk cId="2432840855" sldId="285"/>
+            <ac:spMk id="2" creationId="{64492E64-A68B-8CA7-B3C6-044F7C8E76AB}"/>
           </ac:spMkLst>
         </pc:spChg>
         <pc:spChg chg="mod">
-          <ac:chgData name="Gibbons, Carl" userId="d2b037bc-8fb4-4222-845c-61440543a456" providerId="ADAL" clId="{08C743A0-6526-4066-967C-A9B01170A4A8}" dt="2024-06-27T21:22:25.103" v="1159" actId="114"/>
-          <ac:spMkLst>
-            <pc:docMk/>
-            <pc:sldMk cId="3461056406" sldId="285"/>
-            <ac:spMk id="3" creationId="{67DC0261-9386-BB1C-2085-8653B2A19191}"/>
-          </ac:spMkLst>
-        </pc:spChg>
-        <pc:spChg chg="add mod">
-          <ac:chgData name="Gibbons, Carl" userId="d2b037bc-8fb4-4222-845c-61440543a456" providerId="ADAL" clId="{08C743A0-6526-4066-967C-A9B01170A4A8}" dt="2024-06-27T21:20:59.975" v="1132"/>
-          <ac:spMkLst>
-            <pc:docMk/>
-            <pc:sldMk cId="3461056406" sldId="285"/>
-            <ac:spMk id="4" creationId="{B3AE118A-640B-51EA-D796-7B56645FDA07}"/>
+          <ac:chgData name="Gibbons, Carl" userId="d2b037bc-8fb4-4222-845c-61440543a456" providerId="ADAL" clId="{3889D47B-FCE9-4AB2-9111-4C64BAB2FC05}" dt="2024-06-15T16:41:30.117" v="16827" actId="114"/>
+          <ac:spMkLst>
+            <pc:docMk/>
+            <pc:sldMk cId="2432840855" sldId="285"/>
+            <ac:spMk id="4" creationId="{B64A8207-997F-319E-7F6D-676D3ECA779B}"/>
           </ac:spMkLst>
         </pc:spChg>
       </pc:sldChg>
       <pc:sldChg chg="modSp mod">
-        <pc:chgData name="Gibbons, Carl" userId="d2b037bc-8fb4-4222-845c-61440543a456" providerId="ADAL" clId="{08C743A0-6526-4066-967C-A9B01170A4A8}" dt="2024-06-27T21:36:11.868" v="1957" actId="113"/>
+        <pc:chgData name="Gibbons, Carl" userId="d2b037bc-8fb4-4222-845c-61440543a456" providerId="ADAL" clId="{3889D47B-FCE9-4AB2-9111-4C64BAB2FC05}" dt="2024-06-15T16:34:10.067" v="16747" actId="20577"/>
         <pc:sldMkLst>
           <pc:docMk/>
-          <pc:sldMk cId="3877965803" sldId="286"/>
+          <pc:sldMk cId="2169521787" sldId="286"/>
         </pc:sldMkLst>
         <pc:spChg chg="mod">
-          <ac:chgData name="Gibbons, Carl" userId="d2b037bc-8fb4-4222-845c-61440543a456" providerId="ADAL" clId="{08C743A0-6526-4066-967C-A9B01170A4A8}" dt="2024-06-27T21:23:35.110" v="1215" actId="20577"/>
-          <ac:spMkLst>
-            <pc:docMk/>
-            <pc:sldMk cId="3877965803" sldId="286"/>
-            <ac:spMk id="2" creationId="{AF4FFC57-4A5F-4049-833E-147BCB7DCB3C}"/>
+          <ac:chgData name="Gibbons, Carl" userId="d2b037bc-8fb4-4222-845c-61440543a456" providerId="ADAL" clId="{3889D47B-FCE9-4AB2-9111-4C64BAB2FC05}" dt="2024-06-15T14:39:00.702" v="9894" actId="20577"/>
+          <ac:spMkLst>
+            <pc:docMk/>
+            <pc:sldMk cId="2169521787" sldId="286"/>
+            <ac:spMk id="2" creationId="{64492E64-A68B-8CA7-B3C6-044F7C8E76AB}"/>
           </ac:spMkLst>
         </pc:spChg>
         <pc:spChg chg="mod">
-          <ac:chgData name="Gibbons, Carl" userId="d2b037bc-8fb4-4222-845c-61440543a456" providerId="ADAL" clId="{08C743A0-6526-4066-967C-A9B01170A4A8}" dt="2024-06-27T21:36:11.868" v="1957" actId="113"/>
-          <ac:spMkLst>
-            <pc:docMk/>
-            <pc:sldMk cId="3877965803" sldId="286"/>
-            <ac:spMk id="3" creationId="{67DC0261-9386-BB1C-2085-8653B2A19191}"/>
+          <ac:chgData name="Gibbons, Carl" userId="d2b037bc-8fb4-4222-845c-61440543a456" providerId="ADAL" clId="{3889D47B-FCE9-4AB2-9111-4C64BAB2FC05}" dt="2024-06-15T16:34:10.067" v="16747" actId="20577"/>
+          <ac:spMkLst>
+            <pc:docMk/>
+            <pc:sldMk cId="2169521787" sldId="286"/>
+            <ac:spMk id="4" creationId="{B64A8207-997F-319E-7F6D-676D3ECA779B}"/>
           </ac:spMkLst>
         </pc:spChg>
       </pc:sldChg>
-      <pc:sldChg chg="addSp modSp del mod">
-        <pc:chgData name="Gibbons, Carl" userId="d2b037bc-8fb4-4222-845c-61440543a456" providerId="ADAL" clId="{08C743A0-6526-4066-967C-A9B01170A4A8}" dt="2024-06-27T21:32:10.217" v="1922" actId="47"/>
+      <pc:sldChg chg="addSp delSp modSp mod">
+        <pc:chgData name="Gibbons, Carl" userId="d2b037bc-8fb4-4222-845c-61440543a456" providerId="ADAL" clId="{3889D47B-FCE9-4AB2-9111-4C64BAB2FC05}" dt="2024-06-15T16:36:08.887" v="16754" actId="20577"/>
         <pc:sldMkLst>
           <pc:docMk/>
-          <pc:sldMk cId="3266305666" sldId="287"/>
+          <pc:sldMk cId="1898587254" sldId="287"/>
         </pc:sldMkLst>
+        <pc:spChg chg="mod">
+          <ac:chgData name="Gibbons, Carl" userId="d2b037bc-8fb4-4222-845c-61440543a456" providerId="ADAL" clId="{3889D47B-FCE9-4AB2-9111-4C64BAB2FC05}" dt="2024-06-15T16:36:08.887" v="16754" actId="20577"/>
+          <ac:spMkLst>
+            <pc:docMk/>
+            <pc:sldMk cId="1898587254" sldId="287"/>
+            <ac:spMk id="2" creationId="{64492E64-A68B-8CA7-B3C6-044F7C8E76AB}"/>
+          </ac:spMkLst>
+        </pc:spChg>
         <pc:spChg chg="add mod">
-          <ac:chgData name="Gibbons, Carl" userId="d2b037bc-8fb4-4222-845c-61440543a456" providerId="ADAL" clId="{08C743A0-6526-4066-967C-A9B01170A4A8}" dt="2024-06-27T21:20:26.546" v="1131" actId="20577"/>
-          <ac:spMkLst>
-            <pc:docMk/>
-            <pc:sldMk cId="3266305666" sldId="287"/>
-            <ac:spMk id="4" creationId="{516749E0-BAF1-C0BB-0329-D14E2A8C8292}"/>
+          <ac:chgData name="Gibbons, Carl" userId="d2b037bc-8fb4-4222-845c-61440543a456" providerId="ADAL" clId="{3889D47B-FCE9-4AB2-9111-4C64BAB2FC05}" dt="2024-06-15T03:33:36.927" v="5199" actId="20577"/>
+          <ac:spMkLst>
+            <pc:docMk/>
+            <pc:sldMk cId="1898587254" sldId="287"/>
+            <ac:spMk id="3" creationId="{A07D4459-4375-32A9-1627-ECA3B23C5287}"/>
+          </ac:spMkLst>
+        </pc:spChg>
+        <pc:spChg chg="mod">
+          <ac:chgData name="Gibbons, Carl" userId="d2b037bc-8fb4-4222-845c-61440543a456" providerId="ADAL" clId="{3889D47B-FCE9-4AB2-9111-4C64BAB2FC05}" dt="2024-06-15T14:27:28.507" v="9753" actId="20577"/>
+          <ac:spMkLst>
+            <pc:docMk/>
+            <pc:sldMk cId="1898587254" sldId="287"/>
+            <ac:spMk id="4" creationId="{B64A8207-997F-319E-7F6D-676D3ECA779B}"/>
+          </ac:spMkLst>
+        </pc:spChg>
+        <pc:spChg chg="add del mod">
+          <ac:chgData name="Gibbons, Carl" userId="d2b037bc-8fb4-4222-845c-61440543a456" providerId="ADAL" clId="{3889D47B-FCE9-4AB2-9111-4C64BAB2FC05}" dt="2024-06-15T03:27:51.055" v="5021" actId="478"/>
+          <ac:spMkLst>
+            <pc:docMk/>
+            <pc:sldMk cId="1898587254" sldId="287"/>
+            <ac:spMk id="5" creationId="{6DA673F6-3104-9590-1412-F98E5B2D8556}"/>
+          </ac:spMkLst>
+        </pc:spChg>
+        <pc:spChg chg="add mod">
+          <ac:chgData name="Gibbons, Carl" userId="d2b037bc-8fb4-4222-845c-61440543a456" providerId="ADAL" clId="{3889D47B-FCE9-4AB2-9111-4C64BAB2FC05}" dt="2024-06-15T03:33:40.396" v="5201" actId="20577"/>
+          <ac:spMkLst>
+            <pc:docMk/>
+            <pc:sldMk cId="1898587254" sldId="287"/>
+            <ac:spMk id="6" creationId="{DB335DE6-7D9E-2E32-D41E-03A3DFA8B40E}"/>
           </ac:spMkLst>
         </pc:spChg>
       </pc:sldChg>
-      <pc:sldChg chg="addSp delSp modSp mod">
-        <pc:chgData name="Gibbons, Carl" userId="d2b037bc-8fb4-4222-845c-61440543a456" providerId="ADAL" clId="{08C743A0-6526-4066-967C-A9B01170A4A8}" dt="2024-06-27T21:40:29.016" v="2355" actId="20577"/>
+      <pc:sldChg chg="modSp mod">
+        <pc:chgData name="Gibbons, Carl" userId="d2b037bc-8fb4-4222-845c-61440543a456" providerId="ADAL" clId="{3889D47B-FCE9-4AB2-9111-4C64BAB2FC05}" dt="2024-06-15T14:31:30.750" v="9797" actId="20577"/>
         <pc:sldMkLst>
           <pc:docMk/>
-          <pc:sldMk cId="371021941" sldId="288"/>
+          <pc:sldMk cId="1598400846" sldId="288"/>
         </pc:sldMkLst>
         <pc:spChg chg="mod">
-          <ac:chgData name="Gibbons, Carl" userId="d2b037bc-8fb4-4222-845c-61440543a456" providerId="ADAL" clId="{08C743A0-6526-4066-967C-A9B01170A4A8}" dt="2024-06-27T21:34:12.354" v="1955" actId="20577"/>
-          <ac:spMkLst>
-            <pc:docMk/>
-            <pc:sldMk cId="371021941" sldId="288"/>
-            <ac:spMk id="2" creationId="{3727E7C7-7298-CEE5-49B9-10CD2E876B30}"/>
+          <ac:chgData name="Gibbons, Carl" userId="d2b037bc-8fb4-4222-845c-61440543a456" providerId="ADAL" clId="{3889D47B-FCE9-4AB2-9111-4C64BAB2FC05}" dt="2024-06-15T13:54:39.696" v="9353" actId="20577"/>
+          <ac:spMkLst>
+            <pc:docMk/>
+            <pc:sldMk cId="1598400846" sldId="288"/>
+            <ac:spMk id="2" creationId="{64492E64-A68B-8CA7-B3C6-044F7C8E76AB}"/>
           </ac:spMkLst>
         </pc:spChg>
         <pc:spChg chg="mod">
-          <ac:chgData name="Gibbons, Carl" userId="d2b037bc-8fb4-4222-845c-61440543a456" providerId="ADAL" clId="{08C743A0-6526-4066-967C-A9B01170A4A8}" dt="2024-06-27T21:40:29.016" v="2355" actId="20577"/>
-          <ac:spMkLst>
-            <pc:docMk/>
-            <pc:sldMk cId="371021941" sldId="288"/>
-            <ac:spMk id="3" creationId="{4F047AE7-AD63-865A-BD1E-654D5808EEE1}"/>
-          </ac:spMkLst>
-        </pc:spChg>
-        <pc:picChg chg="del">
-          <ac:chgData name="Gibbons, Carl" userId="d2b037bc-8fb4-4222-845c-61440543a456" providerId="ADAL" clId="{08C743A0-6526-4066-967C-A9B01170A4A8}" dt="2024-06-27T21:32:48.916" v="1925" actId="478"/>
-          <ac:picMkLst>
-            <pc:docMk/>
-            <pc:sldMk cId="371021941" sldId="288"/>
-            <ac:picMk id="4" creationId="{093D1517-9AAA-06C5-57E9-606913C751C2}"/>
-          </ac:picMkLst>
-        </pc:picChg>
-        <pc:picChg chg="add mod">
-          <ac:chgData name="Gibbons, Carl" userId="d2b037bc-8fb4-4222-845c-61440543a456" providerId="ADAL" clId="{08C743A0-6526-4066-967C-A9B01170A4A8}" dt="2024-06-27T21:33:33.885" v="1928" actId="692"/>
-          <ac:picMkLst>
-            <pc:docMk/>
-            <pc:sldMk cId="371021941" sldId="288"/>
-            <ac:picMk id="5" creationId="{F90901A4-D668-4F4E-12DC-24DA92965499}"/>
-          </ac:picMkLst>
-        </pc:picChg>
+          <ac:chgData name="Gibbons, Carl" userId="d2b037bc-8fb4-4222-845c-61440543a456" providerId="ADAL" clId="{3889D47B-FCE9-4AB2-9111-4C64BAB2FC05}" dt="2024-06-15T14:31:30.750" v="9797" actId="20577"/>
+          <ac:spMkLst>
+            <pc:docMk/>
+            <pc:sldMk cId="1598400846" sldId="288"/>
+            <ac:spMk id="4" creationId="{B64A8207-997F-319E-7F6D-676D3ECA779B}"/>
+          </ac:spMkLst>
+        </pc:spChg>
       </pc:sldChg>
       <pc:sldChg chg="modSp mod">
-        <pc:chgData name="Gibbons, Carl" userId="d2b037bc-8fb4-4222-845c-61440543a456" providerId="ADAL" clId="{08C743A0-6526-4066-967C-A9B01170A4A8}" dt="2024-06-27T21:45:04.392" v="2696" actId="20577"/>
+        <pc:chgData name="Gibbons, Carl" userId="d2b037bc-8fb4-4222-845c-61440543a456" providerId="ADAL" clId="{3889D47B-FCE9-4AB2-9111-4C64BAB2FC05}" dt="2024-06-15T14:50:09.307" v="10646" actId="20577"/>
         <pc:sldMkLst>
           <pc:docMk/>
-          <pc:sldMk cId="639389324" sldId="289"/>
+          <pc:sldMk cId="1187668382" sldId="289"/>
         </pc:sldMkLst>
         <pc:spChg chg="mod">
-          <ac:chgData name="Gibbons, Carl" userId="d2b037bc-8fb4-4222-845c-61440543a456" providerId="ADAL" clId="{08C743A0-6526-4066-967C-A9B01170A4A8}" dt="2024-06-27T21:36:49.437" v="1974" actId="20577"/>
-          <ac:spMkLst>
-            <pc:docMk/>
-            <pc:sldMk cId="639389324" sldId="289"/>
-            <ac:spMk id="2" creationId="{AF4FFC57-4A5F-4049-833E-147BCB7DCB3C}"/>
+          <ac:chgData name="Gibbons, Carl" userId="d2b037bc-8fb4-4222-845c-61440543a456" providerId="ADAL" clId="{3889D47B-FCE9-4AB2-9111-4C64BAB2FC05}" dt="2024-06-15T14:39:34.640" v="9962" actId="2711"/>
+          <ac:spMkLst>
+            <pc:docMk/>
+            <pc:sldMk cId="1187668382" sldId="289"/>
+            <ac:spMk id="2" creationId="{64492E64-A68B-8CA7-B3C6-044F7C8E76AB}"/>
           </ac:spMkLst>
         </pc:spChg>
         <pc:spChg chg="mod">
-          <ac:chgData name="Gibbons, Carl" userId="d2b037bc-8fb4-4222-845c-61440543a456" providerId="ADAL" clId="{08C743A0-6526-4066-967C-A9B01170A4A8}" dt="2024-06-27T21:45:04.392" v="2696" actId="20577"/>
-          <ac:spMkLst>
-            <pc:docMk/>
-            <pc:sldMk cId="639389324" sldId="289"/>
-            <ac:spMk id="3" creationId="{67DC0261-9386-BB1C-2085-8653B2A19191}"/>
+          <ac:chgData name="Gibbons, Carl" userId="d2b037bc-8fb4-4222-845c-61440543a456" providerId="ADAL" clId="{3889D47B-FCE9-4AB2-9111-4C64BAB2FC05}" dt="2024-06-15T14:50:09.307" v="10646" actId="20577"/>
+          <ac:spMkLst>
+            <pc:docMk/>
+            <pc:sldMk cId="1187668382" sldId="289"/>
+            <ac:spMk id="4" creationId="{B64A8207-997F-319E-7F6D-676D3ECA779B}"/>
+          </ac:spMkLst>
+        </pc:spChg>
+      </pc:sldChg>
+      <pc:sldChg chg="modSp add mod">
+        <pc:chgData name="Gibbons, Carl" userId="d2b037bc-8fb4-4222-845c-61440543a456" providerId="ADAL" clId="{3889D47B-FCE9-4AB2-9111-4C64BAB2FC05}" dt="2024-06-15T16:17:53.627" v="16590" actId="20577"/>
+        <pc:sldMkLst>
+          <pc:docMk/>
+          <pc:sldMk cId="1294143228" sldId="290"/>
+        </pc:sldMkLst>
+        <pc:spChg chg="mod">
+          <ac:chgData name="Gibbons, Carl" userId="d2b037bc-8fb4-4222-845c-61440543a456" providerId="ADAL" clId="{3889D47B-FCE9-4AB2-9111-4C64BAB2FC05}" dt="2024-06-15T16:14:06.107" v="16409" actId="20577"/>
+          <ac:spMkLst>
+            <pc:docMk/>
+            <pc:sldMk cId="1294143228" sldId="290"/>
+            <ac:spMk id="2" creationId="{64492E64-A68B-8CA7-B3C6-044F7C8E76AB}"/>
+          </ac:spMkLst>
+        </pc:spChg>
+        <pc:spChg chg="mod">
+          <ac:chgData name="Gibbons, Carl" userId="d2b037bc-8fb4-4222-845c-61440543a456" providerId="ADAL" clId="{3889D47B-FCE9-4AB2-9111-4C64BAB2FC05}" dt="2024-06-15T16:17:53.627" v="16590" actId="20577"/>
+          <ac:spMkLst>
+            <pc:docMk/>
+            <pc:sldMk cId="1294143228" sldId="290"/>
+            <ac:spMk id="4" creationId="{B64A8207-997F-319E-7F6D-676D3ECA779B}"/>
+          </ac:spMkLst>
+        </pc:spChg>
+      </pc:sldChg>
+      <pc:sldChg chg="modSp add mod">
+        <pc:chgData name="Gibbons, Carl" userId="d2b037bc-8fb4-4222-845c-61440543a456" providerId="ADAL" clId="{3889D47B-FCE9-4AB2-9111-4C64BAB2FC05}" dt="2024-06-15T16:31:38.250" v="16719" actId="20577"/>
+        <pc:sldMkLst>
+          <pc:docMk/>
+          <pc:sldMk cId="1623491597" sldId="291"/>
+        </pc:sldMkLst>
+        <pc:spChg chg="mod">
+          <ac:chgData name="Gibbons, Carl" userId="d2b037bc-8fb4-4222-845c-61440543a456" providerId="ADAL" clId="{3889D47B-FCE9-4AB2-9111-4C64BAB2FC05}" dt="2024-06-15T16:19:27.896" v="16620" actId="20577"/>
+          <ac:spMkLst>
+            <pc:docMk/>
+            <pc:sldMk cId="1623491597" sldId="291"/>
+            <ac:spMk id="2" creationId="{64492E64-A68B-8CA7-B3C6-044F7C8E76AB}"/>
+          </ac:spMkLst>
+        </pc:spChg>
+        <pc:spChg chg="mod">
+          <ac:chgData name="Gibbons, Carl" userId="d2b037bc-8fb4-4222-845c-61440543a456" providerId="ADAL" clId="{3889D47B-FCE9-4AB2-9111-4C64BAB2FC05}" dt="2024-06-15T16:31:38.250" v="16719" actId="20577"/>
+          <ac:spMkLst>
+            <pc:docMk/>
+            <pc:sldMk cId="1623491597" sldId="291"/>
+            <ac:spMk id="4" creationId="{B64A8207-997F-319E-7F6D-676D3ECA779B}"/>
           </ac:spMkLst>
         </pc:spChg>
       </pc:sldChg>
@@ -1132,20 +1835,20 @@
     </pc:docChg>
   </pc:docChgLst>
   <pc:docChgLst>
-    <pc:chgData name="Gibbons, Carl" userId="d2b037bc-8fb4-4222-845c-61440543a456" providerId="ADAL" clId="{D6085967-26A6-4629-8CC7-2C03349F2E98}"/>
-    <pc:docChg chg="undo custSel addSld delSld modSld">
-      <pc:chgData name="Gibbons, Carl" userId="d2b037bc-8fb4-4222-845c-61440543a456" providerId="ADAL" clId="{D6085967-26A6-4629-8CC7-2C03349F2E98}" dt="2024-06-27T22:47:04.091" v="4601" actId="20577"/>
+    <pc:chgData name="Gibbons, Carl" userId="d2b037bc-8fb4-4222-845c-61440543a456" providerId="ADAL" clId="{08C743A0-6526-4066-967C-A9B01170A4A8}"/>
+    <pc:docChg chg="undo custSel delSld modSld">
+      <pc:chgData name="Gibbons, Carl" userId="d2b037bc-8fb4-4222-845c-61440543a456" providerId="ADAL" clId="{08C743A0-6526-4066-967C-A9B01170A4A8}" dt="2024-06-27T21:49:44.010" v="3190" actId="20577"/>
       <pc:docMkLst>
         <pc:docMk/>
       </pc:docMkLst>
       <pc:sldChg chg="modSp mod">
-        <pc:chgData name="Gibbons, Carl" userId="d2b037bc-8fb4-4222-845c-61440543a456" providerId="ADAL" clId="{D6085967-26A6-4629-8CC7-2C03349F2E98}" dt="2024-06-27T21:53:27.533" v="17" actId="20577"/>
+        <pc:chgData name="Gibbons, Carl" userId="d2b037bc-8fb4-4222-845c-61440543a456" providerId="ADAL" clId="{08C743A0-6526-4066-967C-A9B01170A4A8}" dt="2024-06-27T21:10:27.607" v="20" actId="20577"/>
         <pc:sldMkLst>
           <pc:docMk/>
           <pc:sldMk cId="3644072983" sldId="256"/>
         </pc:sldMkLst>
         <pc:spChg chg="mod">
-          <ac:chgData name="Gibbons, Carl" userId="d2b037bc-8fb4-4222-845c-61440543a456" providerId="ADAL" clId="{D6085967-26A6-4629-8CC7-2C03349F2E98}" dt="2024-06-27T21:53:27.533" v="17" actId="20577"/>
+          <ac:chgData name="Gibbons, Carl" userId="d2b037bc-8fb4-4222-845c-61440543a456" providerId="ADAL" clId="{08C743A0-6526-4066-967C-A9B01170A4A8}" dt="2024-06-27T21:10:27.607" v="20" actId="20577"/>
           <ac:spMkLst>
             <pc:docMk/>
             <pc:sldMk cId="3644072983" sldId="256"/>
@@ -1154,13 +1857,13 @@
         </pc:spChg>
       </pc:sldChg>
       <pc:sldChg chg="modSp mod">
-        <pc:chgData name="Gibbons, Carl" userId="d2b037bc-8fb4-4222-845c-61440543a456" providerId="ADAL" clId="{D6085967-26A6-4629-8CC7-2C03349F2E98}" dt="2024-06-27T22:47:04.091" v="4601" actId="20577"/>
+        <pc:chgData name="Gibbons, Carl" userId="d2b037bc-8fb4-4222-845c-61440543a456" providerId="ADAL" clId="{08C743A0-6526-4066-967C-A9B01170A4A8}" dt="2024-06-27T21:49:44.010" v="3190" actId="20577"/>
         <pc:sldMkLst>
           <pc:docMk/>
           <pc:sldMk cId="322366662" sldId="284"/>
         </pc:sldMkLst>
         <pc:spChg chg="mod">
-          <ac:chgData name="Gibbons, Carl" userId="d2b037bc-8fb4-4222-845c-61440543a456" providerId="ADAL" clId="{D6085967-26A6-4629-8CC7-2C03349F2E98}" dt="2024-06-27T22:47:04.091" v="4601" actId="20577"/>
+          <ac:chgData name="Gibbons, Carl" userId="d2b037bc-8fb4-4222-845c-61440543a456" providerId="ADAL" clId="{08C743A0-6526-4066-967C-A9B01170A4A8}" dt="2024-06-27T21:49:44.010" v="3190" actId="20577"/>
           <ac:spMkLst>
             <pc:docMk/>
             <pc:sldMk cId="322366662" sldId="284"/>
@@ -1168,93 +1871,45 @@
           </ac:spMkLst>
         </pc:spChg>
       </pc:sldChg>
-      <pc:sldChg chg="addSp delSp modSp mod">
-        <pc:chgData name="Gibbons, Carl" userId="d2b037bc-8fb4-4222-845c-61440543a456" providerId="ADAL" clId="{D6085967-26A6-4629-8CC7-2C03349F2E98}" dt="2024-06-27T22:04:48.912" v="200" actId="20577"/>
+      <pc:sldChg chg="addSp modSp mod">
+        <pc:chgData name="Gibbons, Carl" userId="d2b037bc-8fb4-4222-845c-61440543a456" providerId="ADAL" clId="{08C743A0-6526-4066-967C-A9B01170A4A8}" dt="2024-06-27T21:22:25.103" v="1159" actId="114"/>
         <pc:sldMkLst>
           <pc:docMk/>
           <pc:sldMk cId="3461056406" sldId="285"/>
         </pc:sldMkLst>
         <pc:spChg chg="mod">
-          <ac:chgData name="Gibbons, Carl" userId="d2b037bc-8fb4-4222-845c-61440543a456" providerId="ADAL" clId="{D6085967-26A6-4629-8CC7-2C03349F2E98}" dt="2024-06-27T21:54:02.403" v="67" actId="20577"/>
+          <ac:chgData name="Gibbons, Carl" userId="d2b037bc-8fb4-4222-845c-61440543a456" providerId="ADAL" clId="{08C743A0-6526-4066-967C-A9B01170A4A8}" dt="2024-06-27T21:11:17.976" v="66" actId="20577"/>
           <ac:spMkLst>
             <pc:docMk/>
             <pc:sldMk cId="3461056406" sldId="285"/>
             <ac:spMk id="2" creationId="{AF4FFC57-4A5F-4049-833E-147BCB7DCB3C}"/>
           </ac:spMkLst>
         </pc:spChg>
-        <pc:spChg chg="del mod">
-          <ac:chgData name="Gibbons, Carl" userId="d2b037bc-8fb4-4222-845c-61440543a456" providerId="ADAL" clId="{D6085967-26A6-4629-8CC7-2C03349F2E98}" dt="2024-06-27T21:54:29.617" v="70" actId="478"/>
+        <pc:spChg chg="mod">
+          <ac:chgData name="Gibbons, Carl" userId="d2b037bc-8fb4-4222-845c-61440543a456" providerId="ADAL" clId="{08C743A0-6526-4066-967C-A9B01170A4A8}" dt="2024-06-27T21:22:25.103" v="1159" actId="114"/>
           <ac:spMkLst>
             <pc:docMk/>
             <pc:sldMk cId="3461056406" sldId="285"/>
             <ac:spMk id="3" creationId="{67DC0261-9386-BB1C-2085-8653B2A19191}"/>
           </ac:spMkLst>
         </pc:spChg>
-        <pc:spChg chg="del">
-          <ac:chgData name="Gibbons, Carl" userId="d2b037bc-8fb4-4222-845c-61440543a456" providerId="ADAL" clId="{D6085967-26A6-4629-8CC7-2C03349F2E98}" dt="2024-06-27T21:55:33.036" v="79" actId="478"/>
+        <pc:spChg chg="add mod">
+          <ac:chgData name="Gibbons, Carl" userId="d2b037bc-8fb4-4222-845c-61440543a456" providerId="ADAL" clId="{08C743A0-6526-4066-967C-A9B01170A4A8}" dt="2024-06-27T21:20:59.975" v="1132"/>
           <ac:spMkLst>
             <pc:docMk/>
             <pc:sldMk cId="3461056406" sldId="285"/>
             <ac:spMk id="4" creationId="{B3AE118A-640B-51EA-D796-7B56645FDA07}"/>
           </ac:spMkLst>
         </pc:spChg>
-        <pc:spChg chg="add del mod">
-          <ac:chgData name="Gibbons, Carl" userId="d2b037bc-8fb4-4222-845c-61440543a456" providerId="ADAL" clId="{D6085967-26A6-4629-8CC7-2C03349F2E98}" dt="2024-06-27T21:55:20.264" v="77" actId="478"/>
-          <ac:spMkLst>
-            <pc:docMk/>
-            <pc:sldMk cId="3461056406" sldId="285"/>
-            <ac:spMk id="6" creationId="{8F3FFFDC-14C6-106E-42F8-A3540BC7ADC0}"/>
-          </ac:spMkLst>
-        </pc:spChg>
-        <pc:spChg chg="add mod">
-          <ac:chgData name="Gibbons, Carl" userId="d2b037bc-8fb4-4222-845c-61440543a456" providerId="ADAL" clId="{D6085967-26A6-4629-8CC7-2C03349F2E98}" dt="2024-06-27T22:04:48.912" v="200" actId="20577"/>
-          <ac:spMkLst>
-            <pc:docMk/>
-            <pc:sldMk cId="3461056406" sldId="285"/>
-            <ac:spMk id="8" creationId="{A65A1EB3-D1FF-7054-E4A0-32CFD411EBCE}"/>
-          </ac:spMkLst>
-        </pc:spChg>
-        <pc:spChg chg="add del mod">
-          <ac:chgData name="Gibbons, Carl" userId="d2b037bc-8fb4-4222-845c-61440543a456" providerId="ADAL" clId="{D6085967-26A6-4629-8CC7-2C03349F2E98}" dt="2024-06-27T21:55:47.937" v="81" actId="21"/>
-          <ac:spMkLst>
-            <pc:docMk/>
-            <pc:sldMk cId="3461056406" sldId="285"/>
-            <ac:spMk id="9" creationId="{A47A19AC-03F7-A40D-077E-51265491C222}"/>
-          </ac:spMkLst>
-        </pc:spChg>
-        <pc:spChg chg="add del mod">
-          <ac:chgData name="Gibbons, Carl" userId="d2b037bc-8fb4-4222-845c-61440543a456" providerId="ADAL" clId="{D6085967-26A6-4629-8CC7-2C03349F2E98}" dt="2024-06-27T22:00:23.103" v="114" actId="478"/>
-          <ac:spMkLst>
-            <pc:docMk/>
-            <pc:sldMk cId="3461056406" sldId="285"/>
-            <ac:spMk id="10" creationId="{75B130A0-A67D-2CD6-8EDD-B6AF964309D4}"/>
-          </ac:spMkLst>
-        </pc:spChg>
-        <pc:spChg chg="add mod">
-          <ac:chgData name="Gibbons, Carl" userId="d2b037bc-8fb4-4222-845c-61440543a456" providerId="ADAL" clId="{D6085967-26A6-4629-8CC7-2C03349F2E98}" dt="2024-06-27T22:04:30.540" v="198" actId="1076"/>
-          <ac:spMkLst>
-            <pc:docMk/>
-            <pc:sldMk cId="3461056406" sldId="285"/>
-            <ac:spMk id="11" creationId="{79F6EA98-EC25-7169-A339-0486CE084B4E}"/>
-          </ac:spMkLst>
-        </pc:spChg>
-        <pc:graphicFrameChg chg="add mod">
-          <ac:chgData name="Gibbons, Carl" userId="d2b037bc-8fb4-4222-845c-61440543a456" providerId="ADAL" clId="{D6085967-26A6-4629-8CC7-2C03349F2E98}" dt="2024-06-27T21:54:39.430" v="72"/>
-          <ac:graphicFrameMkLst>
-            <pc:docMk/>
-            <pc:sldMk cId="3461056406" sldId="285"/>
-            <ac:graphicFrameMk id="7" creationId="{85742D5D-36E6-3791-05B7-9D18D27C2701}"/>
-          </ac:graphicFrameMkLst>
-        </pc:graphicFrameChg>
       </pc:sldChg>
       <pc:sldChg chg="modSp mod">
-        <pc:chgData name="Gibbons, Carl" userId="d2b037bc-8fb4-4222-845c-61440543a456" providerId="ADAL" clId="{D6085967-26A6-4629-8CC7-2C03349F2E98}" dt="2024-06-27T22:17:32.213" v="1478" actId="20577"/>
+        <pc:chgData name="Gibbons, Carl" userId="d2b037bc-8fb4-4222-845c-61440543a456" providerId="ADAL" clId="{08C743A0-6526-4066-967C-A9B01170A4A8}" dt="2024-06-27T21:36:11.868" v="1957" actId="113"/>
         <pc:sldMkLst>
           <pc:docMk/>
           <pc:sldMk cId="3877965803" sldId="286"/>
         </pc:sldMkLst>
         <pc:spChg chg="mod">
-          <ac:chgData name="Gibbons, Carl" userId="d2b037bc-8fb4-4222-845c-61440543a456" providerId="ADAL" clId="{D6085967-26A6-4629-8CC7-2C03349F2E98}" dt="2024-06-27T22:05:29.336" v="234" actId="20577"/>
+          <ac:chgData name="Gibbons, Carl" userId="d2b037bc-8fb4-4222-845c-61440543a456" providerId="ADAL" clId="{08C743A0-6526-4066-967C-A9B01170A4A8}" dt="2024-06-27T21:23:35.110" v="1215" actId="20577"/>
           <ac:spMkLst>
             <pc:docMk/>
             <pc:sldMk cId="3877965803" sldId="286"/>
@@ -1262,7 +1917,7 @@
           </ac:spMkLst>
         </pc:spChg>
         <pc:spChg chg="mod">
-          <ac:chgData name="Gibbons, Carl" userId="d2b037bc-8fb4-4222-845c-61440543a456" providerId="ADAL" clId="{D6085967-26A6-4629-8CC7-2C03349F2E98}" dt="2024-06-27T22:17:32.213" v="1478" actId="20577"/>
+          <ac:chgData name="Gibbons, Carl" userId="d2b037bc-8fb4-4222-845c-61440543a456" providerId="ADAL" clId="{08C743A0-6526-4066-967C-A9B01170A4A8}" dt="2024-06-27T21:36:11.868" v="1957" actId="113"/>
           <ac:spMkLst>
             <pc:docMk/>
             <pc:sldMk cId="3877965803" sldId="286"/>
@@ -1270,21 +1925,68 @@
           </ac:spMkLst>
         </pc:spChg>
       </pc:sldChg>
-      <pc:sldChg chg="del">
-        <pc:chgData name="Gibbons, Carl" userId="d2b037bc-8fb4-4222-845c-61440543a456" providerId="ADAL" clId="{D6085967-26A6-4629-8CC7-2C03349F2E98}" dt="2024-06-27T22:17:48.693" v="1479" actId="47"/>
+      <pc:sldChg chg="addSp modSp del mod">
+        <pc:chgData name="Gibbons, Carl" userId="d2b037bc-8fb4-4222-845c-61440543a456" providerId="ADAL" clId="{08C743A0-6526-4066-967C-A9B01170A4A8}" dt="2024-06-27T21:32:10.217" v="1922" actId="47"/>
+        <pc:sldMkLst>
+          <pc:docMk/>
+          <pc:sldMk cId="3266305666" sldId="287"/>
+        </pc:sldMkLst>
+        <pc:spChg chg="add mod">
+          <ac:chgData name="Gibbons, Carl" userId="d2b037bc-8fb4-4222-845c-61440543a456" providerId="ADAL" clId="{08C743A0-6526-4066-967C-A9B01170A4A8}" dt="2024-06-27T21:20:26.546" v="1131" actId="20577"/>
+          <ac:spMkLst>
+            <pc:docMk/>
+            <pc:sldMk cId="3266305666" sldId="287"/>
+            <ac:spMk id="4" creationId="{516749E0-BAF1-C0BB-0329-D14E2A8C8292}"/>
+          </ac:spMkLst>
+        </pc:spChg>
+      </pc:sldChg>
+      <pc:sldChg chg="addSp delSp modSp mod">
+        <pc:chgData name="Gibbons, Carl" userId="d2b037bc-8fb4-4222-845c-61440543a456" providerId="ADAL" clId="{08C743A0-6526-4066-967C-A9B01170A4A8}" dt="2024-06-27T21:40:29.016" v="2355" actId="20577"/>
         <pc:sldMkLst>
           <pc:docMk/>
           <pc:sldMk cId="371021941" sldId="288"/>
         </pc:sldMkLst>
+        <pc:spChg chg="mod">
+          <ac:chgData name="Gibbons, Carl" userId="d2b037bc-8fb4-4222-845c-61440543a456" providerId="ADAL" clId="{08C743A0-6526-4066-967C-A9B01170A4A8}" dt="2024-06-27T21:34:12.354" v="1955" actId="20577"/>
+          <ac:spMkLst>
+            <pc:docMk/>
+            <pc:sldMk cId="371021941" sldId="288"/>
+            <ac:spMk id="2" creationId="{3727E7C7-7298-CEE5-49B9-10CD2E876B30}"/>
+          </ac:spMkLst>
+        </pc:spChg>
+        <pc:spChg chg="mod">
+          <ac:chgData name="Gibbons, Carl" userId="d2b037bc-8fb4-4222-845c-61440543a456" providerId="ADAL" clId="{08C743A0-6526-4066-967C-A9B01170A4A8}" dt="2024-06-27T21:40:29.016" v="2355" actId="20577"/>
+          <ac:spMkLst>
+            <pc:docMk/>
+            <pc:sldMk cId="371021941" sldId="288"/>
+            <ac:spMk id="3" creationId="{4F047AE7-AD63-865A-BD1E-654D5808EEE1}"/>
+          </ac:spMkLst>
+        </pc:spChg>
+        <pc:picChg chg="del">
+          <ac:chgData name="Gibbons, Carl" userId="d2b037bc-8fb4-4222-845c-61440543a456" providerId="ADAL" clId="{08C743A0-6526-4066-967C-A9B01170A4A8}" dt="2024-06-27T21:32:48.916" v="1925" actId="478"/>
+          <ac:picMkLst>
+            <pc:docMk/>
+            <pc:sldMk cId="371021941" sldId="288"/>
+            <ac:picMk id="4" creationId="{093D1517-9AAA-06C5-57E9-606913C751C2}"/>
+          </ac:picMkLst>
+        </pc:picChg>
+        <pc:picChg chg="add mod">
+          <ac:chgData name="Gibbons, Carl" userId="d2b037bc-8fb4-4222-845c-61440543a456" providerId="ADAL" clId="{08C743A0-6526-4066-967C-A9B01170A4A8}" dt="2024-06-27T21:33:33.885" v="1928" actId="692"/>
+          <ac:picMkLst>
+            <pc:docMk/>
+            <pc:sldMk cId="371021941" sldId="288"/>
+            <ac:picMk id="5" creationId="{F90901A4-D668-4F4E-12DC-24DA92965499}"/>
+          </ac:picMkLst>
+        </pc:picChg>
       </pc:sldChg>
       <pc:sldChg chg="modSp mod">
-        <pc:chgData name="Gibbons, Carl" userId="d2b037bc-8fb4-4222-845c-61440543a456" providerId="ADAL" clId="{D6085967-26A6-4629-8CC7-2C03349F2E98}" dt="2024-06-27T22:34:48.397" v="3430" actId="20577"/>
+        <pc:chgData name="Gibbons, Carl" userId="d2b037bc-8fb4-4222-845c-61440543a456" providerId="ADAL" clId="{08C743A0-6526-4066-967C-A9B01170A4A8}" dt="2024-06-27T21:45:04.392" v="2696" actId="20577"/>
         <pc:sldMkLst>
           <pc:docMk/>
           <pc:sldMk cId="639389324" sldId="289"/>
         </pc:sldMkLst>
         <pc:spChg chg="mod">
-          <ac:chgData name="Gibbons, Carl" userId="d2b037bc-8fb4-4222-845c-61440543a456" providerId="ADAL" clId="{D6085967-26A6-4629-8CC7-2C03349F2E98}" dt="2024-06-27T22:34:48.397" v="3430" actId="20577"/>
+          <ac:chgData name="Gibbons, Carl" userId="d2b037bc-8fb4-4222-845c-61440543a456" providerId="ADAL" clId="{08C743A0-6526-4066-967C-A9B01170A4A8}" dt="2024-06-27T21:36:49.437" v="1974" actId="20577"/>
           <ac:spMkLst>
             <pc:docMk/>
             <pc:sldMk cId="639389324" sldId="289"/>
@@ -1292,119 +1994,11 @@
           </ac:spMkLst>
         </pc:spChg>
         <pc:spChg chg="mod">
-          <ac:chgData name="Gibbons, Carl" userId="d2b037bc-8fb4-4222-845c-61440543a456" providerId="ADAL" clId="{D6085967-26A6-4629-8CC7-2C03349F2E98}" dt="2024-06-27T22:25:34.808" v="2413" actId="20577"/>
+          <ac:chgData name="Gibbons, Carl" userId="d2b037bc-8fb4-4222-845c-61440543a456" providerId="ADAL" clId="{08C743A0-6526-4066-967C-A9B01170A4A8}" dt="2024-06-27T21:45:04.392" v="2696" actId="20577"/>
           <ac:spMkLst>
             <pc:docMk/>
             <pc:sldMk cId="639389324" sldId="289"/>
             <ac:spMk id="3" creationId="{67DC0261-9386-BB1C-2085-8653B2A19191}"/>
-          </ac:spMkLst>
-        </pc:spChg>
-      </pc:sldChg>
-      <pc:sldChg chg="addSp modSp add mod">
-        <pc:chgData name="Gibbons, Carl" userId="d2b037bc-8fb4-4222-845c-61440543a456" providerId="ADAL" clId="{D6085967-26A6-4629-8CC7-2C03349F2E98}" dt="2024-06-27T22:36:08.346" v="3468" actId="20577"/>
-        <pc:sldMkLst>
-          <pc:docMk/>
-          <pc:sldMk cId="724921324" sldId="290"/>
-        </pc:sldMkLst>
-        <pc:spChg chg="mod">
-          <ac:chgData name="Gibbons, Carl" userId="d2b037bc-8fb4-4222-845c-61440543a456" providerId="ADAL" clId="{D6085967-26A6-4629-8CC7-2C03349F2E98}" dt="2024-06-27T22:35:14.158" v="3465" actId="20577"/>
-          <ac:spMkLst>
-            <pc:docMk/>
-            <pc:sldMk cId="724921324" sldId="290"/>
-            <ac:spMk id="2" creationId="{AF4FFC57-4A5F-4049-833E-147BCB7DCB3C}"/>
-          </ac:spMkLst>
-        </pc:spChg>
-        <pc:spChg chg="mod">
-          <ac:chgData name="Gibbons, Carl" userId="d2b037bc-8fb4-4222-845c-61440543a456" providerId="ADAL" clId="{D6085967-26A6-4629-8CC7-2C03349F2E98}" dt="2024-06-27T22:34:35.505" v="3426" actId="27636"/>
-          <ac:spMkLst>
-            <pc:docMk/>
-            <pc:sldMk cId="724921324" sldId="290"/>
-            <ac:spMk id="3" creationId="{67DC0261-9386-BB1C-2085-8653B2A19191}"/>
-          </ac:spMkLst>
-        </pc:spChg>
-        <pc:spChg chg="add mod">
-          <ac:chgData name="Gibbons, Carl" userId="d2b037bc-8fb4-4222-845c-61440543a456" providerId="ADAL" clId="{D6085967-26A6-4629-8CC7-2C03349F2E98}" dt="2024-06-27T22:36:08.346" v="3468" actId="20577"/>
-          <ac:spMkLst>
-            <pc:docMk/>
-            <pc:sldMk cId="724921324" sldId="290"/>
-            <ac:spMk id="4" creationId="{1BE76952-BA4F-84DF-003D-295401143DF1}"/>
-          </ac:spMkLst>
-        </pc:spChg>
-      </pc:sldChg>
-      <pc:sldChg chg="modSp mod">
-        <pc:chgData name="Gibbons, Carl" userId="d2b037bc-8fb4-4222-845c-61440543a456" providerId="ADAL" clId="{D6085967-26A6-4629-8CC7-2C03349F2E98}" dt="2024-06-27T22:45:28.438" v="4503" actId="20577"/>
-        <pc:sldMkLst>
-          <pc:docMk/>
-          <pc:sldMk cId="1976204481" sldId="291"/>
-        </pc:sldMkLst>
-        <pc:spChg chg="mod">
-          <ac:chgData name="Gibbons, Carl" userId="d2b037bc-8fb4-4222-845c-61440543a456" providerId="ADAL" clId="{D6085967-26A6-4629-8CC7-2C03349F2E98}" dt="2024-06-27T22:37:08.013" v="3516" actId="20577"/>
-          <ac:spMkLst>
-            <pc:docMk/>
-            <pc:sldMk cId="1976204481" sldId="291"/>
-            <ac:spMk id="2" creationId="{AF4FFC57-4A5F-4049-833E-147BCB7DCB3C}"/>
-          </ac:spMkLst>
-        </pc:spChg>
-        <pc:spChg chg="mod">
-          <ac:chgData name="Gibbons, Carl" userId="d2b037bc-8fb4-4222-845c-61440543a456" providerId="ADAL" clId="{D6085967-26A6-4629-8CC7-2C03349F2E98}" dt="2024-06-27T22:45:28.438" v="4503" actId="20577"/>
-          <ac:spMkLst>
-            <pc:docMk/>
-            <pc:sldMk cId="1976204481" sldId="291"/>
-            <ac:spMk id="3" creationId="{67DC0261-9386-BB1C-2085-8653B2A19191}"/>
-          </ac:spMkLst>
-        </pc:spChg>
-      </pc:sldChg>
-    </pc:docChg>
-  </pc:docChgLst>
-  <pc:docChgLst>
-    <pc:chgData name="Gibbons, Carl" userId="d2b037bc-8fb4-4222-845c-61440543a456" providerId="ADAL" clId="{50BDE464-6684-48FF-AD2A-493B60EFD46B}"/>
-    <pc:docChg chg="modSld">
-      <pc:chgData name="Gibbons, Carl" userId="d2b037bc-8fb4-4222-845c-61440543a456" providerId="ADAL" clId="{50BDE464-6684-48FF-AD2A-493B60EFD46B}" dt="2023-12-21T18:37:59.974" v="91" actId="20577"/>
-      <pc:docMkLst>
-        <pc:docMk/>
-      </pc:docMkLst>
-      <pc:sldChg chg="modSp mod">
-        <pc:chgData name="Gibbons, Carl" userId="d2b037bc-8fb4-4222-845c-61440543a456" providerId="ADAL" clId="{50BDE464-6684-48FF-AD2A-493B60EFD46B}" dt="2023-12-21T14:42:44.298" v="42" actId="20577"/>
-        <pc:sldMkLst>
-          <pc:docMk/>
-          <pc:sldMk cId="1865769485" sldId="273"/>
-        </pc:sldMkLst>
-        <pc:spChg chg="mod">
-          <ac:chgData name="Gibbons, Carl" userId="d2b037bc-8fb4-4222-845c-61440543a456" providerId="ADAL" clId="{50BDE464-6684-48FF-AD2A-493B60EFD46B}" dt="2023-12-21T14:42:44.298" v="42" actId="20577"/>
-          <ac:spMkLst>
-            <pc:docMk/>
-            <pc:sldMk cId="1865769485" sldId="273"/>
-            <ac:spMk id="4" creationId="{B64A8207-997F-319E-7F6D-676D3ECA779B}"/>
-          </ac:spMkLst>
-        </pc:spChg>
-      </pc:sldChg>
-      <pc:sldChg chg="modSp mod">
-        <pc:chgData name="Gibbons, Carl" userId="d2b037bc-8fb4-4222-845c-61440543a456" providerId="ADAL" clId="{50BDE464-6684-48FF-AD2A-493B60EFD46B}" dt="2023-12-21T18:37:32.044" v="82" actId="20577"/>
-        <pc:sldMkLst>
-          <pc:docMk/>
-          <pc:sldMk cId="3809967197" sldId="275"/>
-        </pc:sldMkLst>
-        <pc:spChg chg="mod">
-          <ac:chgData name="Gibbons, Carl" userId="d2b037bc-8fb4-4222-845c-61440543a456" providerId="ADAL" clId="{50BDE464-6684-48FF-AD2A-493B60EFD46B}" dt="2023-12-21T18:37:32.044" v="82" actId="20577"/>
-          <ac:spMkLst>
-            <pc:docMk/>
-            <pc:sldMk cId="3809967197" sldId="275"/>
-            <ac:spMk id="3" creationId="{ADD8957C-88E6-A920-4979-2BDA9406B518}"/>
-          </ac:spMkLst>
-        </pc:spChg>
-      </pc:sldChg>
-      <pc:sldChg chg="modSp mod">
-        <pc:chgData name="Gibbons, Carl" userId="d2b037bc-8fb4-4222-845c-61440543a456" providerId="ADAL" clId="{50BDE464-6684-48FF-AD2A-493B60EFD46B}" dt="2023-12-21T18:37:59.974" v="91" actId="20577"/>
-        <pc:sldMkLst>
-          <pc:docMk/>
-          <pc:sldMk cId="1742169507" sldId="276"/>
-        </pc:sldMkLst>
-        <pc:spChg chg="mod">
-          <ac:chgData name="Gibbons, Carl" userId="d2b037bc-8fb4-4222-845c-61440543a456" providerId="ADAL" clId="{50BDE464-6684-48FF-AD2A-493B60EFD46B}" dt="2023-12-21T18:37:59.974" v="91" actId="20577"/>
-          <ac:spMkLst>
-            <pc:docMk/>
-            <pc:sldMk cId="1742169507" sldId="276"/>
-            <ac:spMk id="3" creationId="{ADD8957C-88E6-A920-4979-2BDA9406B518}"/>
           </ac:spMkLst>
         </pc:spChg>
       </pc:sldChg>
@@ -1929,6 +2523,84 @@
       </pc:sldChg>
     </pc:docChg>
   </pc:docChgLst>
+  <pc:docChgLst>
+    <pc:chgData name="Gibbons, Carl" userId="d2b037bc-8fb4-4222-845c-61440543a456" providerId="ADAL" clId="{ACF90228-EFF2-4732-BE47-2165A82AAC55}"/>
+    <pc:docChg chg="modSld">
+      <pc:chgData name="Gibbons, Carl" userId="d2b037bc-8fb4-4222-845c-61440543a456" providerId="ADAL" clId="{ACF90228-EFF2-4732-BE47-2165A82AAC55}" dt="2024-01-09T21:29:00.955" v="0"/>
+      <pc:docMkLst>
+        <pc:docMk/>
+      </pc:docMkLst>
+      <pc:sldChg chg="modSp mod">
+        <pc:chgData name="Gibbons, Carl" userId="d2b037bc-8fb4-4222-845c-61440543a456" providerId="ADAL" clId="{ACF90228-EFF2-4732-BE47-2165A82AAC55}" dt="2024-01-09T21:29:00.955" v="0"/>
+        <pc:sldMkLst>
+          <pc:docMk/>
+          <pc:sldMk cId="1055206713" sldId="269"/>
+        </pc:sldMkLst>
+        <pc:spChg chg="mod">
+          <ac:chgData name="Gibbons, Carl" userId="d2b037bc-8fb4-4222-845c-61440543a456" providerId="ADAL" clId="{ACF90228-EFF2-4732-BE47-2165A82AAC55}" dt="2024-01-09T21:29:00.955" v="0"/>
+          <ac:spMkLst>
+            <pc:docMk/>
+            <pc:sldMk cId="1055206713" sldId="269"/>
+            <ac:spMk id="4" creationId="{B64A8207-997F-319E-7F6D-676D3ECA779B}"/>
+          </ac:spMkLst>
+        </pc:spChg>
+      </pc:sldChg>
+    </pc:docChg>
+  </pc:docChgLst>
+  <pc:docChgLst>
+    <pc:chgData name="Gibbons, Carl" userId="d2b037bc-8fb4-4222-845c-61440543a456" providerId="ADAL" clId="{50BDE464-6684-48FF-AD2A-493B60EFD46B}"/>
+    <pc:docChg chg="modSld">
+      <pc:chgData name="Gibbons, Carl" userId="d2b037bc-8fb4-4222-845c-61440543a456" providerId="ADAL" clId="{50BDE464-6684-48FF-AD2A-493B60EFD46B}" dt="2023-12-21T18:37:59.974" v="91" actId="20577"/>
+      <pc:docMkLst>
+        <pc:docMk/>
+      </pc:docMkLst>
+      <pc:sldChg chg="modSp mod">
+        <pc:chgData name="Gibbons, Carl" userId="d2b037bc-8fb4-4222-845c-61440543a456" providerId="ADAL" clId="{50BDE464-6684-48FF-AD2A-493B60EFD46B}" dt="2023-12-21T14:42:44.298" v="42" actId="20577"/>
+        <pc:sldMkLst>
+          <pc:docMk/>
+          <pc:sldMk cId="1865769485" sldId="273"/>
+        </pc:sldMkLst>
+        <pc:spChg chg="mod">
+          <ac:chgData name="Gibbons, Carl" userId="d2b037bc-8fb4-4222-845c-61440543a456" providerId="ADAL" clId="{50BDE464-6684-48FF-AD2A-493B60EFD46B}" dt="2023-12-21T14:42:44.298" v="42" actId="20577"/>
+          <ac:spMkLst>
+            <pc:docMk/>
+            <pc:sldMk cId="1865769485" sldId="273"/>
+            <ac:spMk id="4" creationId="{B64A8207-997F-319E-7F6D-676D3ECA779B}"/>
+          </ac:spMkLst>
+        </pc:spChg>
+      </pc:sldChg>
+      <pc:sldChg chg="modSp mod">
+        <pc:chgData name="Gibbons, Carl" userId="d2b037bc-8fb4-4222-845c-61440543a456" providerId="ADAL" clId="{50BDE464-6684-48FF-AD2A-493B60EFD46B}" dt="2023-12-21T18:37:32.044" v="82" actId="20577"/>
+        <pc:sldMkLst>
+          <pc:docMk/>
+          <pc:sldMk cId="3809967197" sldId="275"/>
+        </pc:sldMkLst>
+        <pc:spChg chg="mod">
+          <ac:chgData name="Gibbons, Carl" userId="d2b037bc-8fb4-4222-845c-61440543a456" providerId="ADAL" clId="{50BDE464-6684-48FF-AD2A-493B60EFD46B}" dt="2023-12-21T18:37:32.044" v="82" actId="20577"/>
+          <ac:spMkLst>
+            <pc:docMk/>
+            <pc:sldMk cId="3809967197" sldId="275"/>
+            <ac:spMk id="3" creationId="{ADD8957C-88E6-A920-4979-2BDA9406B518}"/>
+          </ac:spMkLst>
+        </pc:spChg>
+      </pc:sldChg>
+      <pc:sldChg chg="modSp mod">
+        <pc:chgData name="Gibbons, Carl" userId="d2b037bc-8fb4-4222-845c-61440543a456" providerId="ADAL" clId="{50BDE464-6684-48FF-AD2A-493B60EFD46B}" dt="2023-12-21T18:37:59.974" v="91" actId="20577"/>
+        <pc:sldMkLst>
+          <pc:docMk/>
+          <pc:sldMk cId="1742169507" sldId="276"/>
+        </pc:sldMkLst>
+        <pc:spChg chg="mod">
+          <ac:chgData name="Gibbons, Carl" userId="d2b037bc-8fb4-4222-845c-61440543a456" providerId="ADAL" clId="{50BDE464-6684-48FF-AD2A-493B60EFD46B}" dt="2023-12-21T18:37:59.974" v="91" actId="20577"/>
+          <ac:spMkLst>
+            <pc:docMk/>
+            <pc:sldMk cId="1742169507" sldId="276"/>
+            <ac:spMk id="3" creationId="{ADD8957C-88E6-A920-4979-2BDA9406B518}"/>
+          </ac:spMkLst>
+        </pc:spChg>
+      </pc:sldChg>
+    </pc:docChg>
+  </pc:docChgLst>
 </pc:chgInfo>
 </file>
 
@@ -1987,7 +2659,7 @@
           <p:cNvPr id="2" name="Title 1">
             <a:extLst>
               <a:ext uri="{FF2B5EF4-FFF2-40B4-BE49-F238E27FC236}">
-                <a16:creationId xmlns:a16="http://schemas.microsoft.com/office/drawing/2014/main" id="{D7417273-9D16-5639-8844-46262C7A214A}"/>
+                <a16:creationId xmlns:a16="http://schemas.microsoft.com/office/drawing/2014/main" id="{BFB01EF5-6F0D-8686-CDD5-7DB43C9F613E}"/>
               </a:ext>
             </a:extLst>
           </p:cNvPr>
@@ -1998,7 +2670,15 @@
             <p:ph type="title"/>
           </p:nvPr>
         </p:nvSpPr>
-        <p:spPr/>
+        <p:spPr>
+          <a:xfrm>
+            <a:off x="602787" y="1498382"/>
+            <a:ext cx="10515600" cy="1325563"/>
+          </a:xfrm>
+          <a:prstGeom prst="rect">
+            <a:avLst/>
+          </a:prstGeom>
+        </p:spPr>
         <p:txBody>
           <a:bodyPr/>
           <a:lstStyle/>
@@ -2015,7 +2695,7 @@
           <p:cNvPr id="3" name="Content Placeholder 2">
             <a:extLst>
               <a:ext uri="{FF2B5EF4-FFF2-40B4-BE49-F238E27FC236}">
-                <a16:creationId xmlns:a16="http://schemas.microsoft.com/office/drawing/2014/main" id="{B0CB97D0-5920-4A0C-455B-784B34D523CD}"/>
+                <a16:creationId xmlns:a16="http://schemas.microsoft.com/office/drawing/2014/main" id="{2ED595E2-3C65-7E01-6223-574BF8FB8119}"/>
               </a:ext>
             </a:extLst>
           </p:cNvPr>
@@ -2031,6 +2711,9 @@
             <a:off x="838200" y="1825625"/>
             <a:ext cx="5181600" cy="4351338"/>
           </a:xfrm>
+          <a:prstGeom prst="rect">
+            <a:avLst/>
+          </a:prstGeom>
         </p:spPr>
         <p:txBody>
           <a:bodyPr/>
@@ -2077,7 +2760,7 @@
           <p:cNvPr id="4" name="Content Placeholder 3">
             <a:extLst>
               <a:ext uri="{FF2B5EF4-FFF2-40B4-BE49-F238E27FC236}">
-                <a16:creationId xmlns:a16="http://schemas.microsoft.com/office/drawing/2014/main" id="{49C5FDBC-D200-7F14-85E8-2B208477DAF9}"/>
+                <a16:creationId xmlns:a16="http://schemas.microsoft.com/office/drawing/2014/main" id="{DFDA5243-FD59-824D-9801-C6A7FC40AD32}"/>
               </a:ext>
             </a:extLst>
           </p:cNvPr>
@@ -2093,6 +2776,9 @@
             <a:off x="6172200" y="1825625"/>
             <a:ext cx="5181600" cy="4351338"/>
           </a:xfrm>
+          <a:prstGeom prst="rect">
+            <a:avLst/>
+          </a:prstGeom>
         </p:spPr>
         <p:txBody>
           <a:bodyPr/>
@@ -2139,7 +2825,7 @@
           <p:cNvPr id="5" name="Date Placeholder 4">
             <a:extLst>
               <a:ext uri="{FF2B5EF4-FFF2-40B4-BE49-F238E27FC236}">
-                <a16:creationId xmlns:a16="http://schemas.microsoft.com/office/drawing/2014/main" id="{9C0A7D34-EDD4-2B7C-7597-31E5AE2E8BD6}"/>
+                <a16:creationId xmlns:a16="http://schemas.microsoft.com/office/drawing/2014/main" id="{BB0B0631-5586-E8EE-C280-1DC0A64D54C9}"/>
               </a:ext>
             </a:extLst>
           </p:cNvPr>
@@ -2150,14 +2836,22 @@
             <p:ph type="dt" sz="half" idx="10"/>
           </p:nvPr>
         </p:nvSpPr>
-        <p:spPr/>
+        <p:spPr>
+          <a:xfrm>
+            <a:off x="838200" y="6445249"/>
+            <a:ext cx="2743200" cy="365125"/>
+          </a:xfrm>
+          <a:prstGeom prst="rect">
+            <a:avLst/>
+          </a:prstGeom>
+        </p:spPr>
         <p:txBody>
           <a:bodyPr/>
           <a:lstStyle/>
           <a:p>
-            <a:fld id="{0D69348B-4620-44E9-BF3F-EACBA9EEF323}" type="datetimeFigureOut">
+            <a:fld id="{71087A05-F855-4434-8DDE-39A8542098A6}" type="datetimeFigureOut">
               <a:rPr lang="en-US" smtClean="0"/>
-              <a:t>9/26/2024</a:t>
+              <a:t>12/17/2024</a:t>
             </a:fld>
             <a:endParaRPr lang="en-US"/>
           </a:p>
@@ -2168,7 +2862,7 @@
           <p:cNvPr id="6" name="Footer Placeholder 5">
             <a:extLst>
               <a:ext uri="{FF2B5EF4-FFF2-40B4-BE49-F238E27FC236}">
-                <a16:creationId xmlns:a16="http://schemas.microsoft.com/office/drawing/2014/main" id="{001C50E6-D64B-52FC-1719-552ED73B243D}"/>
+                <a16:creationId xmlns:a16="http://schemas.microsoft.com/office/drawing/2014/main" id="{4C7022BC-4356-2E12-5FFC-95893C9539C6}"/>
               </a:ext>
             </a:extLst>
           </p:cNvPr>
@@ -2179,7 +2873,15 @@
             <p:ph type="ftr" sz="quarter" idx="11"/>
           </p:nvPr>
         </p:nvSpPr>
-        <p:spPr/>
+        <p:spPr>
+          <a:xfrm>
+            <a:off x="4038600" y="6356350"/>
+            <a:ext cx="4114800" cy="365125"/>
+          </a:xfrm>
+          <a:prstGeom prst="rect">
+            <a:avLst/>
+          </a:prstGeom>
+        </p:spPr>
         <p:txBody>
           <a:bodyPr/>
           <a:lstStyle/>
@@ -2193,7 +2895,7 @@
           <p:cNvPr id="7" name="Slide Number Placeholder 6">
             <a:extLst>
               <a:ext uri="{FF2B5EF4-FFF2-40B4-BE49-F238E27FC236}">
-                <a16:creationId xmlns:a16="http://schemas.microsoft.com/office/drawing/2014/main" id="{159CBFED-25BE-7153-12B4-D0E8588920D3}"/>
+                <a16:creationId xmlns:a16="http://schemas.microsoft.com/office/drawing/2014/main" id="{2F6F0616-5185-D339-BFDE-0E16B9960312}"/>
               </a:ext>
             </a:extLst>
           </p:cNvPr>
@@ -2204,12 +2906,20 @@
             <p:ph type="sldNum" sz="quarter" idx="12"/>
           </p:nvPr>
         </p:nvSpPr>
-        <p:spPr/>
+        <p:spPr>
+          <a:xfrm>
+            <a:off x="8610600" y="6356350"/>
+            <a:ext cx="2743200" cy="365125"/>
+          </a:xfrm>
+          <a:prstGeom prst="rect">
+            <a:avLst/>
+          </a:prstGeom>
+        </p:spPr>
         <p:txBody>
           <a:bodyPr/>
           <a:lstStyle/>
           <a:p>
-            <a:fld id="{986C47A0-D0C4-4E8A-BEE9-37B09C3712B2}" type="slidenum">
+            <a:fld id="{6C0014F0-3D1D-4459-A530-32E6C19AE461}" type="slidenum">
               <a:rPr lang="en-US" smtClean="0"/>
               <a:t>‹#›</a:t>
             </a:fld>
@@ -2220,7 +2930,7 @@
     </p:spTree>
     <p:extLst>
       <p:ext uri="{BB962C8B-B14F-4D97-AF65-F5344CB8AC3E}">
-        <p14:creationId xmlns:p14="http://schemas.microsoft.com/office/powerpoint/2010/main" val="3119249891"/>
+        <p14:creationId xmlns:p14="http://schemas.microsoft.com/office/powerpoint/2010/main" val="2346712278"/>
       </p:ext>
     </p:extLst>
   </p:cSld>
@@ -2252,7 +2962,7 @@
           <p:cNvPr id="2" name="Title 1">
             <a:extLst>
               <a:ext uri="{FF2B5EF4-FFF2-40B4-BE49-F238E27FC236}">
-                <a16:creationId xmlns:a16="http://schemas.microsoft.com/office/drawing/2014/main" id="{4EC51817-320C-EB58-D57C-AAA586C0053E}"/>
+                <a16:creationId xmlns:a16="http://schemas.microsoft.com/office/drawing/2014/main" id="{0AADFFED-E59B-6D4E-6B64-0F5B746DEB96}"/>
               </a:ext>
             </a:extLst>
           </p:cNvPr>
@@ -2268,6 +2978,9 @@
             <a:off x="839788" y="365125"/>
             <a:ext cx="10515600" cy="1325563"/>
           </a:xfrm>
+          <a:prstGeom prst="rect">
+            <a:avLst/>
+          </a:prstGeom>
         </p:spPr>
         <p:txBody>
           <a:bodyPr/>
@@ -2285,7 +2998,7 @@
           <p:cNvPr id="3" name="Text Placeholder 2">
             <a:extLst>
               <a:ext uri="{FF2B5EF4-FFF2-40B4-BE49-F238E27FC236}">
-                <a16:creationId xmlns:a16="http://schemas.microsoft.com/office/drawing/2014/main" id="{21FF1CDE-5ED1-45BC-1BBF-82DBA76868F4}"/>
+                <a16:creationId xmlns:a16="http://schemas.microsoft.com/office/drawing/2014/main" id="{1D25BBE6-1C38-6614-EF63-AF608E55C235}"/>
               </a:ext>
             </a:extLst>
           </p:cNvPr>
@@ -2301,6 +3014,9 @@
             <a:off x="839788" y="1681163"/>
             <a:ext cx="5157787" cy="823912"/>
           </a:xfrm>
+          <a:prstGeom prst="rect">
+            <a:avLst/>
+          </a:prstGeom>
         </p:spPr>
         <p:txBody>
           <a:bodyPr anchor="b"/>
@@ -2356,7 +3072,7 @@
           <p:cNvPr id="4" name="Content Placeholder 3">
             <a:extLst>
               <a:ext uri="{FF2B5EF4-FFF2-40B4-BE49-F238E27FC236}">
-                <a16:creationId xmlns:a16="http://schemas.microsoft.com/office/drawing/2014/main" id="{CB45744E-8CC8-1B85-F492-6648EB8A9996}"/>
+                <a16:creationId xmlns:a16="http://schemas.microsoft.com/office/drawing/2014/main" id="{D639AC2E-A378-9E93-69F7-FF92F43FC3A8}"/>
               </a:ext>
             </a:extLst>
           </p:cNvPr>
@@ -2372,6 +3088,9 @@
             <a:off x="839788" y="2505075"/>
             <a:ext cx="5157787" cy="3684588"/>
           </a:xfrm>
+          <a:prstGeom prst="rect">
+            <a:avLst/>
+          </a:prstGeom>
         </p:spPr>
         <p:txBody>
           <a:bodyPr/>
@@ -2418,7 +3137,7 @@
           <p:cNvPr id="5" name="Text Placeholder 4">
             <a:extLst>
               <a:ext uri="{FF2B5EF4-FFF2-40B4-BE49-F238E27FC236}">
-                <a16:creationId xmlns:a16="http://schemas.microsoft.com/office/drawing/2014/main" id="{E073266C-0D92-527A-30E1-7ECDD28C0F91}"/>
+                <a16:creationId xmlns:a16="http://schemas.microsoft.com/office/drawing/2014/main" id="{E57BF240-C80B-E670-B12B-8BCBA850E04F}"/>
               </a:ext>
             </a:extLst>
           </p:cNvPr>
@@ -2434,6 +3153,9 @@
             <a:off x="6172200" y="1681163"/>
             <a:ext cx="5183188" cy="823912"/>
           </a:xfrm>
+          <a:prstGeom prst="rect">
+            <a:avLst/>
+          </a:prstGeom>
         </p:spPr>
         <p:txBody>
           <a:bodyPr anchor="b"/>
@@ -2489,7 +3211,7 @@
           <p:cNvPr id="6" name="Content Placeholder 5">
             <a:extLst>
               <a:ext uri="{FF2B5EF4-FFF2-40B4-BE49-F238E27FC236}">
-                <a16:creationId xmlns:a16="http://schemas.microsoft.com/office/drawing/2014/main" id="{1E10B574-E76B-4DE3-3CFA-1190E252BA61}"/>
+                <a16:creationId xmlns:a16="http://schemas.microsoft.com/office/drawing/2014/main" id="{6AB0FB7E-A75F-AB8B-3217-710BBB592FB3}"/>
               </a:ext>
             </a:extLst>
           </p:cNvPr>
@@ -2505,6 +3227,9 @@
             <a:off x="6172200" y="2505075"/>
             <a:ext cx="5183188" cy="3684588"/>
           </a:xfrm>
+          <a:prstGeom prst="rect">
+            <a:avLst/>
+          </a:prstGeom>
         </p:spPr>
         <p:txBody>
           <a:bodyPr/>
@@ -2551,7 +3276,7 @@
           <p:cNvPr id="7" name="Date Placeholder 6">
             <a:extLst>
               <a:ext uri="{FF2B5EF4-FFF2-40B4-BE49-F238E27FC236}">
-                <a16:creationId xmlns:a16="http://schemas.microsoft.com/office/drawing/2014/main" id="{B22F13C7-15CB-D0AD-592A-4574F62CF3CA}"/>
+                <a16:creationId xmlns:a16="http://schemas.microsoft.com/office/drawing/2014/main" id="{BBAC691C-E8A1-E4A4-391E-3EA19AE5DF7A}"/>
               </a:ext>
             </a:extLst>
           </p:cNvPr>
@@ -2562,14 +3287,22 @@
             <p:ph type="dt" sz="half" idx="10"/>
           </p:nvPr>
         </p:nvSpPr>
-        <p:spPr/>
+        <p:spPr>
+          <a:xfrm>
+            <a:off x="838200" y="6445249"/>
+            <a:ext cx="2743200" cy="365125"/>
+          </a:xfrm>
+          <a:prstGeom prst="rect">
+            <a:avLst/>
+          </a:prstGeom>
+        </p:spPr>
         <p:txBody>
           <a:bodyPr/>
           <a:lstStyle/>
           <a:p>
-            <a:fld id="{0D69348B-4620-44E9-BF3F-EACBA9EEF323}" type="datetimeFigureOut">
+            <a:fld id="{71087A05-F855-4434-8DDE-39A8542098A6}" type="datetimeFigureOut">
               <a:rPr lang="en-US" smtClean="0"/>
-              <a:t>9/26/2024</a:t>
+              <a:t>12/17/2024</a:t>
             </a:fld>
             <a:endParaRPr lang="en-US"/>
           </a:p>
@@ -2580,7 +3313,7 @@
           <p:cNvPr id="8" name="Footer Placeholder 7">
             <a:extLst>
               <a:ext uri="{FF2B5EF4-FFF2-40B4-BE49-F238E27FC236}">
-                <a16:creationId xmlns:a16="http://schemas.microsoft.com/office/drawing/2014/main" id="{2F5F3798-7B61-5530-4CE3-C6CC264D0CAB}"/>
+                <a16:creationId xmlns:a16="http://schemas.microsoft.com/office/drawing/2014/main" id="{A5742DC8-1560-8BC0-2128-ACBD57240165}"/>
               </a:ext>
             </a:extLst>
           </p:cNvPr>
@@ -2591,7 +3324,15 @@
             <p:ph type="ftr" sz="quarter" idx="11"/>
           </p:nvPr>
         </p:nvSpPr>
-        <p:spPr/>
+        <p:spPr>
+          <a:xfrm>
+            <a:off x="4038600" y="6356350"/>
+            <a:ext cx="4114800" cy="365125"/>
+          </a:xfrm>
+          <a:prstGeom prst="rect">
+            <a:avLst/>
+          </a:prstGeom>
+        </p:spPr>
         <p:txBody>
           <a:bodyPr/>
           <a:lstStyle/>
@@ -2605,7 +3346,7 @@
           <p:cNvPr id="9" name="Slide Number Placeholder 8">
             <a:extLst>
               <a:ext uri="{FF2B5EF4-FFF2-40B4-BE49-F238E27FC236}">
-                <a16:creationId xmlns:a16="http://schemas.microsoft.com/office/drawing/2014/main" id="{DEA57831-0ADE-7493-7182-6249F4413808}"/>
+                <a16:creationId xmlns:a16="http://schemas.microsoft.com/office/drawing/2014/main" id="{589CBA34-0EA5-98FC-EEAA-0C1A44BA1CB5}"/>
               </a:ext>
             </a:extLst>
           </p:cNvPr>
@@ -2616,12 +3357,20 @@
             <p:ph type="sldNum" sz="quarter" idx="12"/>
           </p:nvPr>
         </p:nvSpPr>
-        <p:spPr/>
+        <p:spPr>
+          <a:xfrm>
+            <a:off x="8610600" y="6356350"/>
+            <a:ext cx="2743200" cy="365125"/>
+          </a:xfrm>
+          <a:prstGeom prst="rect">
+            <a:avLst/>
+          </a:prstGeom>
+        </p:spPr>
         <p:txBody>
           <a:bodyPr/>
           <a:lstStyle/>
           <a:p>
-            <a:fld id="{986C47A0-D0C4-4E8A-BEE9-37B09C3712B2}" type="slidenum">
+            <a:fld id="{6C0014F0-3D1D-4459-A530-32E6C19AE461}" type="slidenum">
               <a:rPr lang="en-US" smtClean="0"/>
               <a:t>‹#›</a:t>
             </a:fld>
@@ -2632,7 +3381,7 @@
     </p:spTree>
     <p:extLst>
       <p:ext uri="{BB962C8B-B14F-4D97-AF65-F5344CB8AC3E}">
-        <p14:creationId xmlns:p14="http://schemas.microsoft.com/office/powerpoint/2010/main" val="3054922134"/>
+        <p14:creationId xmlns:p14="http://schemas.microsoft.com/office/powerpoint/2010/main" val="3671413177"/>
       </p:ext>
     </p:extLst>
   </p:cSld>
@@ -2664,7 +3413,7 @@
           <p:cNvPr id="2" name="Title 1">
             <a:extLst>
               <a:ext uri="{FF2B5EF4-FFF2-40B4-BE49-F238E27FC236}">
-                <a16:creationId xmlns:a16="http://schemas.microsoft.com/office/drawing/2014/main" id="{C51D6B86-2F64-08CA-8DAC-2D6D1CA3880D}"/>
+                <a16:creationId xmlns:a16="http://schemas.microsoft.com/office/drawing/2014/main" id="{DB1F5818-3C7C-015C-2483-1875C395B0BF}"/>
               </a:ext>
             </a:extLst>
           </p:cNvPr>
@@ -2675,7 +3424,15 @@
             <p:ph type="title"/>
           </p:nvPr>
         </p:nvSpPr>
-        <p:spPr/>
+        <p:spPr>
+          <a:xfrm>
+            <a:off x="602787" y="1498382"/>
+            <a:ext cx="10515600" cy="1325563"/>
+          </a:xfrm>
+          <a:prstGeom prst="rect">
+            <a:avLst/>
+          </a:prstGeom>
+        </p:spPr>
         <p:txBody>
           <a:bodyPr/>
           <a:lstStyle/>
@@ -2692,7 +3449,7 @@
           <p:cNvPr id="3" name="Date Placeholder 2">
             <a:extLst>
               <a:ext uri="{FF2B5EF4-FFF2-40B4-BE49-F238E27FC236}">
-                <a16:creationId xmlns:a16="http://schemas.microsoft.com/office/drawing/2014/main" id="{03C4A398-4A9D-A2A3-6474-1E420261434B}"/>
+                <a16:creationId xmlns:a16="http://schemas.microsoft.com/office/drawing/2014/main" id="{F223477C-97F9-76B1-065E-300F62DDCF99}"/>
               </a:ext>
             </a:extLst>
           </p:cNvPr>
@@ -2703,14 +3460,22 @@
             <p:ph type="dt" sz="half" idx="10"/>
           </p:nvPr>
         </p:nvSpPr>
-        <p:spPr/>
+        <p:spPr>
+          <a:xfrm>
+            <a:off x="838200" y="6445249"/>
+            <a:ext cx="2743200" cy="365125"/>
+          </a:xfrm>
+          <a:prstGeom prst="rect">
+            <a:avLst/>
+          </a:prstGeom>
+        </p:spPr>
         <p:txBody>
           <a:bodyPr/>
           <a:lstStyle/>
           <a:p>
-            <a:fld id="{0D69348B-4620-44E9-BF3F-EACBA9EEF323}" type="datetimeFigureOut">
+            <a:fld id="{71087A05-F855-4434-8DDE-39A8542098A6}" type="datetimeFigureOut">
               <a:rPr lang="en-US" smtClean="0"/>
-              <a:t>9/26/2024</a:t>
+              <a:t>12/17/2024</a:t>
             </a:fld>
             <a:endParaRPr lang="en-US"/>
           </a:p>
@@ -2721,7 +3486,7 @@
           <p:cNvPr id="4" name="Footer Placeholder 3">
             <a:extLst>
               <a:ext uri="{FF2B5EF4-FFF2-40B4-BE49-F238E27FC236}">
-                <a16:creationId xmlns:a16="http://schemas.microsoft.com/office/drawing/2014/main" id="{1B329954-395E-06FF-D638-EC31477B4B60}"/>
+                <a16:creationId xmlns:a16="http://schemas.microsoft.com/office/drawing/2014/main" id="{725CCAE4-3361-9867-C2CA-9F8A178ED41C}"/>
               </a:ext>
             </a:extLst>
           </p:cNvPr>
@@ -2732,7 +3497,15 @@
             <p:ph type="ftr" sz="quarter" idx="11"/>
           </p:nvPr>
         </p:nvSpPr>
-        <p:spPr/>
+        <p:spPr>
+          <a:xfrm>
+            <a:off x="4038600" y="6356350"/>
+            <a:ext cx="4114800" cy="365125"/>
+          </a:xfrm>
+          <a:prstGeom prst="rect">
+            <a:avLst/>
+          </a:prstGeom>
+        </p:spPr>
         <p:txBody>
           <a:bodyPr/>
           <a:lstStyle/>
@@ -2746,7 +3519,7 @@
           <p:cNvPr id="5" name="Slide Number Placeholder 4">
             <a:extLst>
               <a:ext uri="{FF2B5EF4-FFF2-40B4-BE49-F238E27FC236}">
-                <a16:creationId xmlns:a16="http://schemas.microsoft.com/office/drawing/2014/main" id="{26A16BE0-3CF4-0FFF-42E9-C2ABCD5E1AB3}"/>
+                <a16:creationId xmlns:a16="http://schemas.microsoft.com/office/drawing/2014/main" id="{E42ECABF-B7A6-37FC-1091-0A6AE97D6725}"/>
               </a:ext>
             </a:extLst>
           </p:cNvPr>
@@ -2757,12 +3530,20 @@
             <p:ph type="sldNum" sz="quarter" idx="12"/>
           </p:nvPr>
         </p:nvSpPr>
-        <p:spPr/>
+        <p:spPr>
+          <a:xfrm>
+            <a:off x="8610600" y="6356350"/>
+            <a:ext cx="2743200" cy="365125"/>
+          </a:xfrm>
+          <a:prstGeom prst="rect">
+            <a:avLst/>
+          </a:prstGeom>
+        </p:spPr>
         <p:txBody>
           <a:bodyPr/>
           <a:lstStyle/>
           <a:p>
-            <a:fld id="{986C47A0-D0C4-4E8A-BEE9-37B09C3712B2}" type="slidenum">
+            <a:fld id="{6C0014F0-3D1D-4459-A530-32E6C19AE461}" type="slidenum">
               <a:rPr lang="en-US" smtClean="0"/>
               <a:t>‹#›</a:t>
             </a:fld>
@@ -2773,7 +3554,7 @@
     </p:spTree>
     <p:extLst>
       <p:ext uri="{BB962C8B-B14F-4D97-AF65-F5344CB8AC3E}">
-        <p14:creationId xmlns:p14="http://schemas.microsoft.com/office/powerpoint/2010/main" val="2938381997"/>
+        <p14:creationId xmlns:p14="http://schemas.microsoft.com/office/powerpoint/2010/main" val="3669130362"/>
       </p:ext>
     </p:extLst>
   </p:cSld>
@@ -2805,7 +3586,7 @@
           <p:cNvPr id="2" name="Date Placeholder 1">
             <a:extLst>
               <a:ext uri="{FF2B5EF4-FFF2-40B4-BE49-F238E27FC236}">
-                <a16:creationId xmlns:a16="http://schemas.microsoft.com/office/drawing/2014/main" id="{AA5B9B0A-FA71-5C03-A207-2398589F58E9}"/>
+                <a16:creationId xmlns:a16="http://schemas.microsoft.com/office/drawing/2014/main" id="{E2C2A218-2D68-399E-5303-823F32D18A0A}"/>
               </a:ext>
             </a:extLst>
           </p:cNvPr>
@@ -2816,14 +3597,22 @@
             <p:ph type="dt" sz="half" idx="10"/>
           </p:nvPr>
         </p:nvSpPr>
-        <p:spPr/>
+        <p:spPr>
+          <a:xfrm>
+            <a:off x="838200" y="6445249"/>
+            <a:ext cx="2743200" cy="365125"/>
+          </a:xfrm>
+          <a:prstGeom prst="rect">
+            <a:avLst/>
+          </a:prstGeom>
+        </p:spPr>
         <p:txBody>
           <a:bodyPr/>
           <a:lstStyle/>
           <a:p>
-            <a:fld id="{0D69348B-4620-44E9-BF3F-EACBA9EEF323}" type="datetimeFigureOut">
+            <a:fld id="{71087A05-F855-4434-8DDE-39A8542098A6}" type="datetimeFigureOut">
               <a:rPr lang="en-US" smtClean="0"/>
-              <a:t>9/26/2024</a:t>
+              <a:t>12/17/2024</a:t>
             </a:fld>
             <a:endParaRPr lang="en-US"/>
           </a:p>
@@ -2834,7 +3623,7 @@
           <p:cNvPr id="3" name="Footer Placeholder 2">
             <a:extLst>
               <a:ext uri="{FF2B5EF4-FFF2-40B4-BE49-F238E27FC236}">
-                <a16:creationId xmlns:a16="http://schemas.microsoft.com/office/drawing/2014/main" id="{5EEC7B99-A534-1835-A5BF-8993DDBD237D}"/>
+                <a16:creationId xmlns:a16="http://schemas.microsoft.com/office/drawing/2014/main" id="{41BB3505-96AE-D8F2-469A-F36E9DD155D5}"/>
               </a:ext>
             </a:extLst>
           </p:cNvPr>
@@ -2845,7 +3634,15 @@
             <p:ph type="ftr" sz="quarter" idx="11"/>
           </p:nvPr>
         </p:nvSpPr>
-        <p:spPr/>
+        <p:spPr>
+          <a:xfrm>
+            <a:off x="4038600" y="6356350"/>
+            <a:ext cx="4114800" cy="365125"/>
+          </a:xfrm>
+          <a:prstGeom prst="rect">
+            <a:avLst/>
+          </a:prstGeom>
+        </p:spPr>
         <p:txBody>
           <a:bodyPr/>
           <a:lstStyle/>
@@ -2859,7 +3656,7 @@
           <p:cNvPr id="4" name="Slide Number Placeholder 3">
             <a:extLst>
               <a:ext uri="{FF2B5EF4-FFF2-40B4-BE49-F238E27FC236}">
-                <a16:creationId xmlns:a16="http://schemas.microsoft.com/office/drawing/2014/main" id="{6E001977-30BB-D5A2-E565-94C0467FE0FD}"/>
+                <a16:creationId xmlns:a16="http://schemas.microsoft.com/office/drawing/2014/main" id="{47BA2558-EB65-5F2B-4DEB-5E332CDDC572}"/>
               </a:ext>
             </a:extLst>
           </p:cNvPr>
@@ -2870,12 +3667,20 @@
             <p:ph type="sldNum" sz="quarter" idx="12"/>
           </p:nvPr>
         </p:nvSpPr>
-        <p:spPr/>
+        <p:spPr>
+          <a:xfrm>
+            <a:off x="8610600" y="6356350"/>
+            <a:ext cx="2743200" cy="365125"/>
+          </a:xfrm>
+          <a:prstGeom prst="rect">
+            <a:avLst/>
+          </a:prstGeom>
+        </p:spPr>
         <p:txBody>
           <a:bodyPr/>
           <a:lstStyle/>
           <a:p>
-            <a:fld id="{986C47A0-D0C4-4E8A-BEE9-37B09C3712B2}" type="slidenum">
+            <a:fld id="{6C0014F0-3D1D-4459-A530-32E6C19AE461}" type="slidenum">
               <a:rPr lang="en-US" smtClean="0"/>
               <a:t>‹#›</a:t>
             </a:fld>
@@ -2886,7 +3691,7 @@
     </p:spTree>
     <p:extLst>
       <p:ext uri="{BB962C8B-B14F-4D97-AF65-F5344CB8AC3E}">
-        <p14:creationId xmlns:p14="http://schemas.microsoft.com/office/powerpoint/2010/main" val="2840775159"/>
+        <p14:creationId xmlns:p14="http://schemas.microsoft.com/office/powerpoint/2010/main" val="254335738"/>
       </p:ext>
     </p:extLst>
   </p:cSld>
@@ -2918,7 +3723,7 @@
           <p:cNvPr id="2" name="Title 1">
             <a:extLst>
               <a:ext uri="{FF2B5EF4-FFF2-40B4-BE49-F238E27FC236}">
-                <a16:creationId xmlns:a16="http://schemas.microsoft.com/office/drawing/2014/main" id="{AC38A989-6857-707E-A17F-8A83A6144698}"/>
+                <a16:creationId xmlns:a16="http://schemas.microsoft.com/office/drawing/2014/main" id="{E731290A-4FEE-1487-F6FC-152481239225}"/>
               </a:ext>
             </a:extLst>
           </p:cNvPr>
@@ -2934,6 +3739,9 @@
             <a:off x="839788" y="457200"/>
             <a:ext cx="3932237" cy="1600200"/>
           </a:xfrm>
+          <a:prstGeom prst="rect">
+            <a:avLst/>
+          </a:prstGeom>
         </p:spPr>
         <p:txBody>
           <a:bodyPr anchor="b"/>
@@ -2955,7 +3763,7 @@
           <p:cNvPr id="3" name="Content Placeholder 2">
             <a:extLst>
               <a:ext uri="{FF2B5EF4-FFF2-40B4-BE49-F238E27FC236}">
-                <a16:creationId xmlns:a16="http://schemas.microsoft.com/office/drawing/2014/main" id="{D3A3E0C8-FA9B-6F55-E988-D7B8ADBC9C21}"/>
+                <a16:creationId xmlns:a16="http://schemas.microsoft.com/office/drawing/2014/main" id="{3FD49862-968E-6027-1E22-A84213937FC4}"/>
               </a:ext>
             </a:extLst>
           </p:cNvPr>
@@ -2971,6 +3779,9 @@
             <a:off x="5183188" y="987425"/>
             <a:ext cx="6172200" cy="4873625"/>
           </a:xfrm>
+          <a:prstGeom prst="rect">
+            <a:avLst/>
+          </a:prstGeom>
         </p:spPr>
         <p:txBody>
           <a:bodyPr/>
@@ -3045,7 +3856,7 @@
           <p:cNvPr id="4" name="Text Placeholder 3">
             <a:extLst>
               <a:ext uri="{FF2B5EF4-FFF2-40B4-BE49-F238E27FC236}">
-                <a16:creationId xmlns:a16="http://schemas.microsoft.com/office/drawing/2014/main" id="{FC649A31-16E4-3C58-CFAF-870BE9A231C8}"/>
+                <a16:creationId xmlns:a16="http://schemas.microsoft.com/office/drawing/2014/main" id="{DDD75452-B3CD-E4D7-2EEB-4D8E7A55BA47}"/>
               </a:ext>
             </a:extLst>
           </p:cNvPr>
@@ -3061,6 +3872,9 @@
             <a:off x="839788" y="2057400"/>
             <a:ext cx="3932237" cy="3811588"/>
           </a:xfrm>
+          <a:prstGeom prst="rect">
+            <a:avLst/>
+          </a:prstGeom>
         </p:spPr>
         <p:txBody>
           <a:bodyPr/>
@@ -3116,7 +3930,7 @@
           <p:cNvPr id="5" name="Date Placeholder 4">
             <a:extLst>
               <a:ext uri="{FF2B5EF4-FFF2-40B4-BE49-F238E27FC236}">
-                <a16:creationId xmlns:a16="http://schemas.microsoft.com/office/drawing/2014/main" id="{5999608F-F9E6-C047-FAFD-5BD962E36788}"/>
+                <a16:creationId xmlns:a16="http://schemas.microsoft.com/office/drawing/2014/main" id="{E910F3D6-85F4-16D5-02EC-B52A50D1363C}"/>
               </a:ext>
             </a:extLst>
           </p:cNvPr>
@@ -3127,14 +3941,22 @@
             <p:ph type="dt" sz="half" idx="10"/>
           </p:nvPr>
         </p:nvSpPr>
-        <p:spPr/>
+        <p:spPr>
+          <a:xfrm>
+            <a:off x="838200" y="6445249"/>
+            <a:ext cx="2743200" cy="365125"/>
+          </a:xfrm>
+          <a:prstGeom prst="rect">
+            <a:avLst/>
+          </a:prstGeom>
+        </p:spPr>
         <p:txBody>
           <a:bodyPr/>
           <a:lstStyle/>
           <a:p>
-            <a:fld id="{0D69348B-4620-44E9-BF3F-EACBA9EEF323}" type="datetimeFigureOut">
+            <a:fld id="{71087A05-F855-4434-8DDE-39A8542098A6}" type="datetimeFigureOut">
               <a:rPr lang="en-US" smtClean="0"/>
-              <a:t>9/26/2024</a:t>
+              <a:t>12/17/2024</a:t>
             </a:fld>
             <a:endParaRPr lang="en-US"/>
           </a:p>
@@ -3145,7 +3967,7 @@
           <p:cNvPr id="6" name="Footer Placeholder 5">
             <a:extLst>
               <a:ext uri="{FF2B5EF4-FFF2-40B4-BE49-F238E27FC236}">
-                <a16:creationId xmlns:a16="http://schemas.microsoft.com/office/drawing/2014/main" id="{E1D5DC43-2068-E43E-0C96-6105FF141340}"/>
+                <a16:creationId xmlns:a16="http://schemas.microsoft.com/office/drawing/2014/main" id="{FA7DC6C8-71E8-B7D5-9A82-0FA963F35B00}"/>
               </a:ext>
             </a:extLst>
           </p:cNvPr>
@@ -3156,7 +3978,15 @@
             <p:ph type="ftr" sz="quarter" idx="11"/>
           </p:nvPr>
         </p:nvSpPr>
-        <p:spPr/>
+        <p:spPr>
+          <a:xfrm>
+            <a:off x="4038600" y="6356350"/>
+            <a:ext cx="4114800" cy="365125"/>
+          </a:xfrm>
+          <a:prstGeom prst="rect">
+            <a:avLst/>
+          </a:prstGeom>
+        </p:spPr>
         <p:txBody>
           <a:bodyPr/>
           <a:lstStyle/>
@@ -3170,7 +4000,7 @@
           <p:cNvPr id="7" name="Slide Number Placeholder 6">
             <a:extLst>
               <a:ext uri="{FF2B5EF4-FFF2-40B4-BE49-F238E27FC236}">
-                <a16:creationId xmlns:a16="http://schemas.microsoft.com/office/drawing/2014/main" id="{07714F4E-989B-09B5-9809-BA4CDB940F1A}"/>
+                <a16:creationId xmlns:a16="http://schemas.microsoft.com/office/drawing/2014/main" id="{33AEBF5B-81ED-5FC8-76EE-E85F459B2D2B}"/>
               </a:ext>
             </a:extLst>
           </p:cNvPr>
@@ -3181,12 +4011,20 @@
             <p:ph type="sldNum" sz="quarter" idx="12"/>
           </p:nvPr>
         </p:nvSpPr>
-        <p:spPr/>
+        <p:spPr>
+          <a:xfrm>
+            <a:off x="8610600" y="6356350"/>
+            <a:ext cx="2743200" cy="365125"/>
+          </a:xfrm>
+          <a:prstGeom prst="rect">
+            <a:avLst/>
+          </a:prstGeom>
+        </p:spPr>
         <p:txBody>
           <a:bodyPr/>
           <a:lstStyle/>
           <a:p>
-            <a:fld id="{986C47A0-D0C4-4E8A-BEE9-37B09C3712B2}" type="slidenum">
+            <a:fld id="{6C0014F0-3D1D-4459-A530-32E6C19AE461}" type="slidenum">
               <a:rPr lang="en-US" smtClean="0"/>
               <a:t>‹#›</a:t>
             </a:fld>
@@ -3197,7 +4035,7 @@
     </p:spTree>
     <p:extLst>
       <p:ext uri="{BB962C8B-B14F-4D97-AF65-F5344CB8AC3E}">
-        <p14:creationId xmlns:p14="http://schemas.microsoft.com/office/powerpoint/2010/main" val="489734700"/>
+        <p14:creationId xmlns:p14="http://schemas.microsoft.com/office/powerpoint/2010/main" val="849386527"/>
       </p:ext>
     </p:extLst>
   </p:cSld>
@@ -3229,7 +4067,7 @@
           <p:cNvPr id="2" name="Title 1">
             <a:extLst>
               <a:ext uri="{FF2B5EF4-FFF2-40B4-BE49-F238E27FC236}">
-                <a16:creationId xmlns:a16="http://schemas.microsoft.com/office/drawing/2014/main" id="{3355A176-7BDB-BCDB-D1C0-7943D50F9B44}"/>
+                <a16:creationId xmlns:a16="http://schemas.microsoft.com/office/drawing/2014/main" id="{640090C6-958A-8F1E-AAA5-6F70ABB1D9F3}"/>
               </a:ext>
             </a:extLst>
           </p:cNvPr>
@@ -3245,6 +4083,9 @@
             <a:off x="839788" y="457200"/>
             <a:ext cx="3932237" cy="1600200"/>
           </a:xfrm>
+          <a:prstGeom prst="rect">
+            <a:avLst/>
+          </a:prstGeom>
         </p:spPr>
         <p:txBody>
           <a:bodyPr anchor="b"/>
@@ -3266,7 +4107,7 @@
           <p:cNvPr id="3" name="Picture Placeholder 2">
             <a:extLst>
               <a:ext uri="{FF2B5EF4-FFF2-40B4-BE49-F238E27FC236}">
-                <a16:creationId xmlns:a16="http://schemas.microsoft.com/office/drawing/2014/main" id="{B68408D7-61D1-185C-72B8-001F411FC6F7}"/>
+                <a16:creationId xmlns:a16="http://schemas.microsoft.com/office/drawing/2014/main" id="{3302DF14-CA9B-4C85-16D1-AE914D7EB7E7}"/>
               </a:ext>
             </a:extLst>
           </p:cNvPr>
@@ -3282,6 +4123,9 @@
             <a:off x="5183188" y="987425"/>
             <a:ext cx="6172200" cy="4873625"/>
           </a:xfrm>
+          <a:prstGeom prst="rect">
+            <a:avLst/>
+          </a:prstGeom>
         </p:spPr>
         <p:txBody>
           <a:bodyPr/>
@@ -3324,7 +4168,10 @@
             </a:lvl9pPr>
           </a:lstStyle>
           <a:p>
-            <a:endParaRPr lang="en-US"/>
+            <a:r>
+              <a:rPr lang="en-US"/>
+              <a:t>Click icon to add picture</a:t>
+            </a:r>
           </a:p>
         </p:txBody>
       </p:sp>
@@ -3333,7 +4180,7 @@
           <p:cNvPr id="4" name="Text Placeholder 3">
             <a:extLst>
               <a:ext uri="{FF2B5EF4-FFF2-40B4-BE49-F238E27FC236}">
-                <a16:creationId xmlns:a16="http://schemas.microsoft.com/office/drawing/2014/main" id="{390B86E7-BC7A-324F-5231-BB8844695F10}"/>
+                <a16:creationId xmlns:a16="http://schemas.microsoft.com/office/drawing/2014/main" id="{449386B6-C485-3496-A8CD-9C25B60A4255}"/>
               </a:ext>
             </a:extLst>
           </p:cNvPr>
@@ -3349,6 +4196,9 @@
             <a:off x="839788" y="2057400"/>
             <a:ext cx="3932237" cy="3811588"/>
           </a:xfrm>
+          <a:prstGeom prst="rect">
+            <a:avLst/>
+          </a:prstGeom>
         </p:spPr>
         <p:txBody>
           <a:bodyPr/>
@@ -3404,7 +4254,7 @@
           <p:cNvPr id="5" name="Date Placeholder 4">
             <a:extLst>
               <a:ext uri="{FF2B5EF4-FFF2-40B4-BE49-F238E27FC236}">
-                <a16:creationId xmlns:a16="http://schemas.microsoft.com/office/drawing/2014/main" id="{CA9F4411-F5FF-7DD9-8280-4EAE80811D9F}"/>
+                <a16:creationId xmlns:a16="http://schemas.microsoft.com/office/drawing/2014/main" id="{DBD5F565-8080-7E82-246E-1EDDAAC2C236}"/>
               </a:ext>
             </a:extLst>
           </p:cNvPr>
@@ -3415,14 +4265,22 @@
             <p:ph type="dt" sz="half" idx="10"/>
           </p:nvPr>
         </p:nvSpPr>
-        <p:spPr/>
+        <p:spPr>
+          <a:xfrm>
+            <a:off x="838200" y="6445249"/>
+            <a:ext cx="2743200" cy="365125"/>
+          </a:xfrm>
+          <a:prstGeom prst="rect">
+            <a:avLst/>
+          </a:prstGeom>
+        </p:spPr>
         <p:txBody>
           <a:bodyPr/>
           <a:lstStyle/>
           <a:p>
-            <a:fld id="{0D69348B-4620-44E9-BF3F-EACBA9EEF323}" type="datetimeFigureOut">
+            <a:fld id="{71087A05-F855-4434-8DDE-39A8542098A6}" type="datetimeFigureOut">
               <a:rPr lang="en-US" smtClean="0"/>
-              <a:t>9/26/2024</a:t>
+              <a:t>12/17/2024</a:t>
             </a:fld>
             <a:endParaRPr lang="en-US"/>
           </a:p>
@@ -3433,7 +4291,7 @@
           <p:cNvPr id="6" name="Footer Placeholder 5">
             <a:extLst>
               <a:ext uri="{FF2B5EF4-FFF2-40B4-BE49-F238E27FC236}">
-                <a16:creationId xmlns:a16="http://schemas.microsoft.com/office/drawing/2014/main" id="{BD00158C-2DC0-C40D-E476-8D815E2210E6}"/>
+                <a16:creationId xmlns:a16="http://schemas.microsoft.com/office/drawing/2014/main" id="{C9E12A3F-827C-0539-3AFC-062DDE283567}"/>
               </a:ext>
             </a:extLst>
           </p:cNvPr>
@@ -3444,7 +4302,15 @@
             <p:ph type="ftr" sz="quarter" idx="11"/>
           </p:nvPr>
         </p:nvSpPr>
-        <p:spPr/>
+        <p:spPr>
+          <a:xfrm>
+            <a:off x="4038600" y="6356350"/>
+            <a:ext cx="4114800" cy="365125"/>
+          </a:xfrm>
+          <a:prstGeom prst="rect">
+            <a:avLst/>
+          </a:prstGeom>
+        </p:spPr>
         <p:txBody>
           <a:bodyPr/>
           <a:lstStyle/>
@@ -3458,7 +4324,7 @@
           <p:cNvPr id="7" name="Slide Number Placeholder 6">
             <a:extLst>
               <a:ext uri="{FF2B5EF4-FFF2-40B4-BE49-F238E27FC236}">
-                <a16:creationId xmlns:a16="http://schemas.microsoft.com/office/drawing/2014/main" id="{E47CEA17-958B-3F11-0DD0-F3DB57410690}"/>
+                <a16:creationId xmlns:a16="http://schemas.microsoft.com/office/drawing/2014/main" id="{516B4C84-F522-0893-1790-EF8E720A114E}"/>
               </a:ext>
             </a:extLst>
           </p:cNvPr>
@@ -3469,12 +4335,20 @@
             <p:ph type="sldNum" sz="quarter" idx="12"/>
           </p:nvPr>
         </p:nvSpPr>
-        <p:spPr/>
+        <p:spPr>
+          <a:xfrm>
+            <a:off x="8610600" y="6356350"/>
+            <a:ext cx="2743200" cy="365125"/>
+          </a:xfrm>
+          <a:prstGeom prst="rect">
+            <a:avLst/>
+          </a:prstGeom>
+        </p:spPr>
         <p:txBody>
           <a:bodyPr/>
           <a:lstStyle/>
           <a:p>
-            <a:fld id="{986C47A0-D0C4-4E8A-BEE9-37B09C3712B2}" type="slidenum">
+            <a:fld id="{6C0014F0-3D1D-4459-A530-32E6C19AE461}" type="slidenum">
               <a:rPr lang="en-US" smtClean="0"/>
               <a:t>‹#›</a:t>
             </a:fld>
@@ -3485,7 +4359,7 @@
     </p:spTree>
     <p:extLst>
       <p:ext uri="{BB962C8B-B14F-4D97-AF65-F5344CB8AC3E}">
-        <p14:creationId xmlns:p14="http://schemas.microsoft.com/office/powerpoint/2010/main" val="1801490617"/>
+        <p14:creationId xmlns:p14="http://schemas.microsoft.com/office/powerpoint/2010/main" val="3171829694"/>
       </p:ext>
     </p:extLst>
   </p:cSld>
@@ -3517,7 +4391,7 @@
           <p:cNvPr id="2" name="Title 1">
             <a:extLst>
               <a:ext uri="{FF2B5EF4-FFF2-40B4-BE49-F238E27FC236}">
-                <a16:creationId xmlns:a16="http://schemas.microsoft.com/office/drawing/2014/main" id="{D6AD2E5E-D555-7E2B-7E3F-7520CC1D227E}"/>
+                <a16:creationId xmlns:a16="http://schemas.microsoft.com/office/drawing/2014/main" id="{A2992E9E-93C1-7E84-A4D5-EA127AB4BDC1}"/>
               </a:ext>
             </a:extLst>
           </p:cNvPr>
@@ -3528,7 +4402,15 @@
             <p:ph type="title"/>
           </p:nvPr>
         </p:nvSpPr>
-        <p:spPr/>
+        <p:spPr>
+          <a:xfrm>
+            <a:off x="602787" y="1498382"/>
+            <a:ext cx="10515600" cy="1325563"/>
+          </a:xfrm>
+          <a:prstGeom prst="rect">
+            <a:avLst/>
+          </a:prstGeom>
+        </p:spPr>
         <p:txBody>
           <a:bodyPr/>
           <a:lstStyle/>
@@ -3545,7 +4427,7 @@
           <p:cNvPr id="3" name="Vertical Text Placeholder 2">
             <a:extLst>
               <a:ext uri="{FF2B5EF4-FFF2-40B4-BE49-F238E27FC236}">
-                <a16:creationId xmlns:a16="http://schemas.microsoft.com/office/drawing/2014/main" id="{21BCA2AE-5C6A-0627-55FB-1213E6BA2F01}"/>
+                <a16:creationId xmlns:a16="http://schemas.microsoft.com/office/drawing/2014/main" id="{FBFF1E9B-EE9D-9A7E-EE97-87C838D9BB2F}"/>
               </a:ext>
             </a:extLst>
           </p:cNvPr>
@@ -3556,7 +4438,15 @@
             <p:ph type="body" orient="vert" idx="1"/>
           </p:nvPr>
         </p:nvSpPr>
-        <p:spPr/>
+        <p:spPr>
+          <a:xfrm>
+            <a:off x="838200" y="1825625"/>
+            <a:ext cx="10515600" cy="4351338"/>
+          </a:xfrm>
+          <a:prstGeom prst="rect">
+            <a:avLst/>
+          </a:prstGeom>
+        </p:spPr>
         <p:txBody>
           <a:bodyPr vert="eaVert"/>
           <a:lstStyle/>
@@ -3602,7 +4492,7 @@
           <p:cNvPr id="4" name="Date Placeholder 3">
             <a:extLst>
               <a:ext uri="{FF2B5EF4-FFF2-40B4-BE49-F238E27FC236}">
-                <a16:creationId xmlns:a16="http://schemas.microsoft.com/office/drawing/2014/main" id="{5107EDAF-37A2-AD0D-A11E-C6E412B7CD68}"/>
+                <a16:creationId xmlns:a16="http://schemas.microsoft.com/office/drawing/2014/main" id="{450DA212-C93A-3075-FD32-156F351E64D4}"/>
               </a:ext>
             </a:extLst>
           </p:cNvPr>
@@ -3613,14 +4503,22 @@
             <p:ph type="dt" sz="half" idx="10"/>
           </p:nvPr>
         </p:nvSpPr>
-        <p:spPr/>
+        <p:spPr>
+          <a:xfrm>
+            <a:off x="838200" y="6445249"/>
+            <a:ext cx="2743200" cy="365125"/>
+          </a:xfrm>
+          <a:prstGeom prst="rect">
+            <a:avLst/>
+          </a:prstGeom>
+        </p:spPr>
         <p:txBody>
           <a:bodyPr/>
           <a:lstStyle/>
           <a:p>
-            <a:fld id="{0D69348B-4620-44E9-BF3F-EACBA9EEF323}" type="datetimeFigureOut">
+            <a:fld id="{71087A05-F855-4434-8DDE-39A8542098A6}" type="datetimeFigureOut">
               <a:rPr lang="en-US" smtClean="0"/>
-              <a:t>9/26/2024</a:t>
+              <a:t>12/17/2024</a:t>
             </a:fld>
             <a:endParaRPr lang="en-US"/>
           </a:p>
@@ -3631,7 +4529,7 @@
           <p:cNvPr id="5" name="Footer Placeholder 4">
             <a:extLst>
               <a:ext uri="{FF2B5EF4-FFF2-40B4-BE49-F238E27FC236}">
-                <a16:creationId xmlns:a16="http://schemas.microsoft.com/office/drawing/2014/main" id="{17AABE0A-6316-1BFF-88AA-1E305E3595C5}"/>
+                <a16:creationId xmlns:a16="http://schemas.microsoft.com/office/drawing/2014/main" id="{D6AA4E94-35D9-7831-A0BB-9A28BFA422BE}"/>
               </a:ext>
             </a:extLst>
           </p:cNvPr>
@@ -3642,7 +4540,15 @@
             <p:ph type="ftr" sz="quarter" idx="11"/>
           </p:nvPr>
         </p:nvSpPr>
-        <p:spPr/>
+        <p:spPr>
+          <a:xfrm>
+            <a:off x="4038600" y="6356350"/>
+            <a:ext cx="4114800" cy="365125"/>
+          </a:xfrm>
+          <a:prstGeom prst="rect">
+            <a:avLst/>
+          </a:prstGeom>
+        </p:spPr>
         <p:txBody>
           <a:bodyPr/>
           <a:lstStyle/>
@@ -3656,7 +4562,7 @@
           <p:cNvPr id="6" name="Slide Number Placeholder 5">
             <a:extLst>
               <a:ext uri="{FF2B5EF4-FFF2-40B4-BE49-F238E27FC236}">
-                <a16:creationId xmlns:a16="http://schemas.microsoft.com/office/drawing/2014/main" id="{FC568FF5-9BB0-1800-E4BA-438F3408E54B}"/>
+                <a16:creationId xmlns:a16="http://schemas.microsoft.com/office/drawing/2014/main" id="{2E0B5BE5-01BB-5041-6101-F169276B2397}"/>
               </a:ext>
             </a:extLst>
           </p:cNvPr>
@@ -3667,12 +4573,20 @@
             <p:ph type="sldNum" sz="quarter" idx="12"/>
           </p:nvPr>
         </p:nvSpPr>
-        <p:spPr/>
+        <p:spPr>
+          <a:xfrm>
+            <a:off x="8610600" y="6356350"/>
+            <a:ext cx="2743200" cy="365125"/>
+          </a:xfrm>
+          <a:prstGeom prst="rect">
+            <a:avLst/>
+          </a:prstGeom>
+        </p:spPr>
         <p:txBody>
           <a:bodyPr/>
           <a:lstStyle/>
           <a:p>
-            <a:fld id="{986C47A0-D0C4-4E8A-BEE9-37B09C3712B2}" type="slidenum">
+            <a:fld id="{6C0014F0-3D1D-4459-A530-32E6C19AE461}" type="slidenum">
               <a:rPr lang="en-US" smtClean="0"/>
               <a:t>‹#›</a:t>
             </a:fld>
@@ -3683,7 +4597,7 @@
     </p:spTree>
     <p:extLst>
       <p:ext uri="{BB962C8B-B14F-4D97-AF65-F5344CB8AC3E}">
-        <p14:creationId xmlns:p14="http://schemas.microsoft.com/office/powerpoint/2010/main" val="246953702"/>
+        <p14:creationId xmlns:p14="http://schemas.microsoft.com/office/powerpoint/2010/main" val="2055208509"/>
       </p:ext>
     </p:extLst>
   </p:cSld>
@@ -3715,7 +4629,7 @@
           <p:cNvPr id="2" name="Vertical Title 1">
             <a:extLst>
               <a:ext uri="{FF2B5EF4-FFF2-40B4-BE49-F238E27FC236}">
-                <a16:creationId xmlns:a16="http://schemas.microsoft.com/office/drawing/2014/main" id="{AAE8DA51-17B9-3E3B-6597-C3149EC564E7}"/>
+                <a16:creationId xmlns:a16="http://schemas.microsoft.com/office/drawing/2014/main" id="{B7D370E5-4104-4DF4-CE6F-43777E948DFD}"/>
               </a:ext>
             </a:extLst>
           </p:cNvPr>
@@ -3731,6 +4645,9 @@
             <a:off x="8724900" y="365125"/>
             <a:ext cx="2628900" cy="5811838"/>
           </a:xfrm>
+          <a:prstGeom prst="rect">
+            <a:avLst/>
+          </a:prstGeom>
         </p:spPr>
         <p:txBody>
           <a:bodyPr vert="eaVert"/>
@@ -3748,7 +4665,7 @@
           <p:cNvPr id="3" name="Vertical Text Placeholder 2">
             <a:extLst>
               <a:ext uri="{FF2B5EF4-FFF2-40B4-BE49-F238E27FC236}">
-                <a16:creationId xmlns:a16="http://schemas.microsoft.com/office/drawing/2014/main" id="{C43333B4-9DAF-48B6-30CB-E3B610BEF084}"/>
+                <a16:creationId xmlns:a16="http://schemas.microsoft.com/office/drawing/2014/main" id="{3CEA6D81-DFD1-D8AC-EC26-DC0557526EE4}"/>
               </a:ext>
             </a:extLst>
           </p:cNvPr>
@@ -3764,6 +4681,9 @@
             <a:off x="838200" y="365125"/>
             <a:ext cx="7734300" cy="5811838"/>
           </a:xfrm>
+          <a:prstGeom prst="rect">
+            <a:avLst/>
+          </a:prstGeom>
         </p:spPr>
         <p:txBody>
           <a:bodyPr vert="eaVert"/>
@@ -3810,7 +4730,7 @@
           <p:cNvPr id="4" name="Date Placeholder 3">
             <a:extLst>
               <a:ext uri="{FF2B5EF4-FFF2-40B4-BE49-F238E27FC236}">
-                <a16:creationId xmlns:a16="http://schemas.microsoft.com/office/drawing/2014/main" id="{6086BDD1-83F5-3D7A-8DD5-DF362A8AD1E7}"/>
+                <a16:creationId xmlns:a16="http://schemas.microsoft.com/office/drawing/2014/main" id="{60E27890-E421-871D-9D4F-F7E5B558B71E}"/>
               </a:ext>
             </a:extLst>
           </p:cNvPr>
@@ -3821,14 +4741,22 @@
             <p:ph type="dt" sz="half" idx="10"/>
           </p:nvPr>
         </p:nvSpPr>
-        <p:spPr/>
+        <p:spPr>
+          <a:xfrm>
+            <a:off x="838200" y="6445249"/>
+            <a:ext cx="2743200" cy="365125"/>
+          </a:xfrm>
+          <a:prstGeom prst="rect">
+            <a:avLst/>
+          </a:prstGeom>
+        </p:spPr>
         <p:txBody>
           <a:bodyPr/>
           <a:lstStyle/>
           <a:p>
-            <a:fld id="{0D69348B-4620-44E9-BF3F-EACBA9EEF323}" type="datetimeFigureOut">
+            <a:fld id="{71087A05-F855-4434-8DDE-39A8542098A6}" type="datetimeFigureOut">
               <a:rPr lang="en-US" smtClean="0"/>
-              <a:t>9/26/2024</a:t>
+              <a:t>12/17/2024</a:t>
             </a:fld>
             <a:endParaRPr lang="en-US"/>
           </a:p>
@@ -3839,7 +4767,7 @@
           <p:cNvPr id="5" name="Footer Placeholder 4">
             <a:extLst>
               <a:ext uri="{FF2B5EF4-FFF2-40B4-BE49-F238E27FC236}">
-                <a16:creationId xmlns:a16="http://schemas.microsoft.com/office/drawing/2014/main" id="{4CD22109-0E78-0957-7BBE-F0B6D89EFBB0}"/>
+                <a16:creationId xmlns:a16="http://schemas.microsoft.com/office/drawing/2014/main" id="{B7A93CF4-905B-F31B-69BD-9BEBF9008D86}"/>
               </a:ext>
             </a:extLst>
           </p:cNvPr>
@@ -3850,7 +4778,15 @@
             <p:ph type="ftr" sz="quarter" idx="11"/>
           </p:nvPr>
         </p:nvSpPr>
-        <p:spPr/>
+        <p:spPr>
+          <a:xfrm>
+            <a:off x="4038600" y="6356350"/>
+            <a:ext cx="4114800" cy="365125"/>
+          </a:xfrm>
+          <a:prstGeom prst="rect">
+            <a:avLst/>
+          </a:prstGeom>
+        </p:spPr>
         <p:txBody>
           <a:bodyPr/>
           <a:lstStyle/>
@@ -3864,7 +4800,7 @@
           <p:cNvPr id="6" name="Slide Number Placeholder 5">
             <a:extLst>
               <a:ext uri="{FF2B5EF4-FFF2-40B4-BE49-F238E27FC236}">
-                <a16:creationId xmlns:a16="http://schemas.microsoft.com/office/drawing/2014/main" id="{292DE250-FF35-6AD5-3A95-9CDBFE6C2373}"/>
+                <a16:creationId xmlns:a16="http://schemas.microsoft.com/office/drawing/2014/main" id="{B9BD2B1C-442A-F5C9-9AEB-F9DE0158660F}"/>
               </a:ext>
             </a:extLst>
           </p:cNvPr>
@@ -3875,104 +4811,31 @@
             <p:ph type="sldNum" sz="quarter" idx="12"/>
           </p:nvPr>
         </p:nvSpPr>
-        <p:spPr/>
-        <p:txBody>
-          <a:bodyPr/>
-          <a:lstStyle/>
-          <a:p>
-            <a:fld id="{986C47A0-D0C4-4E8A-BEE9-37B09C3712B2}" type="slidenum">
-              <a:rPr lang="en-US" smtClean="0"/>
-              <a:t>‹#›</a:t>
-            </a:fld>
-            <a:endParaRPr lang="en-US"/>
-          </a:p>
-        </p:txBody>
-      </p:sp>
-    </p:spTree>
-    <p:extLst>
-      <p:ext uri="{BB962C8B-B14F-4D97-AF65-F5344CB8AC3E}">
-        <p14:creationId xmlns:p14="http://schemas.microsoft.com/office/powerpoint/2010/main" val="2492140018"/>
-      </p:ext>
-    </p:extLst>
-  </p:cSld>
-  <p:clrMapOvr>
-    <a:masterClrMapping/>
-  </p:clrMapOvr>
-</p:sldLayout>
-</file>
-
-<file path=ppt/slideLayouts/slideLayout18.xml><?xml version="1.0" encoding="utf-8"?>
-<p:sldLayout xmlns:a="http://schemas.openxmlformats.org/drawingml/2006/main" xmlns:r="http://schemas.openxmlformats.org/officeDocument/2006/relationships" xmlns:p="http://schemas.openxmlformats.org/presentationml/2006/main">
-  <p:cSld name="Contents slide layout">
-    <p:spTree>
-      <p:nvGrpSpPr>
-        <p:cNvPr id="1" name=""/>
-        <p:cNvGrpSpPr/>
-        <p:nvPr/>
-      </p:nvGrpSpPr>
-      <p:grpSpPr>
-        <a:xfrm>
-          <a:off x="0" y="0"/>
-          <a:ext cx="0" cy="0"/>
-          <a:chOff x="0" y="0"/>
-          <a:chExt cx="0" cy="0"/>
-        </a:xfrm>
-      </p:grpSpPr>
-      <p:sp>
-        <p:nvSpPr>
-          <p:cNvPr id="2" name="Text Placeholder 9">
-            <a:extLst>
-              <a:ext uri="{FF2B5EF4-FFF2-40B4-BE49-F238E27FC236}">
-                <a16:creationId xmlns:a16="http://schemas.microsoft.com/office/drawing/2014/main" id="{23DE32A5-6181-4C51-AD5C-3F1A448478A1}"/>
-              </a:ext>
-            </a:extLst>
-          </p:cNvPr>
-          <p:cNvSpPr>
-            <a:spLocks noGrp="1"/>
-          </p:cNvSpPr>
-          <p:nvPr>
-            <p:ph type="body" sz="quarter" idx="10" hasCustomPrompt="1"/>
-          </p:nvPr>
-        </p:nvSpPr>
         <p:spPr>
           <a:xfrm>
-            <a:off x="323529" y="339509"/>
-            <a:ext cx="11573197" cy="724247"/>
+            <a:off x="8610600" y="6356350"/>
+            <a:ext cx="2743200" cy="365125"/>
           </a:xfrm>
           <a:prstGeom prst="rect">
             <a:avLst/>
           </a:prstGeom>
         </p:spPr>
         <p:txBody>
-          <a:bodyPr anchor="ctr"/>
-          <a:lstStyle>
-            <a:lvl1pPr marL="0" indent="0" algn="ctr">
-              <a:buNone/>
-              <a:defRPr sz="5400" b="0" baseline="0">
-                <a:solidFill>
-                  <a:schemeClr val="tx1">
-                    <a:lumMod val="85000"/>
-                    <a:lumOff val="15000"/>
-                  </a:schemeClr>
-                </a:solidFill>
-                <a:latin typeface="+mj-lt"/>
-                <a:cs typeface="Arial" pitchFamily="34" charset="0"/>
-              </a:defRPr>
-            </a:lvl1pPr>
-          </a:lstStyle>
-          <a:p>
-            <a:pPr lvl="0"/>
-            <a:r>
-              <a:rPr lang="en-US" altLang="ko-KR" dirty="0"/>
-              <a:t>BASIC LAYOUT</a:t>
-            </a:r>
+          <a:bodyPr/>
+          <a:lstStyle/>
+          <a:p>
+            <a:fld id="{6C0014F0-3D1D-4459-A530-32E6C19AE461}" type="slidenum">
+              <a:rPr lang="en-US" smtClean="0"/>
+              <a:t>‹#›</a:t>
+            </a:fld>
+            <a:endParaRPr lang="en-US"/>
           </a:p>
         </p:txBody>
       </p:sp>
     </p:spTree>
     <p:extLst>
       <p:ext uri="{BB962C8B-B14F-4D97-AF65-F5344CB8AC3E}">
-        <p14:creationId xmlns:p14="http://schemas.microsoft.com/office/powerpoint/2010/main" val="2326417790"/>
+        <p14:creationId xmlns:p14="http://schemas.microsoft.com/office/powerpoint/2010/main" val="3784685618"/>
       </p:ext>
     </p:extLst>
   </p:cSld>
@@ -4327,7 +5190,7 @@
           <a:p>
             <a:fld id="{0BE24BAF-58C0-4D38-ABA0-4170CC92DC13}" type="datetimeFigureOut">
               <a:rPr lang="en-US" smtClean="0"/>
-              <a:t>9/26/2024</a:t>
+              <a:t>12/17/2024</a:t>
             </a:fld>
             <a:endParaRPr lang="en-US"/>
           </a:p>
@@ -4482,7 +5345,7 @@
 </file>
 
 <file path=ppt/slideLayouts/slideLayout7.xml><?xml version="1.0" encoding="utf-8"?>
-<p:sldLayout xmlns:a="http://schemas.openxmlformats.org/drawingml/2006/main" xmlns:r="http://schemas.openxmlformats.org/officeDocument/2006/relationships" xmlns:p="http://schemas.openxmlformats.org/presentationml/2006/main" type="title" preserve="1">
+<p:sldLayout xmlns:a="http://schemas.openxmlformats.org/drawingml/2006/main" xmlns:r="http://schemas.openxmlformats.org/officeDocument/2006/relationships" xmlns:p="http://schemas.openxmlformats.org/presentationml/2006/main" preserve="1" userDrawn="1">
   <p:cSld name="Title Slide">
     <p:spTree>
       <p:nvGrpSpPr>
@@ -4498,200 +5361,10 @@
           <a:chExt cx="0" cy="0"/>
         </a:xfrm>
       </p:grpSpPr>
-      <p:sp>
-        <p:nvSpPr>
-          <p:cNvPr id="2" name="Title 1">
-            <a:extLst>
-              <a:ext uri="{FF2B5EF4-FFF2-40B4-BE49-F238E27FC236}">
-                <a16:creationId xmlns:a16="http://schemas.microsoft.com/office/drawing/2014/main" id="{DD581941-0C9F-2373-780E-9153E7306EE0}"/>
-              </a:ext>
-            </a:extLst>
-          </p:cNvPr>
-          <p:cNvSpPr>
-            <a:spLocks noGrp="1"/>
-          </p:cNvSpPr>
-          <p:nvPr>
-            <p:ph type="ctrTitle"/>
-          </p:nvPr>
-        </p:nvSpPr>
-        <p:spPr>
-          <a:xfrm>
-            <a:off x="1524000" y="1122363"/>
-            <a:ext cx="9144000" cy="2387600"/>
-          </a:xfrm>
-        </p:spPr>
-        <p:txBody>
-          <a:bodyPr anchor="b"/>
-          <a:lstStyle>
-            <a:lvl1pPr algn="ctr">
-              <a:defRPr sz="6000"/>
-            </a:lvl1pPr>
-          </a:lstStyle>
-          <a:p>
-            <a:r>
-              <a:rPr lang="en-US"/>
-              <a:t>Click to edit Master title style</a:t>
-            </a:r>
-          </a:p>
-        </p:txBody>
-      </p:sp>
-      <p:sp>
-        <p:nvSpPr>
-          <p:cNvPr id="3" name="Subtitle 2">
-            <a:extLst>
-              <a:ext uri="{FF2B5EF4-FFF2-40B4-BE49-F238E27FC236}">
-                <a16:creationId xmlns:a16="http://schemas.microsoft.com/office/drawing/2014/main" id="{FC927A9A-3EED-7C12-0FFF-384113480AA1}"/>
-              </a:ext>
-            </a:extLst>
-          </p:cNvPr>
-          <p:cNvSpPr>
-            <a:spLocks noGrp="1"/>
-          </p:cNvSpPr>
-          <p:nvPr>
-            <p:ph type="subTitle" idx="1"/>
-          </p:nvPr>
-        </p:nvSpPr>
-        <p:spPr>
-          <a:xfrm>
-            <a:off x="1524000" y="3602038"/>
-            <a:ext cx="9144000" cy="1655762"/>
-          </a:xfrm>
-        </p:spPr>
-        <p:txBody>
-          <a:bodyPr/>
-          <a:lstStyle>
-            <a:lvl1pPr marL="0" indent="0" algn="ctr">
-              <a:buNone/>
-              <a:defRPr sz="2400"/>
-            </a:lvl1pPr>
-            <a:lvl2pPr marL="457200" indent="0" algn="ctr">
-              <a:buNone/>
-              <a:defRPr sz="2000"/>
-            </a:lvl2pPr>
-            <a:lvl3pPr marL="914400" indent="0" algn="ctr">
-              <a:buNone/>
-              <a:defRPr sz="1800"/>
-            </a:lvl3pPr>
-            <a:lvl4pPr marL="1371600" indent="0" algn="ctr">
-              <a:buNone/>
-              <a:defRPr sz="1600"/>
-            </a:lvl4pPr>
-            <a:lvl5pPr marL="1828800" indent="0" algn="ctr">
-              <a:buNone/>
-              <a:defRPr sz="1600"/>
-            </a:lvl5pPr>
-            <a:lvl6pPr marL="2286000" indent="0" algn="ctr">
-              <a:buNone/>
-              <a:defRPr sz="1600"/>
-            </a:lvl6pPr>
-            <a:lvl7pPr marL="2743200" indent="0" algn="ctr">
-              <a:buNone/>
-              <a:defRPr sz="1600"/>
-            </a:lvl7pPr>
-            <a:lvl8pPr marL="3200400" indent="0" algn="ctr">
-              <a:buNone/>
-              <a:defRPr sz="1600"/>
-            </a:lvl8pPr>
-            <a:lvl9pPr marL="3657600" indent="0" algn="ctr">
-              <a:buNone/>
-              <a:defRPr sz="1600"/>
-            </a:lvl9pPr>
-          </a:lstStyle>
-          <a:p>
-            <a:r>
-              <a:rPr lang="en-US"/>
-              <a:t>Click to edit Master subtitle style</a:t>
-            </a:r>
-          </a:p>
-        </p:txBody>
-      </p:sp>
-      <p:sp>
-        <p:nvSpPr>
-          <p:cNvPr id="4" name="Date Placeholder 3">
-            <a:extLst>
-              <a:ext uri="{FF2B5EF4-FFF2-40B4-BE49-F238E27FC236}">
-                <a16:creationId xmlns:a16="http://schemas.microsoft.com/office/drawing/2014/main" id="{E43FE0D7-D5FB-3326-9483-F15495075853}"/>
-              </a:ext>
-            </a:extLst>
-          </p:cNvPr>
-          <p:cNvSpPr>
-            <a:spLocks noGrp="1"/>
-          </p:cNvSpPr>
-          <p:nvPr>
-            <p:ph type="dt" sz="half" idx="10"/>
-          </p:nvPr>
-        </p:nvSpPr>
-        <p:spPr/>
-        <p:txBody>
-          <a:bodyPr/>
-          <a:lstStyle/>
-          <a:p>
-            <a:fld id="{0BE24BAF-58C0-4D38-ABA0-4170CC92DC13}" type="datetimeFigureOut">
-              <a:rPr lang="en-US" smtClean="0"/>
-              <a:t>9/26/2024</a:t>
-            </a:fld>
-            <a:endParaRPr lang="en-US"/>
-          </a:p>
-        </p:txBody>
-      </p:sp>
-      <p:sp>
-        <p:nvSpPr>
-          <p:cNvPr id="5" name="Footer Placeholder 4">
-            <a:extLst>
-              <a:ext uri="{FF2B5EF4-FFF2-40B4-BE49-F238E27FC236}">
-                <a16:creationId xmlns:a16="http://schemas.microsoft.com/office/drawing/2014/main" id="{AAEBCD6E-6B69-E7FF-A8EA-F8E294BDA7E7}"/>
-              </a:ext>
-            </a:extLst>
-          </p:cNvPr>
-          <p:cNvSpPr>
-            <a:spLocks noGrp="1"/>
-          </p:cNvSpPr>
-          <p:nvPr>
-            <p:ph type="ftr" sz="quarter" idx="11"/>
-          </p:nvPr>
-        </p:nvSpPr>
-        <p:spPr/>
-        <p:txBody>
-          <a:bodyPr/>
-          <a:lstStyle/>
-          <a:p>
-            <a:endParaRPr lang="en-US"/>
-          </a:p>
-        </p:txBody>
-      </p:sp>
-      <p:sp>
-        <p:nvSpPr>
-          <p:cNvPr id="6" name="Slide Number Placeholder 5">
-            <a:extLst>
-              <a:ext uri="{FF2B5EF4-FFF2-40B4-BE49-F238E27FC236}">
-                <a16:creationId xmlns:a16="http://schemas.microsoft.com/office/drawing/2014/main" id="{FF22DB5A-E75D-49DD-123C-37B6BC85E903}"/>
-              </a:ext>
-            </a:extLst>
-          </p:cNvPr>
-          <p:cNvSpPr>
-            <a:spLocks noGrp="1"/>
-          </p:cNvSpPr>
-          <p:nvPr>
-            <p:ph type="sldNum" sz="quarter" idx="12"/>
-          </p:nvPr>
-        </p:nvSpPr>
-        <p:spPr/>
-        <p:txBody>
-          <a:bodyPr/>
-          <a:lstStyle/>
-          <a:p>
-            <a:fld id="{13D5471E-615E-4FAD-96CF-E230E8BB09F6}" type="slidenum">
-              <a:rPr lang="en-US" smtClean="0"/>
-              <a:t>‹#›</a:t>
-            </a:fld>
-            <a:endParaRPr lang="en-US"/>
-          </a:p>
-        </p:txBody>
-      </p:sp>
     </p:spTree>
     <p:extLst>
       <p:ext uri="{BB962C8B-B14F-4D97-AF65-F5344CB8AC3E}">
-        <p14:creationId xmlns:p14="http://schemas.microsoft.com/office/powerpoint/2010/main" val="267940307"/>
+        <p14:creationId xmlns:p14="http://schemas.microsoft.com/office/powerpoint/2010/main" val="646940651"/>
       </p:ext>
     </p:extLst>
   </p:cSld>
@@ -4723,7 +5396,7 @@
           <p:cNvPr id="2" name="Title 1">
             <a:extLst>
               <a:ext uri="{FF2B5EF4-FFF2-40B4-BE49-F238E27FC236}">
-                <a16:creationId xmlns:a16="http://schemas.microsoft.com/office/drawing/2014/main" id="{9B53F3F8-E052-488D-90D0-D947B99C4AE2}"/>
+                <a16:creationId xmlns:a16="http://schemas.microsoft.com/office/drawing/2014/main" id="{6A54579A-6906-4E6D-591C-C727DF060739}"/>
               </a:ext>
             </a:extLst>
           </p:cNvPr>
@@ -4734,7 +5407,15 @@
             <p:ph type="title"/>
           </p:nvPr>
         </p:nvSpPr>
-        <p:spPr/>
+        <p:spPr>
+          <a:xfrm>
+            <a:off x="602787" y="1498382"/>
+            <a:ext cx="10515600" cy="1325563"/>
+          </a:xfrm>
+          <a:prstGeom prst="rect">
+            <a:avLst/>
+          </a:prstGeom>
+        </p:spPr>
         <p:txBody>
           <a:bodyPr/>
           <a:lstStyle/>
@@ -4751,7 +5432,7 @@
           <p:cNvPr id="3" name="Content Placeholder 2">
             <a:extLst>
               <a:ext uri="{FF2B5EF4-FFF2-40B4-BE49-F238E27FC236}">
-                <a16:creationId xmlns:a16="http://schemas.microsoft.com/office/drawing/2014/main" id="{EDD73720-466D-068E-61C9-BDF9BF686AF3}"/>
+                <a16:creationId xmlns:a16="http://schemas.microsoft.com/office/drawing/2014/main" id="{9C426EAA-227D-5ECA-282E-3A3B3C8AE97C}"/>
               </a:ext>
             </a:extLst>
           </p:cNvPr>
@@ -4762,7 +5443,15 @@
             <p:ph idx="1"/>
           </p:nvPr>
         </p:nvSpPr>
-        <p:spPr/>
+        <p:spPr>
+          <a:xfrm>
+            <a:off x="838200" y="1825625"/>
+            <a:ext cx="10515600" cy="4351338"/>
+          </a:xfrm>
+          <a:prstGeom prst="rect">
+            <a:avLst/>
+          </a:prstGeom>
+        </p:spPr>
         <p:txBody>
           <a:bodyPr/>
           <a:lstStyle/>
@@ -4808,7 +5497,7 @@
           <p:cNvPr id="4" name="Date Placeholder 3">
             <a:extLst>
               <a:ext uri="{FF2B5EF4-FFF2-40B4-BE49-F238E27FC236}">
-                <a16:creationId xmlns:a16="http://schemas.microsoft.com/office/drawing/2014/main" id="{86D8B675-57D5-D89F-01F5-209268AB9E4B}"/>
+                <a16:creationId xmlns:a16="http://schemas.microsoft.com/office/drawing/2014/main" id="{7F651069-7D1F-49B9-3F01-D52A9F3A60B7}"/>
               </a:ext>
             </a:extLst>
           </p:cNvPr>
@@ -4819,14 +5508,22 @@
             <p:ph type="dt" sz="half" idx="10"/>
           </p:nvPr>
         </p:nvSpPr>
-        <p:spPr/>
+        <p:spPr>
+          <a:xfrm>
+            <a:off x="838200" y="6445249"/>
+            <a:ext cx="2743200" cy="365125"/>
+          </a:xfrm>
+          <a:prstGeom prst="rect">
+            <a:avLst/>
+          </a:prstGeom>
+        </p:spPr>
         <p:txBody>
           <a:bodyPr/>
           <a:lstStyle/>
           <a:p>
-            <a:fld id="{0D69348B-4620-44E9-BF3F-EACBA9EEF323}" type="datetimeFigureOut">
+            <a:fld id="{71087A05-F855-4434-8DDE-39A8542098A6}" type="datetimeFigureOut">
               <a:rPr lang="en-US" smtClean="0"/>
-              <a:t>9/26/2024</a:t>
+              <a:t>12/17/2024</a:t>
             </a:fld>
             <a:endParaRPr lang="en-US"/>
           </a:p>
@@ -4837,7 +5534,7 @@
           <p:cNvPr id="5" name="Footer Placeholder 4">
             <a:extLst>
               <a:ext uri="{FF2B5EF4-FFF2-40B4-BE49-F238E27FC236}">
-                <a16:creationId xmlns:a16="http://schemas.microsoft.com/office/drawing/2014/main" id="{7053F998-E2CB-02E4-49BF-97696F865F45}"/>
+                <a16:creationId xmlns:a16="http://schemas.microsoft.com/office/drawing/2014/main" id="{5756067D-C727-84C7-612B-F665F36170EE}"/>
               </a:ext>
             </a:extLst>
           </p:cNvPr>
@@ -4848,7 +5545,15 @@
             <p:ph type="ftr" sz="quarter" idx="11"/>
           </p:nvPr>
         </p:nvSpPr>
-        <p:spPr/>
+        <p:spPr>
+          <a:xfrm>
+            <a:off x="4038600" y="6356350"/>
+            <a:ext cx="4114800" cy="365125"/>
+          </a:xfrm>
+          <a:prstGeom prst="rect">
+            <a:avLst/>
+          </a:prstGeom>
+        </p:spPr>
         <p:txBody>
           <a:bodyPr/>
           <a:lstStyle/>
@@ -4862,7 +5567,7 @@
           <p:cNvPr id="6" name="Slide Number Placeholder 5">
             <a:extLst>
               <a:ext uri="{FF2B5EF4-FFF2-40B4-BE49-F238E27FC236}">
-                <a16:creationId xmlns:a16="http://schemas.microsoft.com/office/drawing/2014/main" id="{FED59867-B8CC-A6E9-DDC7-43729DA70B76}"/>
+                <a16:creationId xmlns:a16="http://schemas.microsoft.com/office/drawing/2014/main" id="{A3C64F88-1C59-3F79-931F-4F91F22F14D3}"/>
               </a:ext>
             </a:extLst>
           </p:cNvPr>
@@ -4873,12 +5578,20 @@
             <p:ph type="sldNum" sz="quarter" idx="12"/>
           </p:nvPr>
         </p:nvSpPr>
-        <p:spPr/>
+        <p:spPr>
+          <a:xfrm>
+            <a:off x="8610600" y="6356350"/>
+            <a:ext cx="2743200" cy="365125"/>
+          </a:xfrm>
+          <a:prstGeom prst="rect">
+            <a:avLst/>
+          </a:prstGeom>
+        </p:spPr>
         <p:txBody>
           <a:bodyPr/>
           <a:lstStyle/>
           <a:p>
-            <a:fld id="{986C47A0-D0C4-4E8A-BEE9-37B09C3712B2}" type="slidenum">
+            <a:fld id="{6C0014F0-3D1D-4459-A530-32E6C19AE461}" type="slidenum">
               <a:rPr lang="en-US" smtClean="0"/>
               <a:t>‹#›</a:t>
             </a:fld>
@@ -4889,7 +5602,7 @@
     </p:spTree>
     <p:extLst>
       <p:ext uri="{BB962C8B-B14F-4D97-AF65-F5344CB8AC3E}">
-        <p14:creationId xmlns:p14="http://schemas.microsoft.com/office/powerpoint/2010/main" val="1773732037"/>
+        <p14:creationId xmlns:p14="http://schemas.microsoft.com/office/powerpoint/2010/main" val="742774571"/>
       </p:ext>
     </p:extLst>
   </p:cSld>
@@ -4921,7 +5634,7 @@
           <p:cNvPr id="2" name="Title 1">
             <a:extLst>
               <a:ext uri="{FF2B5EF4-FFF2-40B4-BE49-F238E27FC236}">
-                <a16:creationId xmlns:a16="http://schemas.microsoft.com/office/drawing/2014/main" id="{24562E59-A35F-2B41-2BE7-EC4592347134}"/>
+                <a16:creationId xmlns:a16="http://schemas.microsoft.com/office/drawing/2014/main" id="{C2E67B73-4EBE-86E7-DEDC-379A7358D71A}"/>
               </a:ext>
             </a:extLst>
           </p:cNvPr>
@@ -4937,6 +5650,9 @@
             <a:off x="831850" y="1709738"/>
             <a:ext cx="10515600" cy="2852737"/>
           </a:xfrm>
+          <a:prstGeom prst="rect">
+            <a:avLst/>
+          </a:prstGeom>
         </p:spPr>
         <p:txBody>
           <a:bodyPr anchor="b"/>
@@ -4958,7 +5674,7 @@
           <p:cNvPr id="3" name="Text Placeholder 2">
             <a:extLst>
               <a:ext uri="{FF2B5EF4-FFF2-40B4-BE49-F238E27FC236}">
-                <a16:creationId xmlns:a16="http://schemas.microsoft.com/office/drawing/2014/main" id="{6CB88CFD-8D25-CDFD-1F9A-6A5BAFD86DD9}"/>
+                <a16:creationId xmlns:a16="http://schemas.microsoft.com/office/drawing/2014/main" id="{39DC486F-4B2F-BAA7-822D-AF77A301C3EF}"/>
               </a:ext>
             </a:extLst>
           </p:cNvPr>
@@ -4974,6 +5690,9 @@
             <a:off x="831850" y="4589463"/>
             <a:ext cx="10515600" cy="1500187"/>
           </a:xfrm>
+          <a:prstGeom prst="rect">
+            <a:avLst/>
+          </a:prstGeom>
         </p:spPr>
         <p:txBody>
           <a:bodyPr/>
@@ -4983,7 +5702,7 @@
               <a:defRPr sz="2400">
                 <a:solidFill>
                   <a:schemeClr val="tx1">
-                    <a:tint val="75000"/>
+                    <a:tint val="82000"/>
                   </a:schemeClr>
                 </a:solidFill>
               </a:defRPr>
@@ -4993,7 +5712,7 @@
               <a:defRPr sz="2000">
                 <a:solidFill>
                   <a:schemeClr val="tx1">
-                    <a:tint val="75000"/>
+                    <a:tint val="82000"/>
                   </a:schemeClr>
                 </a:solidFill>
               </a:defRPr>
@@ -5003,7 +5722,7 @@
               <a:defRPr sz="1800">
                 <a:solidFill>
                   <a:schemeClr val="tx1">
-                    <a:tint val="75000"/>
+                    <a:tint val="82000"/>
                   </a:schemeClr>
                 </a:solidFill>
               </a:defRPr>
@@ -5013,7 +5732,7 @@
               <a:defRPr sz="1600">
                 <a:solidFill>
                   <a:schemeClr val="tx1">
-                    <a:tint val="75000"/>
+                    <a:tint val="82000"/>
                   </a:schemeClr>
                 </a:solidFill>
               </a:defRPr>
@@ -5023,7 +5742,7 @@
               <a:defRPr sz="1600">
                 <a:solidFill>
                   <a:schemeClr val="tx1">
-                    <a:tint val="75000"/>
+                    <a:tint val="82000"/>
                   </a:schemeClr>
                 </a:solidFill>
               </a:defRPr>
@@ -5033,7 +5752,7 @@
               <a:defRPr sz="1600">
                 <a:solidFill>
                   <a:schemeClr val="tx1">
-                    <a:tint val="75000"/>
+                    <a:tint val="82000"/>
                   </a:schemeClr>
                 </a:solidFill>
               </a:defRPr>
@@ -5043,7 +5762,7 @@
               <a:defRPr sz="1600">
                 <a:solidFill>
                   <a:schemeClr val="tx1">
-                    <a:tint val="75000"/>
+                    <a:tint val="82000"/>
                   </a:schemeClr>
                 </a:solidFill>
               </a:defRPr>
@@ -5053,7 +5772,7 @@
               <a:defRPr sz="1600">
                 <a:solidFill>
                   <a:schemeClr val="tx1">
-                    <a:tint val="75000"/>
+                    <a:tint val="82000"/>
                   </a:schemeClr>
                 </a:solidFill>
               </a:defRPr>
@@ -5063,7 +5782,7 @@
               <a:defRPr sz="1600">
                 <a:solidFill>
                   <a:schemeClr val="tx1">
-                    <a:tint val="75000"/>
+                    <a:tint val="82000"/>
                   </a:schemeClr>
                 </a:solidFill>
               </a:defRPr>
@@ -5083,7 +5802,7 @@
           <p:cNvPr id="4" name="Date Placeholder 3">
             <a:extLst>
               <a:ext uri="{FF2B5EF4-FFF2-40B4-BE49-F238E27FC236}">
-                <a16:creationId xmlns:a16="http://schemas.microsoft.com/office/drawing/2014/main" id="{5DC2235C-EA94-C1E9-D4DB-83056BF4C68F}"/>
+                <a16:creationId xmlns:a16="http://schemas.microsoft.com/office/drawing/2014/main" id="{AC1AB7C3-5E85-3B9F-4177-A1AF2AB486D8}"/>
               </a:ext>
             </a:extLst>
           </p:cNvPr>
@@ -5094,14 +5813,22 @@
             <p:ph type="dt" sz="half" idx="10"/>
           </p:nvPr>
         </p:nvSpPr>
-        <p:spPr/>
+        <p:spPr>
+          <a:xfrm>
+            <a:off x="838200" y="6445249"/>
+            <a:ext cx="2743200" cy="365125"/>
+          </a:xfrm>
+          <a:prstGeom prst="rect">
+            <a:avLst/>
+          </a:prstGeom>
+        </p:spPr>
         <p:txBody>
           <a:bodyPr/>
           <a:lstStyle/>
           <a:p>
-            <a:fld id="{0D69348B-4620-44E9-BF3F-EACBA9EEF323}" type="datetimeFigureOut">
+            <a:fld id="{71087A05-F855-4434-8DDE-39A8542098A6}" type="datetimeFigureOut">
               <a:rPr lang="en-US" smtClean="0"/>
-              <a:t>9/26/2024</a:t>
+              <a:t>12/17/2024</a:t>
             </a:fld>
             <a:endParaRPr lang="en-US"/>
           </a:p>
@@ -5112,7 +5839,7 @@
           <p:cNvPr id="5" name="Footer Placeholder 4">
             <a:extLst>
               <a:ext uri="{FF2B5EF4-FFF2-40B4-BE49-F238E27FC236}">
-                <a16:creationId xmlns:a16="http://schemas.microsoft.com/office/drawing/2014/main" id="{E178E07A-E8A4-2767-2911-D824C588F20D}"/>
+                <a16:creationId xmlns:a16="http://schemas.microsoft.com/office/drawing/2014/main" id="{8950E3CD-02DB-7A08-79DC-74CA926DE70F}"/>
               </a:ext>
             </a:extLst>
           </p:cNvPr>
@@ -5123,7 +5850,15 @@
             <p:ph type="ftr" sz="quarter" idx="11"/>
           </p:nvPr>
         </p:nvSpPr>
-        <p:spPr/>
+        <p:spPr>
+          <a:xfrm>
+            <a:off x="4038600" y="6356350"/>
+            <a:ext cx="4114800" cy="365125"/>
+          </a:xfrm>
+          <a:prstGeom prst="rect">
+            <a:avLst/>
+          </a:prstGeom>
+        </p:spPr>
         <p:txBody>
           <a:bodyPr/>
           <a:lstStyle/>
@@ -5137,7 +5872,7 @@
           <p:cNvPr id="6" name="Slide Number Placeholder 5">
             <a:extLst>
               <a:ext uri="{FF2B5EF4-FFF2-40B4-BE49-F238E27FC236}">
-                <a16:creationId xmlns:a16="http://schemas.microsoft.com/office/drawing/2014/main" id="{6D865987-67F3-82BA-9FFE-7A512551887E}"/>
+                <a16:creationId xmlns:a16="http://schemas.microsoft.com/office/drawing/2014/main" id="{78D6A67F-8469-E8AB-D35D-DEC64EA01BF9}"/>
               </a:ext>
             </a:extLst>
           </p:cNvPr>
@@ -5148,12 +5883,20 @@
             <p:ph type="sldNum" sz="quarter" idx="12"/>
           </p:nvPr>
         </p:nvSpPr>
-        <p:spPr/>
+        <p:spPr>
+          <a:xfrm>
+            <a:off x="8610600" y="6356350"/>
+            <a:ext cx="2743200" cy="365125"/>
+          </a:xfrm>
+          <a:prstGeom prst="rect">
+            <a:avLst/>
+          </a:prstGeom>
+        </p:spPr>
         <p:txBody>
           <a:bodyPr/>
           <a:lstStyle/>
           <a:p>
-            <a:fld id="{986C47A0-D0C4-4E8A-BEE9-37B09C3712B2}" type="slidenum">
+            <a:fld id="{6C0014F0-3D1D-4459-A530-32E6C19AE461}" type="slidenum">
               <a:rPr lang="en-US" smtClean="0"/>
               <a:t>‹#›</a:t>
             </a:fld>
@@ -5164,7 +5907,7 @@
     </p:spTree>
     <p:extLst>
       <p:ext uri="{BB962C8B-B14F-4D97-AF65-F5344CB8AC3E}">
-        <p14:creationId xmlns:p14="http://schemas.microsoft.com/office/powerpoint/2010/main" val="3968263454"/>
+        <p14:creationId xmlns:p14="http://schemas.microsoft.com/office/powerpoint/2010/main" val="2151602106"/>
       </p:ext>
     </p:extLst>
   </p:cSld>
@@ -5910,244 +6653,131 @@
           <a:chExt cx="0" cy="0"/>
         </a:xfrm>
       </p:grpSpPr>
-      <p:sp>
-        <p:nvSpPr>
-          <p:cNvPr id="2" name="Title Placeholder 1">
+      <p:pic>
+        <p:nvPicPr>
+          <p:cNvPr id="7" name="Picture 6">
             <a:extLst>
               <a:ext uri="{FF2B5EF4-FFF2-40B4-BE49-F238E27FC236}">
-                <a16:creationId xmlns:a16="http://schemas.microsoft.com/office/drawing/2014/main" id="{DADBBF7B-0A87-603A-6F96-ED995D2876BC}"/>
+                <a16:creationId xmlns:a16="http://schemas.microsoft.com/office/drawing/2014/main" id="{AEB2CF3C-8982-A5D5-05DB-5BF3F09E24AE}"/>
+              </a:ext>
+              <a:ext uri="{C183D7F6-B498-43B3-948B-1728B52AA6E4}">
+                <adec:decorative xmlns:adec="http://schemas.microsoft.com/office/drawing/2017/decorative" val="1"/>
               </a:ext>
             </a:extLst>
           </p:cNvPr>
-          <p:cNvSpPr>
-            <a:spLocks noGrp="1"/>
-          </p:cNvSpPr>
-          <p:nvPr>
-            <p:ph type="title"/>
-          </p:nvPr>
-        </p:nvSpPr>
+          <p:cNvPicPr>
+            <a:picLocks noChangeAspect="1"/>
+          </p:cNvPicPr>
+          <p:nvPr userDrawn="1"/>
+        </p:nvPicPr>
+        <p:blipFill>
+          <a:blip r:embed="rId13">
+            <a:extLst>
+              <a:ext uri="{28A0092B-C50C-407E-A947-70E740481C1C}">
+                <a14:useLocalDpi xmlns:a14="http://schemas.microsoft.com/office/drawing/2010/main" val="0"/>
+              </a:ext>
+            </a:extLst>
+          </a:blip>
+          <a:stretch>
+            <a:fillRect/>
+          </a:stretch>
+        </p:blipFill>
         <p:spPr>
           <a:xfrm>
-            <a:off x="838200" y="365125"/>
-            <a:ext cx="10515600" cy="1325563"/>
+            <a:off x="212436" y="236453"/>
+            <a:ext cx="11767127" cy="787737"/>
           </a:xfrm>
           <a:prstGeom prst="rect">
             <a:avLst/>
           </a:prstGeom>
         </p:spPr>
-        <p:txBody>
-          <a:bodyPr vert="horz" lIns="91440" tIns="45720" rIns="91440" bIns="45720" rtlCol="0" anchor="ctr">
-            <a:normAutofit/>
-          </a:bodyPr>
-          <a:lstStyle/>
-          <a:p>
-            <a:r>
-              <a:rPr lang="en-US"/>
-              <a:t>Click to edit Master title style</a:t>
-            </a:r>
-          </a:p>
-        </p:txBody>
-      </p:sp>
-      <p:sp>
-        <p:nvSpPr>
-          <p:cNvPr id="3" name="Text Placeholder 2">
+      </p:pic>
+      <p:cxnSp>
+        <p:nvCxnSpPr>
+          <p:cNvPr id="9" name="Straight Connector 8">
             <a:extLst>
               <a:ext uri="{FF2B5EF4-FFF2-40B4-BE49-F238E27FC236}">
-                <a16:creationId xmlns:a16="http://schemas.microsoft.com/office/drawing/2014/main" id="{1EBB9990-0CBB-2977-C631-37F97EB6D7A7}"/>
+                <a16:creationId xmlns:a16="http://schemas.microsoft.com/office/drawing/2014/main" id="{DE7FEFD9-5638-352F-A6ED-06F1FDE322D4}"/>
               </a:ext>
             </a:extLst>
           </p:cNvPr>
-          <p:cNvSpPr>
-            <a:spLocks noGrp="1"/>
-          </p:cNvSpPr>
-          <p:nvPr>
-            <p:ph type="body" idx="1"/>
-          </p:nvPr>
+          <p:cNvCxnSpPr>
+            <a:cxnSpLocks/>
+          </p:cNvCxnSpPr>
+          <p:nvPr userDrawn="1"/>
+        </p:nvCxnSpPr>
+        <p:spPr>
+          <a:xfrm>
+            <a:off x="175490" y="1099127"/>
+            <a:ext cx="11841020" cy="0"/>
+          </a:xfrm>
+          <a:prstGeom prst="line">
+            <a:avLst/>
+          </a:prstGeom>
+          <a:ln w="38100">
+            <a:solidFill>
+              <a:srgbClr val="A13C39"/>
+            </a:solidFill>
+          </a:ln>
+        </p:spPr>
+        <p:style>
+          <a:lnRef idx="2">
+            <a:schemeClr val="accent1"/>
+          </a:lnRef>
+          <a:fillRef idx="0">
+            <a:schemeClr val="accent1"/>
+          </a:fillRef>
+          <a:effectRef idx="1">
+            <a:schemeClr val="accent1"/>
+          </a:effectRef>
+          <a:fontRef idx="minor">
+            <a:schemeClr val="tx1"/>
+          </a:fontRef>
+        </p:style>
+      </p:cxnSp>
+      <p:sp>
+        <p:nvSpPr>
+          <p:cNvPr id="11" name="Rectangle 10">
+            <a:extLst>
+              <a:ext uri="{FF2B5EF4-FFF2-40B4-BE49-F238E27FC236}">
+                <a16:creationId xmlns:a16="http://schemas.microsoft.com/office/drawing/2014/main" id="{910C5C32-408D-8072-82C8-297384424B54}"/>
+              </a:ext>
+            </a:extLst>
+          </p:cNvPr>
+          <p:cNvSpPr/>
+          <p:nvPr userDrawn="1"/>
         </p:nvSpPr>
         <p:spPr>
           <a:xfrm>
-            <a:off x="838200" y="1825625"/>
-            <a:ext cx="10515600" cy="4351338"/>
+            <a:off x="175492" y="184727"/>
+            <a:ext cx="11841018" cy="6493164"/>
           </a:xfrm>
           <a:prstGeom prst="rect">
             <a:avLst/>
           </a:prstGeom>
+          <a:noFill/>
         </p:spPr>
+        <p:style>
+          <a:lnRef idx="2">
+            <a:schemeClr val="accent1">
+              <a:shade val="15000"/>
+            </a:schemeClr>
+          </a:lnRef>
+          <a:fillRef idx="1">
+            <a:schemeClr val="accent1"/>
+          </a:fillRef>
+          <a:effectRef idx="0">
+            <a:schemeClr val="accent1"/>
+          </a:effectRef>
+          <a:fontRef idx="minor">
+            <a:schemeClr val="lt1"/>
+          </a:fontRef>
+        </p:style>
         <p:txBody>
-          <a:bodyPr vert="horz" lIns="91440" tIns="45720" rIns="91440" bIns="45720" rtlCol="0">
-            <a:normAutofit/>
-          </a:bodyPr>
+          <a:bodyPr rtlCol="0" anchor="ctr"/>
           <a:lstStyle/>
           <a:p>
-            <a:pPr lvl="0"/>
-            <a:r>
-              <a:rPr lang="en-US"/>
-              <a:t>Click to edit Master text styles</a:t>
-            </a:r>
-          </a:p>
-          <a:p>
-            <a:pPr lvl="1"/>
-            <a:r>
-              <a:rPr lang="en-US"/>
-              <a:t>Second level</a:t>
-            </a:r>
-          </a:p>
-          <a:p>
-            <a:pPr lvl="2"/>
-            <a:r>
-              <a:rPr lang="en-US"/>
-              <a:t>Third level</a:t>
-            </a:r>
-          </a:p>
-          <a:p>
-            <a:pPr lvl="3"/>
-            <a:r>
-              <a:rPr lang="en-US"/>
-              <a:t>Fourth level</a:t>
-            </a:r>
-          </a:p>
-          <a:p>
-            <a:pPr lvl="4"/>
-            <a:r>
-              <a:rPr lang="en-US"/>
-              <a:t>Fifth level</a:t>
-            </a:r>
-          </a:p>
-        </p:txBody>
-      </p:sp>
-      <p:sp>
-        <p:nvSpPr>
-          <p:cNvPr id="4" name="Date Placeholder 3">
-            <a:extLst>
-              <a:ext uri="{FF2B5EF4-FFF2-40B4-BE49-F238E27FC236}">
-                <a16:creationId xmlns:a16="http://schemas.microsoft.com/office/drawing/2014/main" id="{F336638E-F817-1BC9-ECB7-18071DC44D12}"/>
-              </a:ext>
-            </a:extLst>
-          </p:cNvPr>
-          <p:cNvSpPr>
-            <a:spLocks noGrp="1"/>
-          </p:cNvSpPr>
-          <p:nvPr>
-            <p:ph type="dt" sz="half" idx="2"/>
-          </p:nvPr>
-        </p:nvSpPr>
-        <p:spPr>
-          <a:xfrm>
-            <a:off x="838200" y="6356350"/>
-            <a:ext cx="2743200" cy="365125"/>
-          </a:xfrm>
-          <a:prstGeom prst="rect">
-            <a:avLst/>
-          </a:prstGeom>
-        </p:spPr>
-        <p:txBody>
-          <a:bodyPr vert="horz" lIns="91440" tIns="45720" rIns="91440" bIns="45720" rtlCol="0" anchor="ctr"/>
-          <a:lstStyle>
-            <a:lvl1pPr algn="l">
-              <a:defRPr sz="1200">
-                <a:solidFill>
-                  <a:schemeClr val="tx1">
-                    <a:tint val="75000"/>
-                  </a:schemeClr>
-                </a:solidFill>
-              </a:defRPr>
-            </a:lvl1pPr>
-          </a:lstStyle>
-          <a:p>
-            <a:fld id="{0D69348B-4620-44E9-BF3F-EACBA9EEF323}" type="datetimeFigureOut">
-              <a:rPr lang="en-US" smtClean="0"/>
-              <a:t>9/26/2024</a:t>
-            </a:fld>
-            <a:endParaRPr lang="en-US"/>
-          </a:p>
-        </p:txBody>
-      </p:sp>
-      <p:sp>
-        <p:nvSpPr>
-          <p:cNvPr id="5" name="Footer Placeholder 4">
-            <a:extLst>
-              <a:ext uri="{FF2B5EF4-FFF2-40B4-BE49-F238E27FC236}">
-                <a16:creationId xmlns:a16="http://schemas.microsoft.com/office/drawing/2014/main" id="{60C57151-F515-08FA-FD9F-F59EDF1B6581}"/>
-              </a:ext>
-            </a:extLst>
-          </p:cNvPr>
-          <p:cNvSpPr>
-            <a:spLocks noGrp="1"/>
-          </p:cNvSpPr>
-          <p:nvPr>
-            <p:ph type="ftr" sz="quarter" idx="3"/>
-          </p:nvPr>
-        </p:nvSpPr>
-        <p:spPr>
-          <a:xfrm>
-            <a:off x="4038600" y="6356350"/>
-            <a:ext cx="4114800" cy="365125"/>
-          </a:xfrm>
-          <a:prstGeom prst="rect">
-            <a:avLst/>
-          </a:prstGeom>
-        </p:spPr>
-        <p:txBody>
-          <a:bodyPr vert="horz" lIns="91440" tIns="45720" rIns="91440" bIns="45720" rtlCol="0" anchor="ctr"/>
-          <a:lstStyle>
-            <a:lvl1pPr algn="ctr">
-              <a:defRPr sz="1200">
-                <a:solidFill>
-                  <a:schemeClr val="tx1">
-                    <a:tint val="75000"/>
-                  </a:schemeClr>
-                </a:solidFill>
-              </a:defRPr>
-            </a:lvl1pPr>
-          </a:lstStyle>
-          <a:p>
-            <a:endParaRPr lang="en-US"/>
-          </a:p>
-        </p:txBody>
-      </p:sp>
-      <p:sp>
-        <p:nvSpPr>
-          <p:cNvPr id="6" name="Slide Number Placeholder 5">
-            <a:extLst>
-              <a:ext uri="{FF2B5EF4-FFF2-40B4-BE49-F238E27FC236}">
-                <a16:creationId xmlns:a16="http://schemas.microsoft.com/office/drawing/2014/main" id="{F7D361D9-183D-9DF9-C01C-5B530B1CB880}"/>
-              </a:ext>
-            </a:extLst>
-          </p:cNvPr>
-          <p:cNvSpPr>
-            <a:spLocks noGrp="1"/>
-          </p:cNvSpPr>
-          <p:nvPr>
-            <p:ph type="sldNum" sz="quarter" idx="4"/>
-          </p:nvPr>
-        </p:nvSpPr>
-        <p:spPr>
-          <a:xfrm>
-            <a:off x="8610600" y="6356350"/>
-            <a:ext cx="2743200" cy="365125"/>
-          </a:xfrm>
-          <a:prstGeom prst="rect">
-            <a:avLst/>
-          </a:prstGeom>
-        </p:spPr>
-        <p:txBody>
-          <a:bodyPr vert="horz" lIns="91440" tIns="45720" rIns="91440" bIns="45720" rtlCol="0" anchor="ctr"/>
-          <a:lstStyle>
-            <a:lvl1pPr algn="r">
-              <a:defRPr sz="1200">
-                <a:solidFill>
-                  <a:schemeClr val="tx1">
-                    <a:tint val="75000"/>
-                  </a:schemeClr>
-                </a:solidFill>
-              </a:defRPr>
-            </a:lvl1pPr>
-          </a:lstStyle>
-          <a:p>
-            <a:fld id="{986C47A0-D0C4-4E8A-BEE9-37B09C3712B2}" type="slidenum">
-              <a:rPr lang="en-US" smtClean="0"/>
-              <a:t>‹#›</a:t>
-            </a:fld>
+            <a:pPr algn="ctr"/>
             <a:endParaRPr lang="en-US"/>
           </a:p>
         </p:txBody>
@@ -6155,28 +6785,27 @@
     </p:spTree>
     <p:extLst>
       <p:ext uri="{BB962C8B-B14F-4D97-AF65-F5344CB8AC3E}">
-        <p14:creationId xmlns:p14="http://schemas.microsoft.com/office/powerpoint/2010/main" val="3136267371"/>
+        <p14:creationId xmlns:p14="http://schemas.microsoft.com/office/powerpoint/2010/main" val="3288906365"/>
       </p:ext>
     </p:extLst>
   </p:cSld>
   <p:clrMap bg1="lt1" tx1="dk1" bg2="lt2" tx2="dk2" accent1="accent1" accent2="accent2" accent3="accent3" accent4="accent4" accent5="accent5" accent6="accent6" hlink="hlink" folHlink="folHlink"/>
   <p:sldLayoutIdLst>
-    <p:sldLayoutId id="2147483682" r:id="rId1"/>
-    <p:sldLayoutId id="2147483683" r:id="rId2"/>
-    <p:sldLayoutId id="2147483684" r:id="rId3"/>
-    <p:sldLayoutId id="2147483685" r:id="rId4"/>
-    <p:sldLayoutId id="2147483686" r:id="rId5"/>
-    <p:sldLayoutId id="2147483687" r:id="rId6"/>
-    <p:sldLayoutId id="2147483688" r:id="rId7"/>
-    <p:sldLayoutId id="2147483689" r:id="rId8"/>
-    <p:sldLayoutId id="2147483690" r:id="rId9"/>
-    <p:sldLayoutId id="2147483691" r:id="rId10"/>
-    <p:sldLayoutId id="2147483692" r:id="rId11"/>
-    <p:sldLayoutId id="2147483693" r:id="rId12"/>
+    <p:sldLayoutId id="2147483695" r:id="rId1"/>
+    <p:sldLayoutId id="2147483696" r:id="rId2"/>
+    <p:sldLayoutId id="2147483697" r:id="rId3"/>
+    <p:sldLayoutId id="2147483698" r:id="rId4"/>
+    <p:sldLayoutId id="2147483699" r:id="rId5"/>
+    <p:sldLayoutId id="2147483700" r:id="rId6"/>
+    <p:sldLayoutId id="2147483701" r:id="rId7"/>
+    <p:sldLayoutId id="2147483702" r:id="rId8"/>
+    <p:sldLayoutId id="2147483703" r:id="rId9"/>
+    <p:sldLayoutId id="2147483704" r:id="rId10"/>
+    <p:sldLayoutId id="2147483705" r:id="rId11"/>
   </p:sldLayoutIdLst>
   <p:txStyles>
     <p:titleStyle>
-      <a:lvl1pPr algn="l" defTabSz="914400" rtl="0" eaLnBrk="1" latinLnBrk="0" hangingPunct="1">
+      <a:lvl1pPr algn="ctr" defTabSz="914400" rtl="0" eaLnBrk="1" latinLnBrk="0" hangingPunct="1">
         <a:lnSpc>
           <a:spcPct val="90000"/>
         </a:lnSpc>
@@ -6476,60 +7105,257 @@
       </p:grpSpPr>
       <p:sp>
         <p:nvSpPr>
-          <p:cNvPr id="2" name="Title 1">
+          <p:cNvPr id="4" name="Title 1">
             <a:extLst>
               <a:ext uri="{FF2B5EF4-FFF2-40B4-BE49-F238E27FC236}">
                 <a16:creationId xmlns:a16="http://schemas.microsoft.com/office/drawing/2014/main" id="{6FCA7FD7-E3CD-7A2C-5AF7-2EE59026C9D4}"/>
               </a:ext>
             </a:extLst>
           </p:cNvPr>
-          <p:cNvSpPr>
-            <a:spLocks noGrp="1"/>
+          <p:cNvSpPr txBox="1">
+            <a:spLocks/>
           </p:cNvSpPr>
-          <p:nvPr>
-            <p:ph type="ctrTitle"/>
-          </p:nvPr>
+          <p:nvPr/>
         </p:nvSpPr>
-        <p:spPr/>
+        <p:spPr>
+          <a:xfrm>
+            <a:off x="2384079" y="2650135"/>
+            <a:ext cx="7423841" cy="778865"/>
+          </a:xfrm>
+          <a:prstGeom prst="rect">
+            <a:avLst/>
+          </a:prstGeom>
+        </p:spPr>
         <p:txBody>
           <a:bodyPr/>
-          <a:lstStyle/>
-          <a:p>
+          <a:lstStyle>
+            <a:lvl1pPr algn="ctr" defTabSz="914400" rtl="0" eaLnBrk="1" latinLnBrk="0" hangingPunct="1">
+              <a:lnSpc>
+                <a:spcPct val="90000"/>
+              </a:lnSpc>
+              <a:spcBef>
+                <a:spcPct val="0"/>
+              </a:spcBef>
+              <a:buNone/>
+              <a:defRPr sz="4400" kern="1200">
+                <a:solidFill>
+                  <a:schemeClr val="tx1"/>
+                </a:solidFill>
+                <a:latin typeface="+mj-lt"/>
+                <a:ea typeface="+mj-ea"/>
+                <a:cs typeface="+mj-cs"/>
+              </a:defRPr>
+            </a:lvl1pPr>
+          </a:lstStyle>
+          <a:p>
+            <a:pPr fontAlgn="auto">
+              <a:spcAft>
+                <a:spcPts val="0"/>
+              </a:spcAft>
+            </a:pPr>
             <a:r>
               <a:rPr lang="en-US" dirty="0"/>
-              <a:t>CYBER 360:</a:t>
-            </a:r>
-            <a:br>
-              <a:rPr lang="en-US" dirty="0"/>
-            </a:br>
-            <a:r>
-              <a:rPr lang="en-US" dirty="0"/>
-              <a:t>Advanced Scripting</a:t>
+              <a:t>CYBER 360: Advanced Scripting</a:t>
             </a:r>
           </a:p>
         </p:txBody>
       </p:sp>
       <p:sp>
         <p:nvSpPr>
-          <p:cNvPr id="3" name="Subtitle 2">
+          <p:cNvPr id="5" name="Subtitle 2">
             <a:extLst>
               <a:ext uri="{FF2B5EF4-FFF2-40B4-BE49-F238E27FC236}">
                 <a16:creationId xmlns:a16="http://schemas.microsoft.com/office/drawing/2014/main" id="{8586CD17-5B17-5D66-987C-05DC748B3FF9}"/>
               </a:ext>
             </a:extLst>
           </p:cNvPr>
-          <p:cNvSpPr>
-            <a:spLocks noGrp="1"/>
+          <p:cNvSpPr txBox="1">
+            <a:spLocks/>
           </p:cNvSpPr>
-          <p:nvPr>
-            <p:ph type="subTitle" idx="1"/>
-          </p:nvPr>
+          <p:nvPr/>
         </p:nvSpPr>
-        <p:spPr/>
+        <p:spPr>
+          <a:xfrm>
+            <a:off x="4282288" y="3429000"/>
+            <a:ext cx="3627421" cy="499182"/>
+          </a:xfrm>
+          <a:prstGeom prst="rect">
+            <a:avLst/>
+          </a:prstGeom>
+        </p:spPr>
         <p:txBody>
           <a:bodyPr/>
-          <a:lstStyle/>
-          <a:p>
+          <a:lstStyle>
+            <a:lvl1pPr marL="228600" indent="-228600" algn="l" defTabSz="914400" rtl="0" eaLnBrk="1" latinLnBrk="0" hangingPunct="1">
+              <a:lnSpc>
+                <a:spcPct val="90000"/>
+              </a:lnSpc>
+              <a:spcBef>
+                <a:spcPts val="1000"/>
+              </a:spcBef>
+              <a:buFont typeface="Arial" panose="020B0604020202020204" pitchFamily="34" charset="0"/>
+              <a:buChar char="•"/>
+              <a:defRPr sz="2800" kern="1200">
+                <a:solidFill>
+                  <a:schemeClr val="tx1"/>
+                </a:solidFill>
+                <a:latin typeface="+mn-lt"/>
+                <a:ea typeface="+mn-ea"/>
+                <a:cs typeface="+mn-cs"/>
+              </a:defRPr>
+            </a:lvl1pPr>
+            <a:lvl2pPr marL="685800" indent="-228600" algn="l" defTabSz="914400" rtl="0" eaLnBrk="1" latinLnBrk="0" hangingPunct="1">
+              <a:lnSpc>
+                <a:spcPct val="90000"/>
+              </a:lnSpc>
+              <a:spcBef>
+                <a:spcPts val="500"/>
+              </a:spcBef>
+              <a:buFont typeface="Arial" panose="020B0604020202020204" pitchFamily="34" charset="0"/>
+              <a:buChar char="•"/>
+              <a:defRPr sz="2400" kern="1200">
+                <a:solidFill>
+                  <a:schemeClr val="tx1"/>
+                </a:solidFill>
+                <a:latin typeface="+mn-lt"/>
+                <a:ea typeface="+mn-ea"/>
+                <a:cs typeface="+mn-cs"/>
+              </a:defRPr>
+            </a:lvl2pPr>
+            <a:lvl3pPr marL="1143000" indent="-228600" algn="l" defTabSz="914400" rtl="0" eaLnBrk="1" latinLnBrk="0" hangingPunct="1">
+              <a:lnSpc>
+                <a:spcPct val="90000"/>
+              </a:lnSpc>
+              <a:spcBef>
+                <a:spcPts val="500"/>
+              </a:spcBef>
+              <a:buFont typeface="Arial" panose="020B0604020202020204" pitchFamily="34" charset="0"/>
+              <a:buChar char="•"/>
+              <a:defRPr sz="2000" kern="1200">
+                <a:solidFill>
+                  <a:schemeClr val="tx1"/>
+                </a:solidFill>
+                <a:latin typeface="+mn-lt"/>
+                <a:ea typeface="+mn-ea"/>
+                <a:cs typeface="+mn-cs"/>
+              </a:defRPr>
+            </a:lvl3pPr>
+            <a:lvl4pPr marL="1600200" indent="-228600" algn="l" defTabSz="914400" rtl="0" eaLnBrk="1" latinLnBrk="0" hangingPunct="1">
+              <a:lnSpc>
+                <a:spcPct val="90000"/>
+              </a:lnSpc>
+              <a:spcBef>
+                <a:spcPts val="500"/>
+              </a:spcBef>
+              <a:buFont typeface="Arial" panose="020B0604020202020204" pitchFamily="34" charset="0"/>
+              <a:buChar char="•"/>
+              <a:defRPr sz="1800" kern="1200">
+                <a:solidFill>
+                  <a:schemeClr val="tx1"/>
+                </a:solidFill>
+                <a:latin typeface="+mn-lt"/>
+                <a:ea typeface="+mn-ea"/>
+                <a:cs typeface="+mn-cs"/>
+              </a:defRPr>
+            </a:lvl4pPr>
+            <a:lvl5pPr marL="2057400" indent="-228600" algn="l" defTabSz="914400" rtl="0" eaLnBrk="1" latinLnBrk="0" hangingPunct="1">
+              <a:lnSpc>
+                <a:spcPct val="90000"/>
+              </a:lnSpc>
+              <a:spcBef>
+                <a:spcPts val="500"/>
+              </a:spcBef>
+              <a:buFont typeface="Arial" panose="020B0604020202020204" pitchFamily="34" charset="0"/>
+              <a:buChar char="•"/>
+              <a:defRPr sz="1800" kern="1200">
+                <a:solidFill>
+                  <a:schemeClr val="tx1"/>
+                </a:solidFill>
+                <a:latin typeface="+mn-lt"/>
+                <a:ea typeface="+mn-ea"/>
+                <a:cs typeface="+mn-cs"/>
+              </a:defRPr>
+            </a:lvl5pPr>
+            <a:lvl6pPr marL="2514600" indent="-228600" algn="l" defTabSz="914400" rtl="0" eaLnBrk="1" latinLnBrk="0" hangingPunct="1">
+              <a:lnSpc>
+                <a:spcPct val="90000"/>
+              </a:lnSpc>
+              <a:spcBef>
+                <a:spcPts val="500"/>
+              </a:spcBef>
+              <a:buFont typeface="Arial" panose="020B0604020202020204" pitchFamily="34" charset="0"/>
+              <a:buChar char="•"/>
+              <a:defRPr sz="1800" kern="1200">
+                <a:solidFill>
+                  <a:schemeClr val="tx1"/>
+                </a:solidFill>
+                <a:latin typeface="+mn-lt"/>
+                <a:ea typeface="+mn-ea"/>
+                <a:cs typeface="+mn-cs"/>
+              </a:defRPr>
+            </a:lvl6pPr>
+            <a:lvl7pPr marL="2971800" indent="-228600" algn="l" defTabSz="914400" rtl="0" eaLnBrk="1" latinLnBrk="0" hangingPunct="1">
+              <a:lnSpc>
+                <a:spcPct val="90000"/>
+              </a:lnSpc>
+              <a:spcBef>
+                <a:spcPts val="500"/>
+              </a:spcBef>
+              <a:buFont typeface="Arial" panose="020B0604020202020204" pitchFamily="34" charset="0"/>
+              <a:buChar char="•"/>
+              <a:defRPr sz="1800" kern="1200">
+                <a:solidFill>
+                  <a:schemeClr val="tx1"/>
+                </a:solidFill>
+                <a:latin typeface="+mn-lt"/>
+                <a:ea typeface="+mn-ea"/>
+                <a:cs typeface="+mn-cs"/>
+              </a:defRPr>
+            </a:lvl7pPr>
+            <a:lvl8pPr marL="3429000" indent="-228600" algn="l" defTabSz="914400" rtl="0" eaLnBrk="1" latinLnBrk="0" hangingPunct="1">
+              <a:lnSpc>
+                <a:spcPct val="90000"/>
+              </a:lnSpc>
+              <a:spcBef>
+                <a:spcPts val="500"/>
+              </a:spcBef>
+              <a:buFont typeface="Arial" panose="020B0604020202020204" pitchFamily="34" charset="0"/>
+              <a:buChar char="•"/>
+              <a:defRPr sz="1800" kern="1200">
+                <a:solidFill>
+                  <a:schemeClr val="tx1"/>
+                </a:solidFill>
+                <a:latin typeface="+mn-lt"/>
+                <a:ea typeface="+mn-ea"/>
+                <a:cs typeface="+mn-cs"/>
+              </a:defRPr>
+            </a:lvl8pPr>
+            <a:lvl9pPr marL="3886200" indent="-228600" algn="l" defTabSz="914400" rtl="0" eaLnBrk="1" latinLnBrk="0" hangingPunct="1">
+              <a:lnSpc>
+                <a:spcPct val="90000"/>
+              </a:lnSpc>
+              <a:spcBef>
+                <a:spcPts val="500"/>
+              </a:spcBef>
+              <a:buFont typeface="Arial" panose="020B0604020202020204" pitchFamily="34" charset="0"/>
+              <a:buChar char="•"/>
+              <a:defRPr sz="1800" kern="1200">
+                <a:solidFill>
+                  <a:schemeClr val="tx1"/>
+                </a:solidFill>
+                <a:latin typeface="+mn-lt"/>
+                <a:ea typeface="+mn-ea"/>
+                <a:cs typeface="+mn-cs"/>
+              </a:defRPr>
+            </a:lvl9pPr>
+          </a:lstStyle>
+          <a:p>
+            <a:pPr marL="0" indent="0" fontAlgn="auto">
+              <a:spcAft>
+                <a:spcPts val="0"/>
+              </a:spcAft>
+              <a:buNone/>
+            </a:pPr>
             <a:r>
               <a:rPr lang="en-US" dirty="0"/>
               <a:t>9.3: Module Manifests</a:t>
@@ -6540,7 +7366,7 @@
     </p:spTree>
     <p:extLst>
       <p:ext uri="{BB962C8B-B14F-4D97-AF65-F5344CB8AC3E}">
-        <p14:creationId xmlns:p14="http://schemas.microsoft.com/office/powerpoint/2010/main" val="3644072983"/>
+        <p14:creationId xmlns:p14="http://schemas.microsoft.com/office/powerpoint/2010/main" val="325146105"/>
       </p:ext>
     </p:extLst>
   </p:cSld>
@@ -6576,19 +7402,47 @@
               </a:ext>
             </a:extLst>
           </p:cNvPr>
-          <p:cNvSpPr>
-            <a:spLocks noGrp="1"/>
+          <p:cNvSpPr txBox="1">
+            <a:spLocks/>
           </p:cNvSpPr>
-          <p:nvPr>
-            <p:ph type="title"/>
-          </p:nvPr>
+          <p:nvPr/>
         </p:nvSpPr>
-        <p:spPr/>
+        <p:spPr>
+          <a:xfrm>
+            <a:off x="1365187" y="1270472"/>
+            <a:ext cx="9461626" cy="721291"/>
+          </a:xfrm>
+          <a:prstGeom prst="rect">
+            <a:avLst/>
+          </a:prstGeom>
+        </p:spPr>
         <p:txBody>
           <a:bodyPr/>
-          <a:lstStyle/>
-          <a:p>
-            <a:pPr algn="ctr"/>
+          <a:lstStyle>
+            <a:lvl1pPr algn="ctr" defTabSz="914400" rtl="0" eaLnBrk="1" latinLnBrk="0" hangingPunct="1">
+              <a:lnSpc>
+                <a:spcPct val="90000"/>
+              </a:lnSpc>
+              <a:spcBef>
+                <a:spcPct val="0"/>
+              </a:spcBef>
+              <a:buNone/>
+              <a:defRPr sz="4400" kern="1200">
+                <a:solidFill>
+                  <a:schemeClr val="tx1"/>
+                </a:solidFill>
+                <a:latin typeface="+mj-lt"/>
+                <a:ea typeface="+mj-ea"/>
+                <a:cs typeface="+mj-cs"/>
+              </a:defRPr>
+            </a:lvl1pPr>
+          </a:lstStyle>
+          <a:p>
+            <a:pPr fontAlgn="auto">
+              <a:spcAft>
+                <a:spcPts val="0"/>
+              </a:spcAft>
+            </a:pPr>
             <a:r>
               <a:rPr lang="en-US" dirty="0"/>
               <a:t>Module Folder Tree Structure examples:</a:t>
@@ -6612,7 +7466,7 @@
         </p:nvSpPr>
         <p:spPr>
           <a:xfrm>
-            <a:off x="1412740" y="1739790"/>
+            <a:off x="1546937" y="2285606"/>
             <a:ext cx="5018539" cy="4120729"/>
           </a:xfrm>
           <a:prstGeom prst="rect">
@@ -6621,7 +7475,7 @@
         </p:spPr>
         <p:txBody>
           <a:bodyPr vert="horz" lIns="91440" tIns="45720" rIns="91440" bIns="45720" rtlCol="0">
-            <a:normAutofit/>
+            <a:normAutofit lnSpcReduction="10000"/>
           </a:bodyPr>
           <a:lstStyle>
             <a:lvl1pPr marL="228600" indent="-228600" algn="l" defTabSz="914400" rtl="0" eaLnBrk="1" latinLnBrk="0" hangingPunct="1">
@@ -6993,7 +7847,7 @@
         </p:nvSpPr>
         <p:spPr>
           <a:xfrm>
-            <a:off x="6420620" y="1715239"/>
+            <a:off x="6565476" y="2285607"/>
             <a:ext cx="4358640" cy="4120729"/>
           </a:xfrm>
           <a:prstGeom prst="rect">
@@ -7318,7 +8172,7 @@
     </p:spTree>
     <p:extLst>
       <p:ext uri="{BB962C8B-B14F-4D97-AF65-F5344CB8AC3E}">
-        <p14:creationId xmlns:p14="http://schemas.microsoft.com/office/powerpoint/2010/main" val="3461056406"/>
+        <p14:creationId xmlns:p14="http://schemas.microsoft.com/office/powerpoint/2010/main" val="2724569025"/>
       </p:ext>
     </p:extLst>
   </p:cSld>
@@ -7354,19 +8208,47 @@
               </a:ext>
             </a:extLst>
           </p:cNvPr>
-          <p:cNvSpPr>
-            <a:spLocks noGrp="1"/>
+          <p:cNvSpPr txBox="1">
+            <a:spLocks/>
           </p:cNvSpPr>
-          <p:nvPr>
-            <p:ph type="title"/>
-          </p:nvPr>
+          <p:nvPr/>
         </p:nvSpPr>
-        <p:spPr/>
+        <p:spPr>
+          <a:xfrm>
+            <a:off x="3995219" y="1280539"/>
+            <a:ext cx="4201562" cy="584475"/>
+          </a:xfrm>
+          <a:prstGeom prst="rect">
+            <a:avLst/>
+          </a:prstGeom>
+        </p:spPr>
         <p:txBody>
           <a:bodyPr/>
-          <a:lstStyle/>
-          <a:p>
-            <a:pPr algn="ctr"/>
+          <a:lstStyle>
+            <a:lvl1pPr algn="ctr" defTabSz="914400" rtl="0" eaLnBrk="1" latinLnBrk="0" hangingPunct="1">
+              <a:lnSpc>
+                <a:spcPct val="90000"/>
+              </a:lnSpc>
+              <a:spcBef>
+                <a:spcPct val="0"/>
+              </a:spcBef>
+              <a:buNone/>
+              <a:defRPr sz="4400" kern="1200">
+                <a:solidFill>
+                  <a:schemeClr val="tx1"/>
+                </a:solidFill>
+                <a:latin typeface="+mj-lt"/>
+                <a:ea typeface="+mj-ea"/>
+                <a:cs typeface="+mj-cs"/>
+              </a:defRPr>
+            </a:lvl1pPr>
+          </a:lstStyle>
+          <a:p>
+            <a:pPr fontAlgn="auto">
+              <a:spcAft>
+                <a:spcPts val="0"/>
+              </a:spcAft>
+            </a:pPr>
             <a:r>
               <a:rPr lang="en-US" dirty="0"/>
               <a:t>Module Manifests</a:t>
@@ -7383,117 +8265,310 @@
               </a:ext>
             </a:extLst>
           </p:cNvPr>
-          <p:cNvSpPr>
-            <a:spLocks noGrp="1"/>
+          <p:cNvSpPr txBox="1">
+            <a:spLocks/>
           </p:cNvSpPr>
-          <p:nvPr>
-            <p:ph idx="1"/>
-          </p:nvPr>
+          <p:nvPr/>
         </p:nvSpPr>
-        <p:spPr/>
+        <p:spPr>
+          <a:xfrm>
+            <a:off x="838200" y="2039735"/>
+            <a:ext cx="10515600" cy="3043787"/>
+          </a:xfrm>
+          <a:prstGeom prst="rect">
+            <a:avLst/>
+          </a:prstGeom>
+        </p:spPr>
         <p:txBody>
           <a:bodyPr>
             <a:normAutofit/>
           </a:bodyPr>
-          <a:lstStyle/>
-          <a:p>
-            <a:r>
-              <a:rPr lang="en-US" dirty="0"/>
+          <a:lstStyle>
+            <a:lvl1pPr marL="228600" indent="-228600" algn="l" defTabSz="914400" rtl="0" eaLnBrk="1" latinLnBrk="0" hangingPunct="1">
+              <a:lnSpc>
+                <a:spcPct val="90000"/>
+              </a:lnSpc>
+              <a:spcBef>
+                <a:spcPts val="1000"/>
+              </a:spcBef>
+              <a:buFont typeface="Arial" panose="020B0604020202020204" pitchFamily="34" charset="0"/>
+              <a:buChar char="•"/>
+              <a:defRPr sz="2800" kern="1200">
+                <a:solidFill>
+                  <a:schemeClr val="tx1"/>
+                </a:solidFill>
+                <a:latin typeface="+mn-lt"/>
+                <a:ea typeface="+mn-ea"/>
+                <a:cs typeface="+mn-cs"/>
+              </a:defRPr>
+            </a:lvl1pPr>
+            <a:lvl2pPr marL="685800" indent="-228600" algn="l" defTabSz="914400" rtl="0" eaLnBrk="1" latinLnBrk="0" hangingPunct="1">
+              <a:lnSpc>
+                <a:spcPct val="90000"/>
+              </a:lnSpc>
+              <a:spcBef>
+                <a:spcPts val="500"/>
+              </a:spcBef>
+              <a:buFont typeface="Arial" panose="020B0604020202020204" pitchFamily="34" charset="0"/>
+              <a:buChar char="•"/>
+              <a:defRPr sz="2400" kern="1200">
+                <a:solidFill>
+                  <a:schemeClr val="tx1"/>
+                </a:solidFill>
+                <a:latin typeface="+mn-lt"/>
+                <a:ea typeface="+mn-ea"/>
+                <a:cs typeface="+mn-cs"/>
+              </a:defRPr>
+            </a:lvl2pPr>
+            <a:lvl3pPr marL="1143000" indent="-228600" algn="l" defTabSz="914400" rtl="0" eaLnBrk="1" latinLnBrk="0" hangingPunct="1">
+              <a:lnSpc>
+                <a:spcPct val="90000"/>
+              </a:lnSpc>
+              <a:spcBef>
+                <a:spcPts val="500"/>
+              </a:spcBef>
+              <a:buFont typeface="Arial" panose="020B0604020202020204" pitchFamily="34" charset="0"/>
+              <a:buChar char="•"/>
+              <a:defRPr sz="2000" kern="1200">
+                <a:solidFill>
+                  <a:schemeClr val="tx1"/>
+                </a:solidFill>
+                <a:latin typeface="+mn-lt"/>
+                <a:ea typeface="+mn-ea"/>
+                <a:cs typeface="+mn-cs"/>
+              </a:defRPr>
+            </a:lvl3pPr>
+            <a:lvl4pPr marL="1600200" indent="-228600" algn="l" defTabSz="914400" rtl="0" eaLnBrk="1" latinLnBrk="0" hangingPunct="1">
+              <a:lnSpc>
+                <a:spcPct val="90000"/>
+              </a:lnSpc>
+              <a:spcBef>
+                <a:spcPts val="500"/>
+              </a:spcBef>
+              <a:buFont typeface="Arial" panose="020B0604020202020204" pitchFamily="34" charset="0"/>
+              <a:buChar char="•"/>
+              <a:defRPr sz="1800" kern="1200">
+                <a:solidFill>
+                  <a:schemeClr val="tx1"/>
+                </a:solidFill>
+                <a:latin typeface="+mn-lt"/>
+                <a:ea typeface="+mn-ea"/>
+                <a:cs typeface="+mn-cs"/>
+              </a:defRPr>
+            </a:lvl4pPr>
+            <a:lvl5pPr marL="2057400" indent="-228600" algn="l" defTabSz="914400" rtl="0" eaLnBrk="1" latinLnBrk="0" hangingPunct="1">
+              <a:lnSpc>
+                <a:spcPct val="90000"/>
+              </a:lnSpc>
+              <a:spcBef>
+                <a:spcPts val="500"/>
+              </a:spcBef>
+              <a:buFont typeface="Arial" panose="020B0604020202020204" pitchFamily="34" charset="0"/>
+              <a:buChar char="•"/>
+              <a:defRPr sz="1800" kern="1200">
+                <a:solidFill>
+                  <a:schemeClr val="tx1"/>
+                </a:solidFill>
+                <a:latin typeface="+mn-lt"/>
+                <a:ea typeface="+mn-ea"/>
+                <a:cs typeface="+mn-cs"/>
+              </a:defRPr>
+            </a:lvl5pPr>
+            <a:lvl6pPr marL="2514600" indent="-228600" algn="l" defTabSz="914400" rtl="0" eaLnBrk="1" latinLnBrk="0" hangingPunct="1">
+              <a:lnSpc>
+                <a:spcPct val="90000"/>
+              </a:lnSpc>
+              <a:spcBef>
+                <a:spcPts val="500"/>
+              </a:spcBef>
+              <a:buFont typeface="Arial" panose="020B0604020202020204" pitchFamily="34" charset="0"/>
+              <a:buChar char="•"/>
+              <a:defRPr sz="1800" kern="1200">
+                <a:solidFill>
+                  <a:schemeClr val="tx1"/>
+                </a:solidFill>
+                <a:latin typeface="+mn-lt"/>
+                <a:ea typeface="+mn-ea"/>
+                <a:cs typeface="+mn-cs"/>
+              </a:defRPr>
+            </a:lvl6pPr>
+            <a:lvl7pPr marL="2971800" indent="-228600" algn="l" defTabSz="914400" rtl="0" eaLnBrk="1" latinLnBrk="0" hangingPunct="1">
+              <a:lnSpc>
+                <a:spcPct val="90000"/>
+              </a:lnSpc>
+              <a:spcBef>
+                <a:spcPts val="500"/>
+              </a:spcBef>
+              <a:buFont typeface="Arial" panose="020B0604020202020204" pitchFamily="34" charset="0"/>
+              <a:buChar char="•"/>
+              <a:defRPr sz="1800" kern="1200">
+                <a:solidFill>
+                  <a:schemeClr val="tx1"/>
+                </a:solidFill>
+                <a:latin typeface="+mn-lt"/>
+                <a:ea typeface="+mn-ea"/>
+                <a:cs typeface="+mn-cs"/>
+              </a:defRPr>
+            </a:lvl7pPr>
+            <a:lvl8pPr marL="3429000" indent="-228600" algn="l" defTabSz="914400" rtl="0" eaLnBrk="1" latinLnBrk="0" hangingPunct="1">
+              <a:lnSpc>
+                <a:spcPct val="90000"/>
+              </a:lnSpc>
+              <a:spcBef>
+                <a:spcPts val="500"/>
+              </a:spcBef>
+              <a:buFont typeface="Arial" panose="020B0604020202020204" pitchFamily="34" charset="0"/>
+              <a:buChar char="•"/>
+              <a:defRPr sz="1800" kern="1200">
+                <a:solidFill>
+                  <a:schemeClr val="tx1"/>
+                </a:solidFill>
+                <a:latin typeface="+mn-lt"/>
+                <a:ea typeface="+mn-ea"/>
+                <a:cs typeface="+mn-cs"/>
+              </a:defRPr>
+            </a:lvl8pPr>
+            <a:lvl9pPr marL="3886200" indent="-228600" algn="l" defTabSz="914400" rtl="0" eaLnBrk="1" latinLnBrk="0" hangingPunct="1">
+              <a:lnSpc>
+                <a:spcPct val="90000"/>
+              </a:lnSpc>
+              <a:spcBef>
+                <a:spcPts val="500"/>
+              </a:spcBef>
+              <a:buFont typeface="Arial" panose="020B0604020202020204" pitchFamily="34" charset="0"/>
+              <a:buChar char="•"/>
+              <a:defRPr sz="1800" kern="1200">
+                <a:solidFill>
+                  <a:schemeClr val="tx1"/>
+                </a:solidFill>
+                <a:latin typeface="+mn-lt"/>
+                <a:ea typeface="+mn-ea"/>
+                <a:cs typeface="+mn-cs"/>
+              </a:defRPr>
+            </a:lvl9pPr>
+          </a:lstStyle>
+          <a:p>
+            <a:pPr fontAlgn="auto">
+              <a:spcAft>
+                <a:spcPts val="0"/>
+              </a:spcAft>
+            </a:pPr>
+            <a:r>
+              <a:rPr lang="en-US" sz="2000" dirty="0"/>
               <a:t>A module manifest is a PowerShell data file that contains data about the module, and has a </a:t>
             </a:r>
             <a:r>
-              <a:rPr lang="en-US" b="1" dirty="0">
+              <a:rPr lang="en-US" sz="2000" b="1" dirty="0">
                 <a:latin typeface="Consolas" panose="020B0609020204030204" pitchFamily="49" charset="0"/>
               </a:rPr>
               <a:t>.psd1</a:t>
             </a:r>
             <a:r>
-              <a:rPr lang="en-US" dirty="0"/>
+              <a:rPr lang="en-US" sz="2000" dirty="0"/>
               <a:t> file extension.</a:t>
             </a:r>
           </a:p>
           <a:p>
-            <a:r>
-              <a:rPr lang="en-US" dirty="0"/>
+            <a:pPr fontAlgn="auto">
+              <a:spcAft>
+                <a:spcPts val="0"/>
+              </a:spcAft>
+            </a:pPr>
+            <a:r>
+              <a:rPr lang="en-US" sz="2000" dirty="0"/>
               <a:t>It looks and runs like a rudimentary PowerShell script that returns a hash table with a predefined set of key names that specify information such as author, version, required modules, required PowerShell versions, etc.</a:t>
             </a:r>
           </a:p>
           <a:p>
-            <a:r>
-              <a:rPr lang="en-US" dirty="0"/>
+            <a:pPr fontAlgn="auto">
+              <a:spcAft>
+                <a:spcPts val="0"/>
+              </a:spcAft>
+            </a:pPr>
+            <a:r>
+              <a:rPr lang="en-US" sz="2000" dirty="0"/>
               <a:t>Create a manifest with </a:t>
             </a:r>
             <a:r>
-              <a:rPr lang="en-US" b="1" dirty="0">
+              <a:rPr lang="en-US" sz="2000" b="1" dirty="0">
                 <a:latin typeface="Consolas" panose="020B0609020204030204" pitchFamily="49" charset="0"/>
               </a:rPr>
               <a:t>New-</a:t>
             </a:r>
             <a:r>
-              <a:rPr lang="en-US" b="1" dirty="0" err="1">
+              <a:rPr lang="en-US" sz="2000" b="1" dirty="0" err="1">
                 <a:latin typeface="Consolas" panose="020B0609020204030204" pitchFamily="49" charset="0"/>
               </a:rPr>
               <a:t>ModuleManifest</a:t>
             </a:r>
             <a:r>
-              <a:rPr lang="en-US" dirty="0"/>
+              <a:rPr lang="en-US" sz="2000" dirty="0"/>
               <a:t>. Example:</a:t>
             </a:r>
           </a:p>
           <a:p>
-            <a:pPr marL="457200" lvl="1" indent="0">
+            <a:pPr marL="457200" lvl="1" indent="0" fontAlgn="auto">
+              <a:spcAft>
+                <a:spcPts val="0"/>
+              </a:spcAft>
+              <a:buFont typeface="Arial" panose="020B0604020202020204" pitchFamily="34" charset="0"/>
               <a:buNone/>
             </a:pPr>
             <a:r>
-              <a:rPr lang="en-US" b="1" dirty="0">
+              <a:rPr lang="en-US" sz="2000" b="1" dirty="0">
                 <a:latin typeface="Consolas" panose="020B0609020204030204" pitchFamily="49" charset="0"/>
               </a:rPr>
               <a:t>New-</a:t>
             </a:r>
             <a:r>
-              <a:rPr lang="en-US" b="1" dirty="0" err="1">
+              <a:rPr lang="en-US" sz="2000" b="1" dirty="0" err="1">
                 <a:latin typeface="Consolas" panose="020B0609020204030204" pitchFamily="49" charset="0"/>
               </a:rPr>
               <a:t>ModuleManifest</a:t>
             </a:r>
             <a:r>
-              <a:rPr lang="en-US" b="1" dirty="0">
+              <a:rPr lang="en-US" sz="2000" b="1" dirty="0">
                 <a:latin typeface="Consolas" panose="020B0609020204030204" pitchFamily="49" charset="0"/>
               </a:rPr>
               <a:t> Module4.psd1 –</a:t>
             </a:r>
             <a:r>
-              <a:rPr lang="en-US" b="1" dirty="0" err="1">
+              <a:rPr lang="en-US" sz="2000" b="1" dirty="0" err="1">
                 <a:latin typeface="Consolas" panose="020B0609020204030204" pitchFamily="49" charset="0"/>
               </a:rPr>
               <a:t>RootModule</a:t>
             </a:r>
             <a:r>
-              <a:rPr lang="en-US" b="1" dirty="0">
+              <a:rPr lang="en-US" sz="2000" b="1" dirty="0">
                 <a:latin typeface="Consolas" panose="020B0609020204030204" pitchFamily="49" charset="0"/>
               </a:rPr>
               <a:t> Module4.psm1</a:t>
             </a:r>
           </a:p>
           <a:p>
-            <a:r>
-              <a:rPr lang="en-US" dirty="0"/>
+            <a:pPr fontAlgn="auto">
+              <a:spcAft>
+                <a:spcPts val="0"/>
+              </a:spcAft>
+            </a:pPr>
+            <a:r>
+              <a:rPr lang="en-US" sz="2000" dirty="0"/>
               <a:t>Edit the manifest, fill it out with the necessary settings, then use </a:t>
             </a:r>
             <a:r>
-              <a:rPr lang="en-US" b="1" dirty="0">
+              <a:rPr lang="en-US" sz="2000" b="1" dirty="0">
                 <a:latin typeface="Consolas" panose="020B0609020204030204" pitchFamily="49" charset="0"/>
               </a:rPr>
               <a:t>Test-</a:t>
             </a:r>
             <a:r>
-              <a:rPr lang="en-US" b="1" dirty="0" err="1">
+              <a:rPr lang="en-US" sz="2000" b="1" dirty="0" err="1">
                 <a:latin typeface="Consolas" panose="020B0609020204030204" pitchFamily="49" charset="0"/>
               </a:rPr>
               <a:t>ModuleManifest</a:t>
             </a:r>
             <a:r>
-              <a:rPr lang="en-US" dirty="0"/>
+              <a:rPr lang="en-US" sz="2000" dirty="0"/>
               <a:t> to verify it.</a:t>
             </a:r>
           </a:p>
@@ -7502,7 +8577,7 @@
     </p:spTree>
     <p:extLst>
       <p:ext uri="{BB962C8B-B14F-4D97-AF65-F5344CB8AC3E}">
-        <p14:creationId xmlns:p14="http://schemas.microsoft.com/office/powerpoint/2010/main" val="3877965803"/>
+        <p14:creationId xmlns:p14="http://schemas.microsoft.com/office/powerpoint/2010/main" val="296497149"/>
       </p:ext>
     </p:extLst>
   </p:cSld>
@@ -7538,19 +8613,47 @@
               </a:ext>
             </a:extLst>
           </p:cNvPr>
-          <p:cNvSpPr>
-            <a:spLocks noGrp="1"/>
+          <p:cNvSpPr txBox="1">
+            <a:spLocks/>
           </p:cNvSpPr>
-          <p:nvPr>
-            <p:ph type="title"/>
-          </p:nvPr>
+          <p:nvPr/>
         </p:nvSpPr>
-        <p:spPr/>
+        <p:spPr>
+          <a:xfrm>
+            <a:off x="2514977" y="1281552"/>
+            <a:ext cx="7162046" cy="673998"/>
+          </a:xfrm>
+          <a:prstGeom prst="rect">
+            <a:avLst/>
+          </a:prstGeom>
+        </p:spPr>
         <p:txBody>
           <a:bodyPr/>
-          <a:lstStyle/>
-          <a:p>
-            <a:pPr algn="ctr"/>
+          <a:lstStyle>
+            <a:lvl1pPr algn="ctr" defTabSz="914400" rtl="0" eaLnBrk="1" latinLnBrk="0" hangingPunct="1">
+              <a:lnSpc>
+                <a:spcPct val="90000"/>
+              </a:lnSpc>
+              <a:spcBef>
+                <a:spcPct val="0"/>
+              </a:spcBef>
+              <a:buNone/>
+              <a:defRPr sz="4400" kern="1200">
+                <a:solidFill>
+                  <a:schemeClr val="tx1"/>
+                </a:solidFill>
+                <a:latin typeface="+mj-lt"/>
+                <a:ea typeface="+mj-ea"/>
+                <a:cs typeface="+mj-cs"/>
+              </a:defRPr>
+            </a:lvl1pPr>
+          </a:lstStyle>
+          <a:p>
+            <a:pPr fontAlgn="auto">
+              <a:spcAft>
+                <a:spcPts val="0"/>
+              </a:spcAft>
+            </a:pPr>
             <a:r>
               <a:rPr lang="en-US" dirty="0"/>
               <a:t>Manifest language restrictions</a:t>
@@ -7567,84 +8670,287 @@
               </a:ext>
             </a:extLst>
           </p:cNvPr>
-          <p:cNvSpPr>
-            <a:spLocks noGrp="1"/>
+          <p:cNvSpPr txBox="1">
+            <a:spLocks/>
           </p:cNvSpPr>
-          <p:nvPr>
-            <p:ph idx="1"/>
-          </p:nvPr>
+          <p:nvPr/>
         </p:nvSpPr>
-        <p:spPr/>
+        <p:spPr>
+          <a:xfrm>
+            <a:off x="838200" y="2109457"/>
+            <a:ext cx="10515600" cy="4481466"/>
+          </a:xfrm>
+          <a:prstGeom prst="rect">
+            <a:avLst/>
+          </a:prstGeom>
+        </p:spPr>
         <p:txBody>
           <a:bodyPr>
             <a:normAutofit/>
           </a:bodyPr>
-          <a:lstStyle/>
-          <a:p>
-            <a:r>
-              <a:rPr lang="en-US" dirty="0"/>
+          <a:lstStyle>
+            <a:lvl1pPr marL="228600" indent="-228600" algn="l" defTabSz="914400" rtl="0" eaLnBrk="1" latinLnBrk="0" hangingPunct="1">
+              <a:lnSpc>
+                <a:spcPct val="90000"/>
+              </a:lnSpc>
+              <a:spcBef>
+                <a:spcPts val="1000"/>
+              </a:spcBef>
+              <a:buFont typeface="Arial" panose="020B0604020202020204" pitchFamily="34" charset="0"/>
+              <a:buChar char="•"/>
+              <a:defRPr sz="2800" kern="1200">
+                <a:solidFill>
+                  <a:schemeClr val="tx1"/>
+                </a:solidFill>
+                <a:latin typeface="+mn-lt"/>
+                <a:ea typeface="+mn-ea"/>
+                <a:cs typeface="+mn-cs"/>
+              </a:defRPr>
+            </a:lvl1pPr>
+            <a:lvl2pPr marL="685800" indent="-228600" algn="l" defTabSz="914400" rtl="0" eaLnBrk="1" latinLnBrk="0" hangingPunct="1">
+              <a:lnSpc>
+                <a:spcPct val="90000"/>
+              </a:lnSpc>
+              <a:spcBef>
+                <a:spcPts val="500"/>
+              </a:spcBef>
+              <a:buFont typeface="Arial" panose="020B0604020202020204" pitchFamily="34" charset="0"/>
+              <a:buChar char="•"/>
+              <a:defRPr sz="2400" kern="1200">
+                <a:solidFill>
+                  <a:schemeClr val="tx1"/>
+                </a:solidFill>
+                <a:latin typeface="+mn-lt"/>
+                <a:ea typeface="+mn-ea"/>
+                <a:cs typeface="+mn-cs"/>
+              </a:defRPr>
+            </a:lvl2pPr>
+            <a:lvl3pPr marL="1143000" indent="-228600" algn="l" defTabSz="914400" rtl="0" eaLnBrk="1" latinLnBrk="0" hangingPunct="1">
+              <a:lnSpc>
+                <a:spcPct val="90000"/>
+              </a:lnSpc>
+              <a:spcBef>
+                <a:spcPts val="500"/>
+              </a:spcBef>
+              <a:buFont typeface="Arial" panose="020B0604020202020204" pitchFamily="34" charset="0"/>
+              <a:buChar char="•"/>
+              <a:defRPr sz="2000" kern="1200">
+                <a:solidFill>
+                  <a:schemeClr val="tx1"/>
+                </a:solidFill>
+                <a:latin typeface="+mn-lt"/>
+                <a:ea typeface="+mn-ea"/>
+                <a:cs typeface="+mn-cs"/>
+              </a:defRPr>
+            </a:lvl3pPr>
+            <a:lvl4pPr marL="1600200" indent="-228600" algn="l" defTabSz="914400" rtl="0" eaLnBrk="1" latinLnBrk="0" hangingPunct="1">
+              <a:lnSpc>
+                <a:spcPct val="90000"/>
+              </a:lnSpc>
+              <a:spcBef>
+                <a:spcPts val="500"/>
+              </a:spcBef>
+              <a:buFont typeface="Arial" panose="020B0604020202020204" pitchFamily="34" charset="0"/>
+              <a:buChar char="•"/>
+              <a:defRPr sz="1800" kern="1200">
+                <a:solidFill>
+                  <a:schemeClr val="tx1"/>
+                </a:solidFill>
+                <a:latin typeface="+mn-lt"/>
+                <a:ea typeface="+mn-ea"/>
+                <a:cs typeface="+mn-cs"/>
+              </a:defRPr>
+            </a:lvl4pPr>
+            <a:lvl5pPr marL="2057400" indent="-228600" algn="l" defTabSz="914400" rtl="0" eaLnBrk="1" latinLnBrk="0" hangingPunct="1">
+              <a:lnSpc>
+                <a:spcPct val="90000"/>
+              </a:lnSpc>
+              <a:spcBef>
+                <a:spcPts val="500"/>
+              </a:spcBef>
+              <a:buFont typeface="Arial" panose="020B0604020202020204" pitchFamily="34" charset="0"/>
+              <a:buChar char="•"/>
+              <a:defRPr sz="1800" kern="1200">
+                <a:solidFill>
+                  <a:schemeClr val="tx1"/>
+                </a:solidFill>
+                <a:latin typeface="+mn-lt"/>
+                <a:ea typeface="+mn-ea"/>
+                <a:cs typeface="+mn-cs"/>
+              </a:defRPr>
+            </a:lvl5pPr>
+            <a:lvl6pPr marL="2514600" indent="-228600" algn="l" defTabSz="914400" rtl="0" eaLnBrk="1" latinLnBrk="0" hangingPunct="1">
+              <a:lnSpc>
+                <a:spcPct val="90000"/>
+              </a:lnSpc>
+              <a:spcBef>
+                <a:spcPts val="500"/>
+              </a:spcBef>
+              <a:buFont typeface="Arial" panose="020B0604020202020204" pitchFamily="34" charset="0"/>
+              <a:buChar char="•"/>
+              <a:defRPr sz="1800" kern="1200">
+                <a:solidFill>
+                  <a:schemeClr val="tx1"/>
+                </a:solidFill>
+                <a:latin typeface="+mn-lt"/>
+                <a:ea typeface="+mn-ea"/>
+                <a:cs typeface="+mn-cs"/>
+              </a:defRPr>
+            </a:lvl6pPr>
+            <a:lvl7pPr marL="2971800" indent="-228600" algn="l" defTabSz="914400" rtl="0" eaLnBrk="1" latinLnBrk="0" hangingPunct="1">
+              <a:lnSpc>
+                <a:spcPct val="90000"/>
+              </a:lnSpc>
+              <a:spcBef>
+                <a:spcPts val="500"/>
+              </a:spcBef>
+              <a:buFont typeface="Arial" panose="020B0604020202020204" pitchFamily="34" charset="0"/>
+              <a:buChar char="•"/>
+              <a:defRPr sz="1800" kern="1200">
+                <a:solidFill>
+                  <a:schemeClr val="tx1"/>
+                </a:solidFill>
+                <a:latin typeface="+mn-lt"/>
+                <a:ea typeface="+mn-ea"/>
+                <a:cs typeface="+mn-cs"/>
+              </a:defRPr>
+            </a:lvl7pPr>
+            <a:lvl8pPr marL="3429000" indent="-228600" algn="l" defTabSz="914400" rtl="0" eaLnBrk="1" latinLnBrk="0" hangingPunct="1">
+              <a:lnSpc>
+                <a:spcPct val="90000"/>
+              </a:lnSpc>
+              <a:spcBef>
+                <a:spcPts val="500"/>
+              </a:spcBef>
+              <a:buFont typeface="Arial" panose="020B0604020202020204" pitchFamily="34" charset="0"/>
+              <a:buChar char="•"/>
+              <a:defRPr sz="1800" kern="1200">
+                <a:solidFill>
+                  <a:schemeClr val="tx1"/>
+                </a:solidFill>
+                <a:latin typeface="+mn-lt"/>
+                <a:ea typeface="+mn-ea"/>
+                <a:cs typeface="+mn-cs"/>
+              </a:defRPr>
+            </a:lvl8pPr>
+            <a:lvl9pPr marL="3886200" indent="-228600" algn="l" defTabSz="914400" rtl="0" eaLnBrk="1" latinLnBrk="0" hangingPunct="1">
+              <a:lnSpc>
+                <a:spcPct val="90000"/>
+              </a:lnSpc>
+              <a:spcBef>
+                <a:spcPts val="500"/>
+              </a:spcBef>
+              <a:buFont typeface="Arial" panose="020B0604020202020204" pitchFamily="34" charset="0"/>
+              <a:buChar char="•"/>
+              <a:defRPr sz="1800" kern="1200">
+                <a:solidFill>
+                  <a:schemeClr val="tx1"/>
+                </a:solidFill>
+                <a:latin typeface="+mn-lt"/>
+                <a:ea typeface="+mn-ea"/>
+                <a:cs typeface="+mn-cs"/>
+              </a:defRPr>
+            </a:lvl9pPr>
+          </a:lstStyle>
+          <a:p>
+            <a:pPr fontAlgn="auto">
+              <a:spcAft>
+                <a:spcPts val="0"/>
+              </a:spcAft>
+            </a:pPr>
+            <a:r>
+              <a:rPr lang="en-US" sz="2000" dirty="0"/>
               <a:t>A PowerShell module manifest may contain:</a:t>
             </a:r>
           </a:p>
           <a:p>
-            <a:pPr lvl="1"/>
-            <a:r>
-              <a:rPr lang="en-US" dirty="0"/>
+            <a:pPr lvl="1" fontAlgn="auto">
+              <a:spcAft>
+                <a:spcPts val="0"/>
+              </a:spcAft>
+            </a:pPr>
+            <a:r>
+              <a:rPr lang="en-US" sz="2000" dirty="0"/>
               <a:t>essential PowerShell data types, such as numbers, strings, hash tables, etc.</a:t>
             </a:r>
           </a:p>
           <a:p>
-            <a:pPr lvl="1"/>
-            <a:r>
-              <a:rPr lang="en-US" b="1" dirty="0">
+            <a:pPr lvl="1" fontAlgn="auto">
+              <a:spcAft>
+                <a:spcPts val="0"/>
+              </a:spcAft>
+            </a:pPr>
+            <a:r>
+              <a:rPr lang="en-US" sz="2000" b="1" dirty="0">
                 <a:latin typeface="Consolas" panose="020B0609020204030204" pitchFamily="49" charset="0"/>
               </a:rPr>
               <a:t>if</a:t>
             </a:r>
             <a:r>
-              <a:rPr lang="en-US" dirty="0"/>
+              <a:rPr lang="en-US" sz="2000" dirty="0"/>
               <a:t>  statements  (decision/selection/conditional execution)</a:t>
             </a:r>
           </a:p>
           <a:p>
-            <a:pPr lvl="1"/>
-            <a:r>
-              <a:rPr lang="en-US" dirty="0"/>
+            <a:pPr lvl="1" fontAlgn="auto">
+              <a:spcAft>
+                <a:spcPts val="0"/>
+              </a:spcAft>
+            </a:pPr>
+            <a:r>
+              <a:rPr lang="en-US" sz="2000" dirty="0"/>
               <a:t>arithmetic and comparison operators.</a:t>
             </a:r>
           </a:p>
           <a:p>
-            <a:r>
-              <a:rPr lang="en-US" dirty="0"/>
+            <a:pPr fontAlgn="auto">
+              <a:spcAft>
+                <a:spcPts val="0"/>
+              </a:spcAft>
+            </a:pPr>
+            <a:r>
+              <a:rPr lang="en-US" sz="2000" dirty="0"/>
               <a:t>A PowerShell module manifest </a:t>
             </a:r>
             <a:r>
-              <a:rPr lang="en-US" i="1" dirty="0"/>
+              <a:rPr lang="en-US" sz="2000" i="1" dirty="0"/>
               <a:t>must not contain</a:t>
             </a:r>
             <a:r>
-              <a:rPr lang="en-US" dirty="0"/>
+              <a:rPr lang="en-US" sz="2000" dirty="0"/>
               <a:t> most of PowerShell’s other language features, such as:</a:t>
             </a:r>
           </a:p>
           <a:p>
-            <a:pPr lvl="1"/>
-            <a:r>
-              <a:rPr lang="en-US" dirty="0"/>
+            <a:pPr lvl="1" fontAlgn="auto">
+              <a:spcAft>
+                <a:spcPts val="0"/>
+              </a:spcAft>
+            </a:pPr>
+            <a:r>
+              <a:rPr lang="en-US" sz="2000" dirty="0"/>
               <a:t>assignment statements</a:t>
             </a:r>
           </a:p>
           <a:p>
-            <a:pPr lvl="1"/>
-            <a:r>
-              <a:rPr lang="en-US" dirty="0"/>
+            <a:pPr lvl="1" fontAlgn="auto">
+              <a:spcAft>
+                <a:spcPts val="0"/>
+              </a:spcAft>
+            </a:pPr>
+            <a:r>
+              <a:rPr lang="en-US" sz="2000" dirty="0"/>
               <a:t>function definitions</a:t>
             </a:r>
           </a:p>
           <a:p>
-            <a:pPr lvl="1"/>
-            <a:r>
-              <a:rPr lang="en-US" dirty="0"/>
+            <a:pPr lvl="1" fontAlgn="auto">
+              <a:spcAft>
+                <a:spcPts val="0"/>
+              </a:spcAft>
+            </a:pPr>
+            <a:r>
+              <a:rPr lang="en-US" sz="2000" dirty="0"/>
               <a:t>loop statements</a:t>
             </a:r>
           </a:p>
@@ -7653,7 +8959,7 @@
     </p:spTree>
     <p:extLst>
       <p:ext uri="{BB962C8B-B14F-4D97-AF65-F5344CB8AC3E}">
-        <p14:creationId xmlns:p14="http://schemas.microsoft.com/office/powerpoint/2010/main" val="639389324"/>
+        <p14:creationId xmlns:p14="http://schemas.microsoft.com/office/powerpoint/2010/main" val="315182343"/>
       </p:ext>
     </p:extLst>
   </p:cSld>
@@ -7689,19 +8995,47 @@
               </a:ext>
             </a:extLst>
           </p:cNvPr>
-          <p:cNvSpPr>
-            <a:spLocks noGrp="1"/>
+          <p:cNvSpPr txBox="1">
+            <a:spLocks/>
           </p:cNvSpPr>
-          <p:nvPr>
-            <p:ph type="title"/>
-          </p:nvPr>
+          <p:nvPr/>
         </p:nvSpPr>
-        <p:spPr/>
+        <p:spPr>
+          <a:xfrm>
+            <a:off x="1700164" y="1333847"/>
+            <a:ext cx="8791669" cy="639810"/>
+          </a:xfrm>
+          <a:prstGeom prst="rect">
+            <a:avLst/>
+          </a:prstGeom>
+        </p:spPr>
         <p:txBody>
           <a:bodyPr/>
-          <a:lstStyle/>
-          <a:p>
-            <a:pPr algn="ctr"/>
+          <a:lstStyle>
+            <a:lvl1pPr algn="ctr" defTabSz="914400" rtl="0" eaLnBrk="1" latinLnBrk="0" hangingPunct="1">
+              <a:lnSpc>
+                <a:spcPct val="90000"/>
+              </a:lnSpc>
+              <a:spcBef>
+                <a:spcPct val="0"/>
+              </a:spcBef>
+              <a:buNone/>
+              <a:defRPr sz="4400" kern="1200">
+                <a:solidFill>
+                  <a:schemeClr val="tx1"/>
+                </a:solidFill>
+                <a:latin typeface="+mj-lt"/>
+                <a:ea typeface="+mj-ea"/>
+                <a:cs typeface="+mj-cs"/>
+              </a:defRPr>
+            </a:lvl1pPr>
+          </a:lstStyle>
+          <a:p>
+            <a:pPr fontAlgn="auto">
+              <a:spcAft>
+                <a:spcPts val="0"/>
+              </a:spcAft>
+            </a:pPr>
             <a:r>
               <a:rPr lang="en-US" dirty="0"/>
               <a:t>Limited manifest language exceptions</a:t>
@@ -7718,56 +9052,235 @@
               </a:ext>
             </a:extLst>
           </p:cNvPr>
-          <p:cNvSpPr>
-            <a:spLocks noGrp="1"/>
+          <p:cNvSpPr txBox="1">
+            <a:spLocks/>
           </p:cNvSpPr>
-          <p:nvPr>
-            <p:ph idx="1"/>
-          </p:nvPr>
+          <p:nvPr/>
         </p:nvSpPr>
-        <p:spPr/>
+        <p:spPr>
+          <a:xfrm>
+            <a:off x="838199" y="2109458"/>
+            <a:ext cx="10515600" cy="2284648"/>
+          </a:xfrm>
+          <a:prstGeom prst="rect">
+            <a:avLst/>
+          </a:prstGeom>
+        </p:spPr>
         <p:txBody>
           <a:bodyPr>
             <a:normAutofit/>
           </a:bodyPr>
-          <a:lstStyle/>
-          <a:p>
-            <a:r>
-              <a:rPr lang="en-US" dirty="0"/>
+          <a:lstStyle>
+            <a:lvl1pPr marL="228600" indent="-228600" algn="l" defTabSz="914400" rtl="0" eaLnBrk="1" latinLnBrk="0" hangingPunct="1">
+              <a:lnSpc>
+                <a:spcPct val="90000"/>
+              </a:lnSpc>
+              <a:spcBef>
+                <a:spcPts val="1000"/>
+              </a:spcBef>
+              <a:buFont typeface="Arial" panose="020B0604020202020204" pitchFamily="34" charset="0"/>
+              <a:buChar char="•"/>
+              <a:defRPr sz="2800" kern="1200">
+                <a:solidFill>
+                  <a:schemeClr val="tx1"/>
+                </a:solidFill>
+                <a:latin typeface="+mn-lt"/>
+                <a:ea typeface="+mn-ea"/>
+                <a:cs typeface="+mn-cs"/>
+              </a:defRPr>
+            </a:lvl1pPr>
+            <a:lvl2pPr marL="685800" indent="-228600" algn="l" defTabSz="914400" rtl="0" eaLnBrk="1" latinLnBrk="0" hangingPunct="1">
+              <a:lnSpc>
+                <a:spcPct val="90000"/>
+              </a:lnSpc>
+              <a:spcBef>
+                <a:spcPts val="500"/>
+              </a:spcBef>
+              <a:buFont typeface="Arial" panose="020B0604020202020204" pitchFamily="34" charset="0"/>
+              <a:buChar char="•"/>
+              <a:defRPr sz="2400" kern="1200">
+                <a:solidFill>
+                  <a:schemeClr val="tx1"/>
+                </a:solidFill>
+                <a:latin typeface="+mn-lt"/>
+                <a:ea typeface="+mn-ea"/>
+                <a:cs typeface="+mn-cs"/>
+              </a:defRPr>
+            </a:lvl2pPr>
+            <a:lvl3pPr marL="1143000" indent="-228600" algn="l" defTabSz="914400" rtl="0" eaLnBrk="1" latinLnBrk="0" hangingPunct="1">
+              <a:lnSpc>
+                <a:spcPct val="90000"/>
+              </a:lnSpc>
+              <a:spcBef>
+                <a:spcPts val="500"/>
+              </a:spcBef>
+              <a:buFont typeface="Arial" panose="020B0604020202020204" pitchFamily="34" charset="0"/>
+              <a:buChar char="•"/>
+              <a:defRPr sz="2000" kern="1200">
+                <a:solidFill>
+                  <a:schemeClr val="tx1"/>
+                </a:solidFill>
+                <a:latin typeface="+mn-lt"/>
+                <a:ea typeface="+mn-ea"/>
+                <a:cs typeface="+mn-cs"/>
+              </a:defRPr>
+            </a:lvl3pPr>
+            <a:lvl4pPr marL="1600200" indent="-228600" algn="l" defTabSz="914400" rtl="0" eaLnBrk="1" latinLnBrk="0" hangingPunct="1">
+              <a:lnSpc>
+                <a:spcPct val="90000"/>
+              </a:lnSpc>
+              <a:spcBef>
+                <a:spcPts val="500"/>
+              </a:spcBef>
+              <a:buFont typeface="Arial" panose="020B0604020202020204" pitchFamily="34" charset="0"/>
+              <a:buChar char="•"/>
+              <a:defRPr sz="1800" kern="1200">
+                <a:solidFill>
+                  <a:schemeClr val="tx1"/>
+                </a:solidFill>
+                <a:latin typeface="+mn-lt"/>
+                <a:ea typeface="+mn-ea"/>
+                <a:cs typeface="+mn-cs"/>
+              </a:defRPr>
+            </a:lvl4pPr>
+            <a:lvl5pPr marL="2057400" indent="-228600" algn="l" defTabSz="914400" rtl="0" eaLnBrk="1" latinLnBrk="0" hangingPunct="1">
+              <a:lnSpc>
+                <a:spcPct val="90000"/>
+              </a:lnSpc>
+              <a:spcBef>
+                <a:spcPts val="500"/>
+              </a:spcBef>
+              <a:buFont typeface="Arial" panose="020B0604020202020204" pitchFamily="34" charset="0"/>
+              <a:buChar char="•"/>
+              <a:defRPr sz="1800" kern="1200">
+                <a:solidFill>
+                  <a:schemeClr val="tx1"/>
+                </a:solidFill>
+                <a:latin typeface="+mn-lt"/>
+                <a:ea typeface="+mn-ea"/>
+                <a:cs typeface="+mn-cs"/>
+              </a:defRPr>
+            </a:lvl5pPr>
+            <a:lvl6pPr marL="2514600" indent="-228600" algn="l" defTabSz="914400" rtl="0" eaLnBrk="1" latinLnBrk="0" hangingPunct="1">
+              <a:lnSpc>
+                <a:spcPct val="90000"/>
+              </a:lnSpc>
+              <a:spcBef>
+                <a:spcPts val="500"/>
+              </a:spcBef>
+              <a:buFont typeface="Arial" panose="020B0604020202020204" pitchFamily="34" charset="0"/>
+              <a:buChar char="•"/>
+              <a:defRPr sz="1800" kern="1200">
+                <a:solidFill>
+                  <a:schemeClr val="tx1"/>
+                </a:solidFill>
+                <a:latin typeface="+mn-lt"/>
+                <a:ea typeface="+mn-ea"/>
+                <a:cs typeface="+mn-cs"/>
+              </a:defRPr>
+            </a:lvl6pPr>
+            <a:lvl7pPr marL="2971800" indent="-228600" algn="l" defTabSz="914400" rtl="0" eaLnBrk="1" latinLnBrk="0" hangingPunct="1">
+              <a:lnSpc>
+                <a:spcPct val="90000"/>
+              </a:lnSpc>
+              <a:spcBef>
+                <a:spcPts val="500"/>
+              </a:spcBef>
+              <a:buFont typeface="Arial" panose="020B0604020202020204" pitchFamily="34" charset="0"/>
+              <a:buChar char="•"/>
+              <a:defRPr sz="1800" kern="1200">
+                <a:solidFill>
+                  <a:schemeClr val="tx1"/>
+                </a:solidFill>
+                <a:latin typeface="+mn-lt"/>
+                <a:ea typeface="+mn-ea"/>
+                <a:cs typeface="+mn-cs"/>
+              </a:defRPr>
+            </a:lvl7pPr>
+            <a:lvl8pPr marL="3429000" indent="-228600" algn="l" defTabSz="914400" rtl="0" eaLnBrk="1" latinLnBrk="0" hangingPunct="1">
+              <a:lnSpc>
+                <a:spcPct val="90000"/>
+              </a:lnSpc>
+              <a:spcBef>
+                <a:spcPts val="500"/>
+              </a:spcBef>
+              <a:buFont typeface="Arial" panose="020B0604020202020204" pitchFamily="34" charset="0"/>
+              <a:buChar char="•"/>
+              <a:defRPr sz="1800" kern="1200">
+                <a:solidFill>
+                  <a:schemeClr val="tx1"/>
+                </a:solidFill>
+                <a:latin typeface="+mn-lt"/>
+                <a:ea typeface="+mn-ea"/>
+                <a:cs typeface="+mn-cs"/>
+              </a:defRPr>
+            </a:lvl8pPr>
+            <a:lvl9pPr marL="3886200" indent="-228600" algn="l" defTabSz="914400" rtl="0" eaLnBrk="1" latinLnBrk="0" hangingPunct="1">
+              <a:lnSpc>
+                <a:spcPct val="90000"/>
+              </a:lnSpc>
+              <a:spcBef>
+                <a:spcPts val="500"/>
+              </a:spcBef>
+              <a:buFont typeface="Arial" panose="020B0604020202020204" pitchFamily="34" charset="0"/>
+              <a:buChar char="•"/>
+              <a:defRPr sz="1800" kern="1200">
+                <a:solidFill>
+                  <a:schemeClr val="tx1"/>
+                </a:solidFill>
+                <a:latin typeface="+mn-lt"/>
+                <a:ea typeface="+mn-ea"/>
+                <a:cs typeface="+mn-cs"/>
+              </a:defRPr>
+            </a:lvl9pPr>
+          </a:lstStyle>
+          <a:p>
+            <a:pPr fontAlgn="auto">
+              <a:spcAft>
+                <a:spcPts val="0"/>
+              </a:spcAft>
+            </a:pPr>
+            <a:r>
+              <a:rPr lang="en-US" sz="2000" dirty="0"/>
               <a:t>These restrictions limit module manifest data to static values, but sometimes a manifest needs to accommodate variations regarding systems where the module might be installed, such as drive letters or system directory paths.</a:t>
             </a:r>
           </a:p>
           <a:p>
-            <a:r>
-              <a:rPr lang="en-US" dirty="0"/>
+            <a:pPr fontAlgn="auto">
+              <a:spcAft>
+                <a:spcPts val="0"/>
+              </a:spcAft>
+            </a:pPr>
+            <a:r>
+              <a:rPr lang="en-US" sz="2000" dirty="0"/>
               <a:t>To handle such situations, a manifest may also read from (but not write to) the </a:t>
             </a:r>
             <a:r>
-              <a:rPr lang="en-US" b="1" dirty="0">
+              <a:rPr lang="en-US" sz="2000" b="1" dirty="0">
                 <a:latin typeface="Consolas" panose="020B0609020204030204" pitchFamily="49" charset="0"/>
               </a:rPr>
               <a:t>$Env:</a:t>
             </a:r>
             <a:r>
-              <a:rPr lang="en-US" dirty="0"/>
+              <a:rPr lang="en-US" sz="2000" dirty="0"/>
               <a:t> </a:t>
             </a:r>
             <a:r>
-              <a:rPr lang="en-US" dirty="0" err="1"/>
+              <a:rPr lang="en-US" sz="2000" dirty="0" err="1"/>
               <a:t>PSDrive</a:t>
             </a:r>
             <a:r>
-              <a:rPr lang="en-US" dirty="0"/>
+              <a:rPr lang="en-US" sz="2000" dirty="0"/>
               <a:t> environment provider, and may also use the </a:t>
             </a:r>
             <a:r>
-              <a:rPr lang="en-US" b="1" dirty="0">
+              <a:rPr lang="en-US" sz="2000" b="1" dirty="0">
                 <a:latin typeface="Consolas" panose="020B0609020204030204" pitchFamily="49" charset="0"/>
               </a:rPr>
               <a:t>Join-Path</a:t>
             </a:r>
             <a:r>
-              <a:rPr lang="en-US" dirty="0"/>
+              <a:rPr lang="en-US" sz="2000" dirty="0"/>
               <a:t> cmdlet. That way, elements in a manifest may be dynamically determined at run time.</a:t>
             </a:r>
           </a:p>
@@ -7789,7 +9302,7 @@
         </p:nvSpPr>
         <p:spPr>
           <a:xfrm>
-            <a:off x="6096000" y="6282459"/>
+            <a:off x="6720689" y="6200977"/>
             <a:ext cx="5257800" cy="420832"/>
           </a:xfrm>
           <a:prstGeom prst="rect">
@@ -7982,7 +9495,7 @@
     </p:spTree>
     <p:extLst>
       <p:ext uri="{BB962C8B-B14F-4D97-AF65-F5344CB8AC3E}">
-        <p14:creationId xmlns:p14="http://schemas.microsoft.com/office/powerpoint/2010/main" val="724921324"/>
+        <p14:creationId xmlns:p14="http://schemas.microsoft.com/office/powerpoint/2010/main" val="3769162443"/>
       </p:ext>
     </p:extLst>
   </p:cSld>
@@ -8018,19 +9531,47 @@
               </a:ext>
             </a:extLst>
           </p:cNvPr>
-          <p:cNvSpPr>
-            <a:spLocks noGrp="1"/>
+          <p:cNvSpPr txBox="1">
+            <a:spLocks/>
           </p:cNvSpPr>
-          <p:nvPr>
-            <p:ph type="title"/>
-          </p:nvPr>
+          <p:nvPr/>
         </p:nvSpPr>
-        <p:spPr/>
+        <p:spPr>
+          <a:xfrm>
+            <a:off x="3818676" y="1207096"/>
+            <a:ext cx="4554648" cy="585489"/>
+          </a:xfrm>
+          <a:prstGeom prst="rect">
+            <a:avLst/>
+          </a:prstGeom>
+        </p:spPr>
         <p:txBody>
           <a:bodyPr/>
-          <a:lstStyle/>
-          <a:p>
-            <a:pPr algn="ctr"/>
+          <a:lstStyle>
+            <a:lvl1pPr algn="ctr" defTabSz="914400" rtl="0" eaLnBrk="1" latinLnBrk="0" hangingPunct="1">
+              <a:lnSpc>
+                <a:spcPct val="90000"/>
+              </a:lnSpc>
+              <a:spcBef>
+                <a:spcPct val="0"/>
+              </a:spcBef>
+              <a:buNone/>
+              <a:defRPr sz="4400" kern="1200">
+                <a:solidFill>
+                  <a:schemeClr val="tx1"/>
+                </a:solidFill>
+                <a:latin typeface="+mj-lt"/>
+                <a:ea typeface="+mj-ea"/>
+                <a:cs typeface="+mj-cs"/>
+              </a:defRPr>
+            </a:lvl1pPr>
+          </a:lstStyle>
+          <a:p>
+            <a:pPr fontAlgn="auto">
+              <a:spcAft>
+                <a:spcPts val="0"/>
+              </a:spcAft>
+            </a:pPr>
             <a:r>
               <a:rPr lang="en-US" dirty="0"/>
               <a:t>Version Numbering</a:t>
@@ -8047,131 +9588,329 @@
               </a:ext>
             </a:extLst>
           </p:cNvPr>
-          <p:cNvSpPr>
-            <a:spLocks noGrp="1"/>
+          <p:cNvSpPr txBox="1">
+            <a:spLocks/>
           </p:cNvSpPr>
-          <p:nvPr>
-            <p:ph idx="1"/>
-          </p:nvPr>
+          <p:nvPr/>
         </p:nvSpPr>
         <p:spPr>
           <a:xfrm>
-            <a:off x="838200" y="1493520"/>
-            <a:ext cx="10515600" cy="4683443"/>
+            <a:off x="838200" y="1955247"/>
+            <a:ext cx="10515600" cy="4192056"/>
           </a:xfrm>
+          <a:prstGeom prst="rect">
+            <a:avLst/>
+          </a:prstGeom>
         </p:spPr>
         <p:txBody>
           <a:bodyPr>
             <a:normAutofit/>
           </a:bodyPr>
-          <a:lstStyle/>
-          <a:p>
-            <a:r>
-              <a:rPr lang="en-US" dirty="0"/>
+          <a:lstStyle>
+            <a:lvl1pPr marL="228600" indent="-228600" algn="l" defTabSz="914400" rtl="0" eaLnBrk="1" latinLnBrk="0" hangingPunct="1">
+              <a:lnSpc>
+                <a:spcPct val="90000"/>
+              </a:lnSpc>
+              <a:spcBef>
+                <a:spcPts val="1000"/>
+              </a:spcBef>
+              <a:buFont typeface="Arial" panose="020B0604020202020204" pitchFamily="34" charset="0"/>
+              <a:buChar char="•"/>
+              <a:defRPr sz="2800" kern="1200">
+                <a:solidFill>
+                  <a:schemeClr val="tx1"/>
+                </a:solidFill>
+                <a:latin typeface="+mn-lt"/>
+                <a:ea typeface="+mn-ea"/>
+                <a:cs typeface="+mn-cs"/>
+              </a:defRPr>
+            </a:lvl1pPr>
+            <a:lvl2pPr marL="685800" indent="-228600" algn="l" defTabSz="914400" rtl="0" eaLnBrk="1" latinLnBrk="0" hangingPunct="1">
+              <a:lnSpc>
+                <a:spcPct val="90000"/>
+              </a:lnSpc>
+              <a:spcBef>
+                <a:spcPts val="500"/>
+              </a:spcBef>
+              <a:buFont typeface="Arial" panose="020B0604020202020204" pitchFamily="34" charset="0"/>
+              <a:buChar char="•"/>
+              <a:defRPr sz="2400" kern="1200">
+                <a:solidFill>
+                  <a:schemeClr val="tx1"/>
+                </a:solidFill>
+                <a:latin typeface="+mn-lt"/>
+                <a:ea typeface="+mn-ea"/>
+                <a:cs typeface="+mn-cs"/>
+              </a:defRPr>
+            </a:lvl2pPr>
+            <a:lvl3pPr marL="1143000" indent="-228600" algn="l" defTabSz="914400" rtl="0" eaLnBrk="1" latinLnBrk="0" hangingPunct="1">
+              <a:lnSpc>
+                <a:spcPct val="90000"/>
+              </a:lnSpc>
+              <a:spcBef>
+                <a:spcPts val="500"/>
+              </a:spcBef>
+              <a:buFont typeface="Arial" panose="020B0604020202020204" pitchFamily="34" charset="0"/>
+              <a:buChar char="•"/>
+              <a:defRPr sz="2000" kern="1200">
+                <a:solidFill>
+                  <a:schemeClr val="tx1"/>
+                </a:solidFill>
+                <a:latin typeface="+mn-lt"/>
+                <a:ea typeface="+mn-ea"/>
+                <a:cs typeface="+mn-cs"/>
+              </a:defRPr>
+            </a:lvl3pPr>
+            <a:lvl4pPr marL="1600200" indent="-228600" algn="l" defTabSz="914400" rtl="0" eaLnBrk="1" latinLnBrk="0" hangingPunct="1">
+              <a:lnSpc>
+                <a:spcPct val="90000"/>
+              </a:lnSpc>
+              <a:spcBef>
+                <a:spcPts val="500"/>
+              </a:spcBef>
+              <a:buFont typeface="Arial" panose="020B0604020202020204" pitchFamily="34" charset="0"/>
+              <a:buChar char="•"/>
+              <a:defRPr sz="1800" kern="1200">
+                <a:solidFill>
+                  <a:schemeClr val="tx1"/>
+                </a:solidFill>
+                <a:latin typeface="+mn-lt"/>
+                <a:ea typeface="+mn-ea"/>
+                <a:cs typeface="+mn-cs"/>
+              </a:defRPr>
+            </a:lvl4pPr>
+            <a:lvl5pPr marL="2057400" indent="-228600" algn="l" defTabSz="914400" rtl="0" eaLnBrk="1" latinLnBrk="0" hangingPunct="1">
+              <a:lnSpc>
+                <a:spcPct val="90000"/>
+              </a:lnSpc>
+              <a:spcBef>
+                <a:spcPts val="500"/>
+              </a:spcBef>
+              <a:buFont typeface="Arial" panose="020B0604020202020204" pitchFamily="34" charset="0"/>
+              <a:buChar char="•"/>
+              <a:defRPr sz="1800" kern="1200">
+                <a:solidFill>
+                  <a:schemeClr val="tx1"/>
+                </a:solidFill>
+                <a:latin typeface="+mn-lt"/>
+                <a:ea typeface="+mn-ea"/>
+                <a:cs typeface="+mn-cs"/>
+              </a:defRPr>
+            </a:lvl5pPr>
+            <a:lvl6pPr marL="2514600" indent="-228600" algn="l" defTabSz="914400" rtl="0" eaLnBrk="1" latinLnBrk="0" hangingPunct="1">
+              <a:lnSpc>
+                <a:spcPct val="90000"/>
+              </a:lnSpc>
+              <a:spcBef>
+                <a:spcPts val="500"/>
+              </a:spcBef>
+              <a:buFont typeface="Arial" panose="020B0604020202020204" pitchFamily="34" charset="0"/>
+              <a:buChar char="•"/>
+              <a:defRPr sz="1800" kern="1200">
+                <a:solidFill>
+                  <a:schemeClr val="tx1"/>
+                </a:solidFill>
+                <a:latin typeface="+mn-lt"/>
+                <a:ea typeface="+mn-ea"/>
+                <a:cs typeface="+mn-cs"/>
+              </a:defRPr>
+            </a:lvl6pPr>
+            <a:lvl7pPr marL="2971800" indent="-228600" algn="l" defTabSz="914400" rtl="0" eaLnBrk="1" latinLnBrk="0" hangingPunct="1">
+              <a:lnSpc>
+                <a:spcPct val="90000"/>
+              </a:lnSpc>
+              <a:spcBef>
+                <a:spcPts val="500"/>
+              </a:spcBef>
+              <a:buFont typeface="Arial" panose="020B0604020202020204" pitchFamily="34" charset="0"/>
+              <a:buChar char="•"/>
+              <a:defRPr sz="1800" kern="1200">
+                <a:solidFill>
+                  <a:schemeClr val="tx1"/>
+                </a:solidFill>
+                <a:latin typeface="+mn-lt"/>
+                <a:ea typeface="+mn-ea"/>
+                <a:cs typeface="+mn-cs"/>
+              </a:defRPr>
+            </a:lvl7pPr>
+            <a:lvl8pPr marL="3429000" indent="-228600" algn="l" defTabSz="914400" rtl="0" eaLnBrk="1" latinLnBrk="0" hangingPunct="1">
+              <a:lnSpc>
+                <a:spcPct val="90000"/>
+              </a:lnSpc>
+              <a:spcBef>
+                <a:spcPts val="500"/>
+              </a:spcBef>
+              <a:buFont typeface="Arial" panose="020B0604020202020204" pitchFamily="34" charset="0"/>
+              <a:buChar char="•"/>
+              <a:defRPr sz="1800" kern="1200">
+                <a:solidFill>
+                  <a:schemeClr val="tx1"/>
+                </a:solidFill>
+                <a:latin typeface="+mn-lt"/>
+                <a:ea typeface="+mn-ea"/>
+                <a:cs typeface="+mn-cs"/>
+              </a:defRPr>
+            </a:lvl8pPr>
+            <a:lvl9pPr marL="3886200" indent="-228600" algn="l" defTabSz="914400" rtl="0" eaLnBrk="1" latinLnBrk="0" hangingPunct="1">
+              <a:lnSpc>
+                <a:spcPct val="90000"/>
+              </a:lnSpc>
+              <a:spcBef>
+                <a:spcPts val="500"/>
+              </a:spcBef>
+              <a:buFont typeface="Arial" panose="020B0604020202020204" pitchFamily="34" charset="0"/>
+              <a:buChar char="•"/>
+              <a:defRPr sz="1800" kern="1200">
+                <a:solidFill>
+                  <a:schemeClr val="tx1"/>
+                </a:solidFill>
+                <a:latin typeface="+mn-lt"/>
+                <a:ea typeface="+mn-ea"/>
+                <a:cs typeface="+mn-cs"/>
+              </a:defRPr>
+            </a:lvl9pPr>
+          </a:lstStyle>
+          <a:p>
+            <a:pPr fontAlgn="auto">
+              <a:spcAft>
+                <a:spcPts val="0"/>
+              </a:spcAft>
+            </a:pPr>
+            <a:r>
+              <a:rPr lang="en-US" sz="2000" dirty="0"/>
               <a:t>Four numeric components: </a:t>
             </a:r>
             <a:r>
-              <a:rPr lang="en-US" i="1" dirty="0"/>
+              <a:rPr lang="en-US" sz="2000" i="1" dirty="0"/>
               <a:t>major</a:t>
             </a:r>
             <a:r>
-              <a:rPr lang="en-US" dirty="0"/>
+              <a:rPr lang="en-US" sz="2000" dirty="0"/>
               <a:t>, </a:t>
             </a:r>
             <a:r>
-              <a:rPr lang="en-US" i="1" dirty="0"/>
+              <a:rPr lang="en-US" sz="2000" i="1" dirty="0"/>
               <a:t>minor</a:t>
             </a:r>
             <a:r>
-              <a:rPr lang="en-US" dirty="0"/>
+              <a:rPr lang="en-US" sz="2000" dirty="0"/>
               <a:t>, </a:t>
             </a:r>
             <a:r>
-              <a:rPr lang="en-US" i="1" dirty="0"/>
+              <a:rPr lang="en-US" sz="2000" i="1" dirty="0"/>
               <a:t>build</a:t>
             </a:r>
             <a:r>
-              <a:rPr lang="en-US" dirty="0"/>
+              <a:rPr lang="en-US" sz="2000" dirty="0"/>
               <a:t>, </a:t>
             </a:r>
             <a:r>
-              <a:rPr lang="en-US" i="1" dirty="0"/>
+              <a:rPr lang="en-US" sz="2000" i="1" dirty="0"/>
               <a:t>revision</a:t>
             </a:r>
             <a:r>
-              <a:rPr lang="en-US" dirty="0"/>
+              <a:rPr lang="en-US" sz="2000" dirty="0"/>
               <a:t>.</a:t>
             </a:r>
           </a:p>
           <a:p>
-            <a:pPr lvl="1"/>
-            <a:r>
-              <a:rPr lang="en-US" dirty="0"/>
+            <a:pPr lvl="1" fontAlgn="auto">
+              <a:spcAft>
+                <a:spcPts val="0"/>
+              </a:spcAft>
+            </a:pPr>
+            <a:r>
+              <a:rPr lang="en-US" sz="2000" dirty="0"/>
               <a:t>Only the first two components are required. The build number and revision number are optional.</a:t>
             </a:r>
           </a:p>
           <a:p>
-            <a:pPr lvl="1"/>
-            <a:r>
-              <a:rPr lang="en-US" dirty="0"/>
+            <a:pPr lvl="1" fontAlgn="auto">
+              <a:spcAft>
+                <a:spcPts val="0"/>
+              </a:spcAft>
+            </a:pPr>
+            <a:r>
+              <a:rPr lang="en-US" sz="2000" dirty="0"/>
               <a:t>You’ll see this represented in syntax documentation that uses square brackets to denote optional components, like this:  </a:t>
             </a:r>
             <a:r>
-              <a:rPr lang="en-US" i="1" dirty="0" err="1"/>
+              <a:rPr lang="en-US" sz="2000" i="1" dirty="0" err="1"/>
               <a:t>major.minor</a:t>
             </a:r>
             <a:r>
-              <a:rPr lang="en-US" dirty="0"/>
+              <a:rPr lang="en-US" sz="2000" dirty="0"/>
               <a:t>[</a:t>
             </a:r>
             <a:r>
-              <a:rPr lang="en-US" i="1" dirty="0"/>
+              <a:rPr lang="en-US" sz="2000" i="1" dirty="0"/>
               <a:t>.build</a:t>
             </a:r>
             <a:r>
-              <a:rPr lang="en-US" dirty="0"/>
+              <a:rPr lang="en-US" sz="2000" dirty="0"/>
               <a:t>[</a:t>
             </a:r>
             <a:r>
-              <a:rPr lang="en-US" i="1" dirty="0"/>
+              <a:rPr lang="en-US" sz="2000" i="1" dirty="0"/>
               <a:t>.revision</a:t>
             </a:r>
             <a:r>
-              <a:rPr lang="en-US" dirty="0"/>
+              <a:rPr lang="en-US" sz="2000" dirty="0"/>
               <a:t>]]</a:t>
             </a:r>
           </a:p>
           <a:p>
-            <a:r>
-              <a:rPr lang="en-US" dirty="0"/>
+            <a:pPr fontAlgn="auto">
+              <a:spcAft>
+                <a:spcPts val="0"/>
+              </a:spcAft>
+            </a:pPr>
+            <a:r>
+              <a:rPr lang="en-US" sz="2000" dirty="0"/>
               <a:t>Customary uses:</a:t>
             </a:r>
           </a:p>
           <a:p>
-            <a:pPr lvl="1"/>
-            <a:r>
-              <a:rPr lang="en-US" dirty="0"/>
+            <a:pPr lvl="1" fontAlgn="auto">
+              <a:spcAft>
+                <a:spcPts val="0"/>
+              </a:spcAft>
+            </a:pPr>
+            <a:r>
+              <a:rPr lang="en-US" sz="2000" dirty="0"/>
               <a:t>Major: assemblies with the same name but different major numbers are not interchangeable. Higher major versions aren’t backward compatible.</a:t>
             </a:r>
           </a:p>
           <a:p>
-            <a:pPr lvl="1"/>
-            <a:r>
-              <a:rPr lang="en-US" dirty="0"/>
+            <a:pPr lvl="1" fontAlgn="auto">
+              <a:spcAft>
+                <a:spcPts val="0"/>
+              </a:spcAft>
+            </a:pPr>
+            <a:r>
+              <a:rPr lang="en-US" sz="2000" dirty="0"/>
               <a:t>Minor: a significant enhancement intended to be backward compatible with previous minor versions.</a:t>
             </a:r>
           </a:p>
           <a:p>
-            <a:pPr lvl="1"/>
-            <a:r>
-              <a:rPr lang="en-US" dirty="0"/>
+            <a:pPr lvl="1" fontAlgn="auto">
+              <a:spcAft>
+                <a:spcPts val="0"/>
+              </a:spcAft>
+            </a:pPr>
+            <a:r>
+              <a:rPr lang="en-US" sz="2000" dirty="0"/>
               <a:t>Build: no enhancement, just rebuilt for a different architecture or platform.</a:t>
             </a:r>
           </a:p>
           <a:p>
-            <a:pPr lvl="1"/>
-            <a:r>
-              <a:rPr lang="en-US" dirty="0"/>
+            <a:pPr lvl="1" fontAlgn="auto">
+              <a:spcAft>
+                <a:spcPts val="0"/>
+              </a:spcAft>
+            </a:pPr>
+            <a:r>
+              <a:rPr lang="en-US" sz="2000" dirty="0"/>
               <a:t>Revision: no enhancement, but has security or bug fixes.</a:t>
             </a:r>
           </a:p>
@@ -8180,7 +9919,7 @@
     </p:spTree>
     <p:extLst>
       <p:ext uri="{BB962C8B-B14F-4D97-AF65-F5344CB8AC3E}">
-        <p14:creationId xmlns:p14="http://schemas.microsoft.com/office/powerpoint/2010/main" val="1976204481"/>
+        <p14:creationId xmlns:p14="http://schemas.microsoft.com/office/powerpoint/2010/main" val="2894291318"/>
       </p:ext>
     </p:extLst>
   </p:cSld>
@@ -8216,27 +9955,197 @@
               </a:ext>
             </a:extLst>
           </p:cNvPr>
-          <p:cNvSpPr>
-            <a:spLocks noGrp="1"/>
+          <p:cNvSpPr txBox="1">
+            <a:spLocks/>
           </p:cNvSpPr>
-          <p:nvPr>
-            <p:ph type="body" sz="quarter" idx="10"/>
-          </p:nvPr>
+          <p:nvPr/>
         </p:nvSpPr>
         <p:spPr>
           <a:xfrm>
-            <a:off x="323529" y="339510"/>
-            <a:ext cx="11573197" cy="774916"/>
+            <a:off x="4990278" y="1317284"/>
+            <a:ext cx="2211442" cy="565837"/>
           </a:xfrm>
+          <a:prstGeom prst="rect">
+            <a:avLst/>
+          </a:prstGeom>
         </p:spPr>
         <p:txBody>
           <a:bodyPr>
             <a:noAutofit/>
           </a:bodyPr>
-          <a:lstStyle/>
-          <a:p>
-            <a:r>
-              <a:rPr lang="en-US" sz="5000"/>
+          <a:lstStyle>
+            <a:lvl1pPr marL="228600" indent="-228600" algn="l" defTabSz="914400" rtl="0" eaLnBrk="1" latinLnBrk="0" hangingPunct="1">
+              <a:lnSpc>
+                <a:spcPct val="90000"/>
+              </a:lnSpc>
+              <a:spcBef>
+                <a:spcPts val="1000"/>
+              </a:spcBef>
+              <a:buFont typeface="Arial" panose="020B0604020202020204" pitchFamily="34" charset="0"/>
+              <a:buChar char="•"/>
+              <a:defRPr sz="2800" kern="1200">
+                <a:solidFill>
+                  <a:schemeClr val="tx1"/>
+                </a:solidFill>
+                <a:latin typeface="+mn-lt"/>
+                <a:ea typeface="+mn-ea"/>
+                <a:cs typeface="+mn-cs"/>
+              </a:defRPr>
+            </a:lvl1pPr>
+            <a:lvl2pPr marL="685800" indent="-228600" algn="l" defTabSz="914400" rtl="0" eaLnBrk="1" latinLnBrk="0" hangingPunct="1">
+              <a:lnSpc>
+                <a:spcPct val="90000"/>
+              </a:lnSpc>
+              <a:spcBef>
+                <a:spcPts val="500"/>
+              </a:spcBef>
+              <a:buFont typeface="Arial" panose="020B0604020202020204" pitchFamily="34" charset="0"/>
+              <a:buChar char="•"/>
+              <a:defRPr sz="2400" kern="1200">
+                <a:solidFill>
+                  <a:schemeClr val="tx1"/>
+                </a:solidFill>
+                <a:latin typeface="+mn-lt"/>
+                <a:ea typeface="+mn-ea"/>
+                <a:cs typeface="+mn-cs"/>
+              </a:defRPr>
+            </a:lvl2pPr>
+            <a:lvl3pPr marL="1143000" indent="-228600" algn="l" defTabSz="914400" rtl="0" eaLnBrk="1" latinLnBrk="0" hangingPunct="1">
+              <a:lnSpc>
+                <a:spcPct val="90000"/>
+              </a:lnSpc>
+              <a:spcBef>
+                <a:spcPts val="500"/>
+              </a:spcBef>
+              <a:buFont typeface="Arial" panose="020B0604020202020204" pitchFamily="34" charset="0"/>
+              <a:buChar char="•"/>
+              <a:defRPr sz="2000" kern="1200">
+                <a:solidFill>
+                  <a:schemeClr val="tx1"/>
+                </a:solidFill>
+                <a:latin typeface="+mn-lt"/>
+                <a:ea typeface="+mn-ea"/>
+                <a:cs typeface="+mn-cs"/>
+              </a:defRPr>
+            </a:lvl3pPr>
+            <a:lvl4pPr marL="1600200" indent="-228600" algn="l" defTabSz="914400" rtl="0" eaLnBrk="1" latinLnBrk="0" hangingPunct="1">
+              <a:lnSpc>
+                <a:spcPct val="90000"/>
+              </a:lnSpc>
+              <a:spcBef>
+                <a:spcPts val="500"/>
+              </a:spcBef>
+              <a:buFont typeface="Arial" panose="020B0604020202020204" pitchFamily="34" charset="0"/>
+              <a:buChar char="•"/>
+              <a:defRPr sz="1800" kern="1200">
+                <a:solidFill>
+                  <a:schemeClr val="tx1"/>
+                </a:solidFill>
+                <a:latin typeface="+mn-lt"/>
+                <a:ea typeface="+mn-ea"/>
+                <a:cs typeface="+mn-cs"/>
+              </a:defRPr>
+            </a:lvl4pPr>
+            <a:lvl5pPr marL="2057400" indent="-228600" algn="l" defTabSz="914400" rtl="0" eaLnBrk="1" latinLnBrk="0" hangingPunct="1">
+              <a:lnSpc>
+                <a:spcPct val="90000"/>
+              </a:lnSpc>
+              <a:spcBef>
+                <a:spcPts val="500"/>
+              </a:spcBef>
+              <a:buFont typeface="Arial" panose="020B0604020202020204" pitchFamily="34" charset="0"/>
+              <a:buChar char="•"/>
+              <a:defRPr sz="1800" kern="1200">
+                <a:solidFill>
+                  <a:schemeClr val="tx1"/>
+                </a:solidFill>
+                <a:latin typeface="+mn-lt"/>
+                <a:ea typeface="+mn-ea"/>
+                <a:cs typeface="+mn-cs"/>
+              </a:defRPr>
+            </a:lvl5pPr>
+            <a:lvl6pPr marL="2514600" indent="-228600" algn="l" defTabSz="914400" rtl="0" eaLnBrk="1" latinLnBrk="0" hangingPunct="1">
+              <a:lnSpc>
+                <a:spcPct val="90000"/>
+              </a:lnSpc>
+              <a:spcBef>
+                <a:spcPts val="500"/>
+              </a:spcBef>
+              <a:buFont typeface="Arial" panose="020B0604020202020204" pitchFamily="34" charset="0"/>
+              <a:buChar char="•"/>
+              <a:defRPr sz="1800" kern="1200">
+                <a:solidFill>
+                  <a:schemeClr val="tx1"/>
+                </a:solidFill>
+                <a:latin typeface="+mn-lt"/>
+                <a:ea typeface="+mn-ea"/>
+                <a:cs typeface="+mn-cs"/>
+              </a:defRPr>
+            </a:lvl6pPr>
+            <a:lvl7pPr marL="2971800" indent="-228600" algn="l" defTabSz="914400" rtl="0" eaLnBrk="1" latinLnBrk="0" hangingPunct="1">
+              <a:lnSpc>
+                <a:spcPct val="90000"/>
+              </a:lnSpc>
+              <a:spcBef>
+                <a:spcPts val="500"/>
+              </a:spcBef>
+              <a:buFont typeface="Arial" panose="020B0604020202020204" pitchFamily="34" charset="0"/>
+              <a:buChar char="•"/>
+              <a:defRPr sz="1800" kern="1200">
+                <a:solidFill>
+                  <a:schemeClr val="tx1"/>
+                </a:solidFill>
+                <a:latin typeface="+mn-lt"/>
+                <a:ea typeface="+mn-ea"/>
+                <a:cs typeface="+mn-cs"/>
+              </a:defRPr>
+            </a:lvl7pPr>
+            <a:lvl8pPr marL="3429000" indent="-228600" algn="l" defTabSz="914400" rtl="0" eaLnBrk="1" latinLnBrk="0" hangingPunct="1">
+              <a:lnSpc>
+                <a:spcPct val="90000"/>
+              </a:lnSpc>
+              <a:spcBef>
+                <a:spcPts val="500"/>
+              </a:spcBef>
+              <a:buFont typeface="Arial" panose="020B0604020202020204" pitchFamily="34" charset="0"/>
+              <a:buChar char="•"/>
+              <a:defRPr sz="1800" kern="1200">
+                <a:solidFill>
+                  <a:schemeClr val="tx1"/>
+                </a:solidFill>
+                <a:latin typeface="+mn-lt"/>
+                <a:ea typeface="+mn-ea"/>
+                <a:cs typeface="+mn-cs"/>
+              </a:defRPr>
+            </a:lvl8pPr>
+            <a:lvl9pPr marL="3886200" indent="-228600" algn="l" defTabSz="914400" rtl="0" eaLnBrk="1" latinLnBrk="0" hangingPunct="1">
+              <a:lnSpc>
+                <a:spcPct val="90000"/>
+              </a:lnSpc>
+              <a:spcBef>
+                <a:spcPts val="500"/>
+              </a:spcBef>
+              <a:buFont typeface="Arial" panose="020B0604020202020204" pitchFamily="34" charset="0"/>
+              <a:buChar char="•"/>
+              <a:defRPr sz="1800" kern="1200">
+                <a:solidFill>
+                  <a:schemeClr val="tx1"/>
+                </a:solidFill>
+                <a:latin typeface="+mn-lt"/>
+                <a:ea typeface="+mn-ea"/>
+                <a:cs typeface="+mn-cs"/>
+              </a:defRPr>
+            </a:lvl9pPr>
+          </a:lstStyle>
+          <a:p>
+            <a:pPr marL="0" indent="0" fontAlgn="auto">
+              <a:spcAft>
+                <a:spcPts val="0"/>
+              </a:spcAft>
+              <a:buNone/>
+            </a:pPr>
+            <a:r>
+              <a:rPr lang="en-US" sz="4400" dirty="0"/>
               <a:t>Exercise</a:t>
             </a:r>
             <a:endParaRPr lang="en-US" sz="5000" dirty="0"/>
@@ -8257,8 +10166,8 @@
         </p:nvSpPr>
         <p:spPr>
           <a:xfrm>
-            <a:off x="1268396" y="1114426"/>
-            <a:ext cx="9655207" cy="646331"/>
+            <a:off x="1492768" y="2065039"/>
+            <a:ext cx="9206463" cy="707886"/>
           </a:xfrm>
           <a:prstGeom prst="rect">
             <a:avLst/>
@@ -8276,27 +10185,18 @@
               <a:buChar char="•"/>
             </a:pPr>
             <a:r>
-              <a:rPr lang="en-US" sz="1800" dirty="0">
+              <a:rPr lang="en-US" sz="2000" dirty="0">
                 <a:latin typeface="+mn-lt"/>
               </a:rPr>
-              <a:t>For your third exercise this week, you will create, test, and use a manifest for the custom module you competed in the previous </a:t>
-            </a:r>
-            <a:r>
-              <a:rPr lang="en-US" sz="1800">
-                <a:latin typeface="+mn-lt"/>
-              </a:rPr>
-              <a:t>exercise.</a:t>
-            </a:r>
-            <a:endParaRPr lang="en-US" sz="1800" dirty="0">
-              <a:latin typeface="+mn-lt"/>
-            </a:endParaRPr>
+              <a:t>For your third exercise this week, you will create, test, and use a manifest for the custom module you competed in the previous exercise.</a:t>
+            </a:r>
           </a:p>
         </p:txBody>
       </p:sp>
     </p:spTree>
     <p:extLst>
       <p:ext uri="{BB962C8B-B14F-4D97-AF65-F5344CB8AC3E}">
-        <p14:creationId xmlns:p14="http://schemas.microsoft.com/office/powerpoint/2010/main" val="322366662"/>
+        <p14:creationId xmlns:p14="http://schemas.microsoft.com/office/powerpoint/2010/main" val="2426059308"/>
       </p:ext>
     </p:extLst>
   </p:cSld>
@@ -9155,7 +11055,7 @@
 </file>
 
 <file path=ppt/theme/theme2.xml><?xml version="1.0" encoding="utf-8"?>
-<a:theme xmlns:a="http://schemas.openxmlformats.org/drawingml/2006/main" name="Office Theme">
+<a:theme xmlns:a="http://schemas.openxmlformats.org/drawingml/2006/main" name="1_Office Theme">
   <a:themeElements>
     <a:clrScheme name="Office">
       <a:dk1>
@@ -9165,39 +11065,39 @@
         <a:sysClr val="window" lastClr="FFFFFF"/>
       </a:lt1>
       <a:dk2>
-        <a:srgbClr val="44546A"/>
+        <a:srgbClr val="0E2841"/>
       </a:dk2>
       <a:lt2>
-        <a:srgbClr val="E7E6E6"/>
+        <a:srgbClr val="E8E8E8"/>
       </a:lt2>
       <a:accent1>
-        <a:srgbClr val="4472C4"/>
+        <a:srgbClr val="156082"/>
       </a:accent1>
       <a:accent2>
-        <a:srgbClr val="ED7D31"/>
+        <a:srgbClr val="E97132"/>
       </a:accent2>
       <a:accent3>
-        <a:srgbClr val="A5A5A5"/>
+        <a:srgbClr val="196B24"/>
       </a:accent3>
       <a:accent4>
-        <a:srgbClr val="FFC000"/>
+        <a:srgbClr val="0F9ED5"/>
       </a:accent4>
       <a:accent5>
-        <a:srgbClr val="5B9BD5"/>
+        <a:srgbClr val="A02B93"/>
       </a:accent5>
       <a:accent6>
-        <a:srgbClr val="70AD47"/>
+        <a:srgbClr val="4EA72E"/>
       </a:accent6>
       <a:hlink>
-        <a:srgbClr val="0563C1"/>
+        <a:srgbClr val="467886"/>
       </a:hlink>
       <a:folHlink>
-        <a:srgbClr val="954F72"/>
+        <a:srgbClr val="96607D"/>
       </a:folHlink>
     </a:clrScheme>
     <a:fontScheme name="Office">
       <a:majorFont>
-        <a:latin typeface="Calibri Light" panose="020F0302020204030204"/>
+        <a:latin typeface="Aptos Display" panose="02110004020202020204"/>
         <a:ea typeface=""/>
         <a:cs typeface=""/>
         <a:font script="Jpan" typeface="游ゴシック Light"/>
@@ -9249,7 +11149,7 @@
         <a:font script="Tfng" typeface="Ebrima"/>
       </a:majorFont>
       <a:minorFont>
-        <a:latin typeface="Calibri" panose="020F0502020204030204"/>
+        <a:latin typeface="Aptos" panose="02110004020202020204"/>
         <a:ea typeface=""/>
         <a:cs typeface=""/>
         <a:font script="Jpan" typeface="游ゴシック"/>
@@ -9360,13 +11260,6 @@
         </a:gradFill>
       </a:fillStyleLst>
       <a:lnStyleLst>
-        <a:ln w="6350" cap="flat" cmpd="sng" algn="ctr">
-          <a:solidFill>
-            <a:schemeClr val="phClr"/>
-          </a:solidFill>
-          <a:prstDash val="solid"/>
-          <a:miter lim="800000"/>
-        </a:ln>
         <a:ln w="12700" cap="flat" cmpd="sng" algn="ctr">
           <a:solidFill>
             <a:schemeClr val="phClr"/>
@@ -9375,6 +11268,13 @@
           <a:miter lim="800000"/>
         </a:ln>
         <a:ln w="19050" cap="flat" cmpd="sng" algn="ctr">
+          <a:solidFill>
+            <a:schemeClr val="phClr"/>
+          </a:solidFill>
+          <a:prstDash val="solid"/>
+          <a:miter lim="800000"/>
+        </a:ln>
+        <a:ln w="25400" cap="flat" cmpd="sng" algn="ctr">
           <a:solidFill>
             <a:schemeClr val="phClr"/>
           </a:solidFill>
@@ -9439,11 +11339,31 @@
       </a:bgFillStyleLst>
     </a:fmtScheme>
   </a:themeElements>
-  <a:objectDefaults/>
+  <a:objectDefaults>
+    <a:lnDef>
+      <a:spPr/>
+      <a:bodyPr/>
+      <a:lstStyle/>
+      <a:style>
+        <a:lnRef idx="2">
+          <a:schemeClr val="accent1"/>
+        </a:lnRef>
+        <a:fillRef idx="0">
+          <a:schemeClr val="accent1"/>
+        </a:fillRef>
+        <a:effectRef idx="1">
+          <a:schemeClr val="accent1"/>
+        </a:effectRef>
+        <a:fontRef idx="minor">
+          <a:schemeClr val="tx1"/>
+        </a:fontRef>
+      </a:style>
+    </a:lnDef>
+  </a:objectDefaults>
   <a:extraClrSchemeLst/>
   <a:extLst>
     <a:ext uri="{05A4C25C-085E-4340-85A3-A5531E510DB2}">
-      <thm15:themeFamily xmlns:thm15="http://schemas.microsoft.com/office/thememl/2012/main" name="Office Theme" id="{62F939B6-93AF-4DB8-9C6B-D6C7DFDC589F}" vid="{4A3C46E8-61CC-4603-A589-7422A47A8E4A}"/>
+      <thm15:themeFamily xmlns:thm15="http://schemas.microsoft.com/office/thememl/2012/main" name="Presentation1" id="{DAD0D162-FE0C-45E1-B287-70A400F0FB2D}" vid="{0F85589E-3A92-4CE5-8C4F-6CD4A008415E}"/>
     </a:ext>
   </a:extLst>
 </a:theme>
